--- a/presentation/Class_6_Files/Class_6_Files.pptx
+++ b/presentation/Class_6_Files/Class_6_Files.pptx
@@ -5,7 +5,7 @@
     <p:sldMasterId id="2147483660" r:id="rId1"/>
   </p:sldMasterIdLst>
   <p:notesMasterIdLst>
-    <p:notesMasterId r:id="rId10"/>
+    <p:notesMasterId r:id="rId9"/>
   </p:notesMasterIdLst>
   <p:sldIdLst>
     <p:sldId id="411" r:id="rId2"/>
@@ -13,9 +13,8 @@
     <p:sldId id="314" r:id="rId4"/>
     <p:sldId id="315" r:id="rId5"/>
     <p:sldId id="316" r:id="rId6"/>
-    <p:sldId id="317" r:id="rId7"/>
-    <p:sldId id="318" r:id="rId8"/>
-    <p:sldId id="412" r:id="rId9"/>
+    <p:sldId id="412" r:id="rId7"/>
+    <p:sldId id="403" r:id="rId8"/>
   </p:sldIdLst>
   <p:sldSz cx="12192000" cy="6858000"/>
   <p:notesSz cx="6858000" cy="9144000"/>
@@ -204,7 +203,7 @@
           <a:p>
             <a:fld id="{656D2E9F-587F-4929-A615-D1B22C008AE4}" type="datetimeFigureOut">
               <a:rPr lang="en-US" smtClean="0"/>
-              <a:t>10/25/2021</a:t>
+              <a:t>2/28/2022</a:t>
             </a:fld>
             <a:endParaRPr lang="en-US" dirty="0"/>
           </a:p>
@@ -515,24 +514,6 @@
           <a:bodyPr/>
           <a:lstStyle/>
           <a:p>
-            <a:r>
-              <a:rPr lang="en-US" dirty="0"/>
-              <a:t>Use the previous iteration as a start to the next.</a:t>
-            </a:r>
-          </a:p>
-          <a:p>
-            <a:r>
-              <a:rPr lang="en-US" dirty="0"/>
-              <a:t>I'll go around and watch.</a:t>
-            </a:r>
-          </a:p>
-          <a:p>
-            <a:r>
-              <a:rPr lang="en-US" dirty="0"/>
-              <a:t>Raise had if a question.</a:t>
-            </a:r>
-          </a:p>
-          <a:p>
             <a:endParaRPr lang="en-US" dirty="0"/>
           </a:p>
         </p:txBody>
@@ -653,7 +634,7 @@
                 <a:tabLst/>
                 <a:defRPr/>
               </a:pPr>
-              <a:t>10/25/2021</a:t>
+              <a:t>2/28/2022</a:t>
             </a:fld>
             <a:endParaRPr kumimoji="0" lang="en-US" sz="1200" b="0" i="0" u="none" strike="noStrike" kern="1200" cap="none" spc="0" normalizeH="0" baseline="0" noProof="0" dirty="0">
               <a:ln>
@@ -1005,7 +986,7 @@
                 <a:tabLst/>
                 <a:defRPr/>
               </a:pPr>
-              <a:t>10/25/2021</a:t>
+              <a:t>2/28/2022</a:t>
             </a:fld>
             <a:endParaRPr kumimoji="0" lang="en-US" sz="1200" b="0" i="0" u="none" strike="noStrike" kern="1200" cap="none" spc="0" normalizeH="0" baseline="0" noProof="0" dirty="0">
               <a:ln>
@@ -1351,7 +1332,7 @@
                 <a:tabLst/>
                 <a:defRPr/>
               </a:pPr>
-              <a:t>10/25/2021</a:t>
+              <a:t>2/28/2022</a:t>
             </a:fld>
             <a:endParaRPr kumimoji="0" lang="en-US" sz="1200" b="0" i="0" u="none" strike="noStrike" kern="1200" cap="none" spc="0" normalizeH="0" baseline="0" noProof="0" dirty="0">
               <a:ln>
@@ -1685,7 +1666,7 @@
                 <a:tabLst/>
                 <a:defRPr/>
               </a:pPr>
-              <a:t>10/25/2021</a:t>
+              <a:t>2/28/2022</a:t>
             </a:fld>
             <a:endParaRPr kumimoji="0" lang="en-US" sz="1200" b="0" i="0" u="none" strike="noStrike" kern="1200" cap="none" spc="0" normalizeH="0" baseline="0" noProof="0" dirty="0">
               <a:ln>
@@ -2031,7 +2012,7 @@
                 <a:tabLst/>
                 <a:defRPr/>
               </a:pPr>
-              <a:t>10/25/2021</a:t>
+              <a:t>2/28/2022</a:t>
             </a:fld>
             <a:endParaRPr kumimoji="0" lang="en-US" sz="1200" b="0" i="0" u="none" strike="noStrike" kern="1200" cap="none" spc="0" normalizeH="0" baseline="0" noProof="0" dirty="0">
               <a:ln>
@@ -2242,6 +2223,24 @@
           <a:bodyPr/>
           <a:lstStyle/>
           <a:p>
+            <a:r>
+              <a:rPr lang="en-US" dirty="0"/>
+              <a:t>File, as a named group of bytes is an abstraction.</a:t>
+            </a:r>
+          </a:p>
+          <a:p>
+            <a:r>
+              <a:rPr lang="en-US" dirty="0"/>
+              <a:t>Years ago the programmer needed to understand more about the structure.</a:t>
+            </a:r>
+          </a:p>
+          <a:p>
+            <a:r>
+              <a:rPr lang="en-US" dirty="0"/>
+              <a:t>Your Python program is a data file to some program(s).</a:t>
+            </a:r>
+          </a:p>
+          <a:p>
             <a:endParaRPr lang="en-US" dirty="0"/>
           </a:p>
         </p:txBody>
@@ -2253,7 +2252,7 @@
             <a:spLocks noGrp="1"/>
           </p:cNvSpPr>
           <p:nvPr>
-            <p:ph type="hdr" sz="quarter"/>
+            <p:ph type="hdr" sz="quarter" idx="10"/>
           </p:nvPr>
         </p:nvSpPr>
         <p:spPr/>
@@ -2261,38 +2260,8 @@
           <a:bodyPr/>
           <a:lstStyle/>
           <a:p>
-            <a:pPr marL="0" marR="0" lvl="0" indent="0" algn="l" defTabSz="457200" rtl="0" eaLnBrk="1" fontAlgn="auto" latinLnBrk="0" hangingPunct="1">
-              <a:lnSpc>
-                <a:spcPct val="100000"/>
-              </a:lnSpc>
-              <a:spcBef>
-                <a:spcPts val="0"/>
-              </a:spcBef>
-              <a:spcAft>
-                <a:spcPts val="0"/>
-              </a:spcAft>
-              <a:buClrTx/>
-              <a:buSzTx/>
-              <a:buFontTx/>
-              <a:buNone/>
-              <a:tabLst/>
-              <a:defRPr/>
-            </a:pPr>
-            <a:r>
-              <a:rPr kumimoji="0" lang="en-US" sz="1200" b="0" i="0" u="none" strike="noStrike" kern="1200" cap="none" spc="0" normalizeH="0" baseline="0" noProof="0" dirty="0">
-                <a:ln>
-                  <a:noFill/>
-                </a:ln>
-                <a:solidFill>
-                  <a:prstClr val="black"/>
-                </a:solidFill>
-                <a:effectLst/>
-                <a:uLnTx/>
-                <a:uFillTx/>
-                <a:latin typeface="Calibri" panose="020F0502020204030204"/>
-                <a:ea typeface="+mn-ea"/>
-                <a:cs typeface="+mn-cs"/>
-              </a:rPr>
+            <a:r>
+              <a:rPr lang="en-US" dirty="0"/>
               <a:t>Introduction to Programming using Python</a:t>
             </a:r>
           </a:p>
@@ -2305,7 +2274,7 @@
             <a:spLocks noGrp="1"/>
           </p:cNvSpPr>
           <p:nvPr>
-            <p:ph type="dt" idx="1"/>
+            <p:ph type="dt" idx="11"/>
           </p:nvPr>
         </p:nvSpPr>
         <p:spPr/>
@@ -2313,71 +2282,11 @@
           <a:bodyPr/>
           <a:lstStyle/>
           <a:p>
-            <a:pPr marL="0" marR="0" lvl="0" indent="0" algn="r" defTabSz="457200" rtl="0" eaLnBrk="1" fontAlgn="auto" latinLnBrk="0" hangingPunct="1">
-              <a:lnSpc>
-                <a:spcPct val="100000"/>
-              </a:lnSpc>
-              <a:spcBef>
-                <a:spcPts val="0"/>
-              </a:spcBef>
-              <a:spcAft>
-                <a:spcPts val="0"/>
-              </a:spcAft>
-              <a:buClrTx/>
-              <a:buSzTx/>
-              <a:buFontTx/>
-              <a:buNone/>
-              <a:tabLst/>
-              <a:defRPr/>
-            </a:pPr>
             <a:fld id="{A596092B-28C7-44D1-B902-5437B333DFB7}" type="datetime1">
-              <a:rPr kumimoji="0" lang="en-US" sz="1200" b="0" i="0" u="none" strike="noStrike" kern="1200" cap="none" spc="0" normalizeH="0" baseline="0" noProof="0" smtClean="0">
-                <a:ln>
-                  <a:noFill/>
-                </a:ln>
-                <a:solidFill>
-                  <a:prstClr val="black"/>
-                </a:solidFill>
-                <a:effectLst/>
-                <a:uLnTx/>
-                <a:uFillTx/>
-                <a:latin typeface="Calibri" panose="020F0502020204030204"/>
-                <a:ea typeface="+mn-ea"/>
-                <a:cs typeface="+mn-cs"/>
-              </a:rPr>
-              <a:pPr marL="0" marR="0" lvl="0" indent="0" algn="r" defTabSz="457200" rtl="0" eaLnBrk="1" fontAlgn="auto" latinLnBrk="0" hangingPunct="1">
-                <a:lnSpc>
-                  <a:spcPct val="100000"/>
-                </a:lnSpc>
-                <a:spcBef>
-                  <a:spcPts val="0"/>
-                </a:spcBef>
-                <a:spcAft>
-                  <a:spcPts val="0"/>
-                </a:spcAft>
-                <a:buClrTx/>
-                <a:buSzTx/>
-                <a:buFontTx/>
-                <a:buNone/>
-                <a:tabLst/>
-                <a:defRPr/>
-              </a:pPr>
-              <a:t>10/25/2021</a:t>
+              <a:rPr lang="en-US" smtClean="0"/>
+              <a:t>2/28/2022</a:t>
             </a:fld>
-            <a:endParaRPr kumimoji="0" lang="en-US" sz="1200" b="0" i="0" u="none" strike="noStrike" kern="1200" cap="none" spc="0" normalizeH="0" baseline="0" noProof="0" dirty="0">
-              <a:ln>
-                <a:noFill/>
-              </a:ln>
-              <a:solidFill>
-                <a:prstClr val="black"/>
-              </a:solidFill>
-              <a:effectLst/>
-              <a:uLnTx/>
-              <a:uFillTx/>
-              <a:latin typeface="Calibri" panose="020F0502020204030204"/>
-              <a:ea typeface="+mn-ea"/>
-              <a:cs typeface="+mn-cs"/>
-            </a:endParaRPr>
+            <a:endParaRPr lang="en-US" dirty="0"/>
           </a:p>
         </p:txBody>
       </p:sp>
@@ -2388,7 +2297,7 @@
             <a:spLocks noGrp="1"/>
           </p:cNvSpPr>
           <p:nvPr>
-            <p:ph type="ftr" sz="quarter" idx="4"/>
+            <p:ph type="ftr" sz="quarter" idx="12"/>
           </p:nvPr>
         </p:nvSpPr>
         <p:spPr/>
@@ -2396,38 +2305,8 @@
           <a:bodyPr/>
           <a:lstStyle/>
           <a:p>
-            <a:pPr marL="0" marR="0" lvl="0" indent="0" algn="l" defTabSz="457200" rtl="0" eaLnBrk="1" fontAlgn="auto" latinLnBrk="0" hangingPunct="1">
-              <a:lnSpc>
-                <a:spcPct val="100000"/>
-              </a:lnSpc>
-              <a:spcBef>
-                <a:spcPts val="0"/>
-              </a:spcBef>
-              <a:spcAft>
-                <a:spcPts val="0"/>
-              </a:spcAft>
-              <a:buClrTx/>
-              <a:buSzTx/>
-              <a:buFontTx/>
-              <a:buNone/>
-              <a:tabLst/>
-              <a:defRPr/>
-            </a:pPr>
-            <a:r>
-              <a:rPr kumimoji="0" lang="en-US" sz="1200" b="0" i="0" u="none" strike="noStrike" kern="1200" cap="none" spc="0" normalizeH="0" baseline="0" noProof="0" dirty="0">
-                <a:ln>
-                  <a:noFill/>
-                </a:ln>
-                <a:solidFill>
-                  <a:prstClr val="black"/>
-                </a:solidFill>
-                <a:effectLst/>
-                <a:uLnTx/>
-                <a:uFillTx/>
-                <a:latin typeface="Calibri" panose="020F0502020204030204"/>
-                <a:ea typeface="+mn-ea"/>
-                <a:cs typeface="+mn-cs"/>
-              </a:rPr>
+            <a:r>
+              <a:rPr lang="en-US" dirty="0"/>
               <a:t>raysmith@alum.mit.edu</a:t>
             </a:r>
           </a:p>
@@ -2440,7 +2319,7 @@
             <a:spLocks noGrp="1"/>
           </p:cNvSpPr>
           <p:nvPr>
-            <p:ph type="sldNum" sz="quarter" idx="5"/>
+            <p:ph type="sldNum" sz="quarter" idx="13"/>
           </p:nvPr>
         </p:nvSpPr>
         <p:spPr/>
@@ -2448,409 +2327,18 @@
           <a:bodyPr/>
           <a:lstStyle/>
           <a:p>
-            <a:pPr marL="0" marR="0" lvl="0" indent="0" algn="r" defTabSz="457200" rtl="0" eaLnBrk="1" fontAlgn="auto" latinLnBrk="0" hangingPunct="1">
-              <a:lnSpc>
-                <a:spcPct val="100000"/>
-              </a:lnSpc>
-              <a:spcBef>
-                <a:spcPts val="0"/>
-              </a:spcBef>
-              <a:spcAft>
-                <a:spcPts val="0"/>
-              </a:spcAft>
-              <a:buClrTx/>
-              <a:buSzTx/>
-              <a:buFontTx/>
-              <a:buNone/>
-              <a:tabLst/>
-              <a:defRPr/>
-            </a:pPr>
             <a:fld id="{BA791329-992B-4F83-8435-C33B0EC26DB3}" type="slidenum">
-              <a:rPr kumimoji="0" lang="en-US" sz="1200" b="0" i="0" u="none" strike="noStrike" kern="1200" cap="none" spc="0" normalizeH="0" baseline="0" noProof="0" smtClean="0">
-                <a:ln>
-                  <a:noFill/>
-                </a:ln>
-                <a:solidFill>
-                  <a:prstClr val="black"/>
-                </a:solidFill>
-                <a:effectLst/>
-                <a:uLnTx/>
-                <a:uFillTx/>
-                <a:latin typeface="Calibri" panose="020F0502020204030204"/>
-                <a:ea typeface="+mn-ea"/>
-                <a:cs typeface="+mn-cs"/>
-              </a:rPr>
-              <a:pPr marL="0" marR="0" lvl="0" indent="0" algn="r" defTabSz="457200" rtl="0" eaLnBrk="1" fontAlgn="auto" latinLnBrk="0" hangingPunct="1">
-                <a:lnSpc>
-                  <a:spcPct val="100000"/>
-                </a:lnSpc>
-                <a:spcBef>
-                  <a:spcPts val="0"/>
-                </a:spcBef>
-                <a:spcAft>
-                  <a:spcPts val="0"/>
-                </a:spcAft>
-                <a:buClrTx/>
-                <a:buSzTx/>
-                <a:buFontTx/>
-                <a:buNone/>
-                <a:tabLst/>
-                <a:defRPr/>
-              </a:pPr>
-              <a:t>6</a:t>
+              <a:rPr lang="en-US" smtClean="0"/>
+              <a:t>7</a:t>
             </a:fld>
-            <a:endParaRPr kumimoji="0" lang="en-US" sz="1200" b="0" i="0" u="none" strike="noStrike" kern="1200" cap="none" spc="0" normalizeH="0" baseline="0" noProof="0" dirty="0">
-              <a:ln>
-                <a:noFill/>
-              </a:ln>
-              <a:solidFill>
-                <a:prstClr val="black"/>
-              </a:solidFill>
-              <a:effectLst/>
-              <a:uLnTx/>
-              <a:uFillTx/>
-              <a:latin typeface="Calibri" panose="020F0502020204030204"/>
-              <a:ea typeface="+mn-ea"/>
-              <a:cs typeface="+mn-cs"/>
-            </a:endParaRPr>
+            <a:endParaRPr lang="en-US" dirty="0"/>
           </a:p>
         </p:txBody>
       </p:sp>
     </p:spTree>
     <p:extLst>
       <p:ext uri="{BB962C8B-B14F-4D97-AF65-F5344CB8AC3E}">
-        <p14:creationId xmlns:p14="http://schemas.microsoft.com/office/powerpoint/2010/main" val="361679336"/>
-      </p:ext>
-    </p:extLst>
-  </p:cSld>
-  <p:clrMapOvr>
-    <a:masterClrMapping/>
-  </p:clrMapOvr>
-</p:notes>
-</file>
-
-<file path=ppt/notesSlides/notesSlide7.xml><?xml version="1.0" encoding="utf-8"?>
-<p:notes xmlns:a="http://schemas.openxmlformats.org/drawingml/2006/main" xmlns:r="http://schemas.openxmlformats.org/officeDocument/2006/relationships" xmlns:p="http://schemas.openxmlformats.org/presentationml/2006/main">
-  <p:cSld>
-    <p:spTree>
-      <p:nvGrpSpPr>
-        <p:cNvPr id="1" name=""/>
-        <p:cNvGrpSpPr/>
-        <p:nvPr/>
-      </p:nvGrpSpPr>
-      <p:grpSpPr>
-        <a:xfrm>
-          <a:off x="0" y="0"/>
-          <a:ext cx="0" cy="0"/>
-          <a:chOff x="0" y="0"/>
-          <a:chExt cx="0" cy="0"/>
-        </a:xfrm>
-      </p:grpSpPr>
-      <p:sp>
-        <p:nvSpPr>
-          <p:cNvPr id="2" name="Slide Image Placeholder 1"/>
-          <p:cNvSpPr>
-            <a:spLocks noGrp="1" noRot="1" noChangeAspect="1"/>
-          </p:cNvSpPr>
-          <p:nvPr>
-            <p:ph type="sldImg"/>
-          </p:nvPr>
-        </p:nvSpPr>
-        <p:spPr/>
-      </p:sp>
-      <p:sp>
-        <p:nvSpPr>
-          <p:cNvPr id="3" name="Notes Placeholder 2"/>
-          <p:cNvSpPr>
-            <a:spLocks noGrp="1"/>
-          </p:cNvSpPr>
-          <p:nvPr>
-            <p:ph type="body" idx="1"/>
-          </p:nvPr>
-        </p:nvSpPr>
-        <p:spPr/>
-        <p:txBody>
-          <a:bodyPr/>
-          <a:lstStyle/>
-          <a:p>
-            <a:endParaRPr lang="en-US" dirty="0"/>
-          </a:p>
-        </p:txBody>
-      </p:sp>
-      <p:sp>
-        <p:nvSpPr>
-          <p:cNvPr id="4" name="Header Placeholder 3"/>
-          <p:cNvSpPr>
-            <a:spLocks noGrp="1"/>
-          </p:cNvSpPr>
-          <p:nvPr>
-            <p:ph type="hdr" sz="quarter"/>
-          </p:nvPr>
-        </p:nvSpPr>
-        <p:spPr/>
-        <p:txBody>
-          <a:bodyPr/>
-          <a:lstStyle/>
-          <a:p>
-            <a:pPr marL="0" marR="0" lvl="0" indent="0" algn="l" defTabSz="457200" rtl="0" eaLnBrk="1" fontAlgn="auto" latinLnBrk="0" hangingPunct="1">
-              <a:lnSpc>
-                <a:spcPct val="100000"/>
-              </a:lnSpc>
-              <a:spcBef>
-                <a:spcPts val="0"/>
-              </a:spcBef>
-              <a:spcAft>
-                <a:spcPts val="0"/>
-              </a:spcAft>
-              <a:buClrTx/>
-              <a:buSzTx/>
-              <a:buFontTx/>
-              <a:buNone/>
-              <a:tabLst/>
-              <a:defRPr/>
-            </a:pPr>
-            <a:r>
-              <a:rPr kumimoji="0" lang="en-US" sz="1200" b="0" i="0" u="none" strike="noStrike" kern="1200" cap="none" spc="0" normalizeH="0" baseline="0" noProof="0" dirty="0">
-                <a:ln>
-                  <a:noFill/>
-                </a:ln>
-                <a:solidFill>
-                  <a:prstClr val="black"/>
-                </a:solidFill>
-                <a:effectLst/>
-                <a:uLnTx/>
-                <a:uFillTx/>
-                <a:latin typeface="Calibri" panose="020F0502020204030204"/>
-                <a:ea typeface="+mn-ea"/>
-                <a:cs typeface="+mn-cs"/>
-              </a:rPr>
-              <a:t>Introduction to Programming using Python</a:t>
-            </a:r>
-          </a:p>
-        </p:txBody>
-      </p:sp>
-      <p:sp>
-        <p:nvSpPr>
-          <p:cNvPr id="5" name="Date Placeholder 4"/>
-          <p:cNvSpPr>
-            <a:spLocks noGrp="1"/>
-          </p:cNvSpPr>
-          <p:nvPr>
-            <p:ph type="dt" idx="1"/>
-          </p:nvPr>
-        </p:nvSpPr>
-        <p:spPr/>
-        <p:txBody>
-          <a:bodyPr/>
-          <a:lstStyle/>
-          <a:p>
-            <a:pPr marL="0" marR="0" lvl="0" indent="0" algn="r" defTabSz="457200" rtl="0" eaLnBrk="1" fontAlgn="auto" latinLnBrk="0" hangingPunct="1">
-              <a:lnSpc>
-                <a:spcPct val="100000"/>
-              </a:lnSpc>
-              <a:spcBef>
-                <a:spcPts val="0"/>
-              </a:spcBef>
-              <a:spcAft>
-                <a:spcPts val="0"/>
-              </a:spcAft>
-              <a:buClrTx/>
-              <a:buSzTx/>
-              <a:buFontTx/>
-              <a:buNone/>
-              <a:tabLst/>
-              <a:defRPr/>
-            </a:pPr>
-            <a:fld id="{A596092B-28C7-44D1-B902-5437B333DFB7}" type="datetime1">
-              <a:rPr kumimoji="0" lang="en-US" sz="1200" b="0" i="0" u="none" strike="noStrike" kern="1200" cap="none" spc="0" normalizeH="0" baseline="0" noProof="0" smtClean="0">
-                <a:ln>
-                  <a:noFill/>
-                </a:ln>
-                <a:solidFill>
-                  <a:prstClr val="black"/>
-                </a:solidFill>
-                <a:effectLst/>
-                <a:uLnTx/>
-                <a:uFillTx/>
-                <a:latin typeface="Calibri" panose="020F0502020204030204"/>
-                <a:ea typeface="+mn-ea"/>
-                <a:cs typeface="+mn-cs"/>
-              </a:rPr>
-              <a:pPr marL="0" marR="0" lvl="0" indent="0" algn="r" defTabSz="457200" rtl="0" eaLnBrk="1" fontAlgn="auto" latinLnBrk="0" hangingPunct="1">
-                <a:lnSpc>
-                  <a:spcPct val="100000"/>
-                </a:lnSpc>
-                <a:spcBef>
-                  <a:spcPts val="0"/>
-                </a:spcBef>
-                <a:spcAft>
-                  <a:spcPts val="0"/>
-                </a:spcAft>
-                <a:buClrTx/>
-                <a:buSzTx/>
-                <a:buFontTx/>
-                <a:buNone/>
-                <a:tabLst/>
-                <a:defRPr/>
-              </a:pPr>
-              <a:t>10/25/2021</a:t>
-            </a:fld>
-            <a:endParaRPr kumimoji="0" lang="en-US" sz="1200" b="0" i="0" u="none" strike="noStrike" kern="1200" cap="none" spc="0" normalizeH="0" baseline="0" noProof="0" dirty="0">
-              <a:ln>
-                <a:noFill/>
-              </a:ln>
-              <a:solidFill>
-                <a:prstClr val="black"/>
-              </a:solidFill>
-              <a:effectLst/>
-              <a:uLnTx/>
-              <a:uFillTx/>
-              <a:latin typeface="Calibri" panose="020F0502020204030204"/>
-              <a:ea typeface="+mn-ea"/>
-              <a:cs typeface="+mn-cs"/>
-            </a:endParaRPr>
-          </a:p>
-        </p:txBody>
-      </p:sp>
-      <p:sp>
-        <p:nvSpPr>
-          <p:cNvPr id="6" name="Footer Placeholder 5"/>
-          <p:cNvSpPr>
-            <a:spLocks noGrp="1"/>
-          </p:cNvSpPr>
-          <p:nvPr>
-            <p:ph type="ftr" sz="quarter" idx="4"/>
-          </p:nvPr>
-        </p:nvSpPr>
-        <p:spPr/>
-        <p:txBody>
-          <a:bodyPr/>
-          <a:lstStyle/>
-          <a:p>
-            <a:pPr marL="0" marR="0" lvl="0" indent="0" algn="l" defTabSz="457200" rtl="0" eaLnBrk="1" fontAlgn="auto" latinLnBrk="0" hangingPunct="1">
-              <a:lnSpc>
-                <a:spcPct val="100000"/>
-              </a:lnSpc>
-              <a:spcBef>
-                <a:spcPts val="0"/>
-              </a:spcBef>
-              <a:spcAft>
-                <a:spcPts val="0"/>
-              </a:spcAft>
-              <a:buClrTx/>
-              <a:buSzTx/>
-              <a:buFontTx/>
-              <a:buNone/>
-              <a:tabLst/>
-              <a:defRPr/>
-            </a:pPr>
-            <a:r>
-              <a:rPr kumimoji="0" lang="en-US" sz="1200" b="0" i="0" u="none" strike="noStrike" kern="1200" cap="none" spc="0" normalizeH="0" baseline="0" noProof="0" dirty="0">
-                <a:ln>
-                  <a:noFill/>
-                </a:ln>
-                <a:solidFill>
-                  <a:prstClr val="black"/>
-                </a:solidFill>
-                <a:effectLst/>
-                <a:uLnTx/>
-                <a:uFillTx/>
-                <a:latin typeface="Calibri" panose="020F0502020204030204"/>
-                <a:ea typeface="+mn-ea"/>
-                <a:cs typeface="+mn-cs"/>
-              </a:rPr>
-              <a:t>raysmith@alum.mit.edu</a:t>
-            </a:r>
-          </a:p>
-        </p:txBody>
-      </p:sp>
-      <p:sp>
-        <p:nvSpPr>
-          <p:cNvPr id="7" name="Slide Number Placeholder 6"/>
-          <p:cNvSpPr>
-            <a:spLocks noGrp="1"/>
-          </p:cNvSpPr>
-          <p:nvPr>
-            <p:ph type="sldNum" sz="quarter" idx="5"/>
-          </p:nvPr>
-        </p:nvSpPr>
-        <p:spPr/>
-        <p:txBody>
-          <a:bodyPr/>
-          <a:lstStyle/>
-          <a:p>
-            <a:pPr marL="0" marR="0" lvl="0" indent="0" algn="r" defTabSz="457200" rtl="0" eaLnBrk="1" fontAlgn="auto" latinLnBrk="0" hangingPunct="1">
-              <a:lnSpc>
-                <a:spcPct val="100000"/>
-              </a:lnSpc>
-              <a:spcBef>
-                <a:spcPts val="0"/>
-              </a:spcBef>
-              <a:spcAft>
-                <a:spcPts val="0"/>
-              </a:spcAft>
-              <a:buClrTx/>
-              <a:buSzTx/>
-              <a:buFontTx/>
-              <a:buNone/>
-              <a:tabLst/>
-              <a:defRPr/>
-            </a:pPr>
-            <a:fld id="{BA791329-992B-4F83-8435-C33B0EC26DB3}" type="slidenum">
-              <a:rPr kumimoji="0" lang="en-US" sz="1200" b="0" i="0" u="none" strike="noStrike" kern="1200" cap="none" spc="0" normalizeH="0" baseline="0" noProof="0" smtClean="0">
-                <a:ln>
-                  <a:noFill/>
-                </a:ln>
-                <a:solidFill>
-                  <a:prstClr val="black"/>
-                </a:solidFill>
-                <a:effectLst/>
-                <a:uLnTx/>
-                <a:uFillTx/>
-                <a:latin typeface="Calibri" panose="020F0502020204030204"/>
-                <a:ea typeface="+mn-ea"/>
-                <a:cs typeface="+mn-cs"/>
-              </a:rPr>
-              <a:pPr marL="0" marR="0" lvl="0" indent="0" algn="r" defTabSz="457200" rtl="0" eaLnBrk="1" fontAlgn="auto" latinLnBrk="0" hangingPunct="1">
-                <a:lnSpc>
-                  <a:spcPct val="100000"/>
-                </a:lnSpc>
-                <a:spcBef>
-                  <a:spcPts val="0"/>
-                </a:spcBef>
-                <a:spcAft>
-                  <a:spcPts val="0"/>
-                </a:spcAft>
-                <a:buClrTx/>
-                <a:buSzTx/>
-                <a:buFontTx/>
-                <a:buNone/>
-                <a:tabLst/>
-                <a:defRPr/>
-              </a:pPr>
-              <a:t>7</a:t>
-            </a:fld>
-            <a:endParaRPr kumimoji="0" lang="en-US" sz="1200" b="0" i="0" u="none" strike="noStrike" kern="1200" cap="none" spc="0" normalizeH="0" baseline="0" noProof="0" dirty="0">
-              <a:ln>
-                <a:noFill/>
-              </a:ln>
-              <a:solidFill>
-                <a:prstClr val="black"/>
-              </a:solidFill>
-              <a:effectLst/>
-              <a:uLnTx/>
-              <a:uFillTx/>
-              <a:latin typeface="Calibri" panose="020F0502020204030204"/>
-              <a:ea typeface="+mn-ea"/>
-              <a:cs typeface="+mn-cs"/>
-            </a:endParaRPr>
-          </a:p>
-        </p:txBody>
-      </p:sp>
-    </p:spTree>
-    <p:extLst>
-      <p:ext uri="{BB962C8B-B14F-4D97-AF65-F5344CB8AC3E}">
-        <p14:creationId xmlns:p14="http://schemas.microsoft.com/office/powerpoint/2010/main" val="2601865927"/>
+        <p14:creationId xmlns:p14="http://schemas.microsoft.com/office/powerpoint/2010/main" val="130976200"/>
       </p:ext>
     </p:extLst>
   </p:cSld>
@@ -3582,7 +3070,7 @@
           <a:p>
             <a:fld id="{B1DF5501-EE91-4443-9D3B-24E6F28D34E2}" type="datetime1">
               <a:rPr lang="en-US" smtClean="0"/>
-              <a:t>10/25/2021</a:t>
+              <a:t>2/28/2022</a:t>
             </a:fld>
             <a:endParaRPr lang="en-US" dirty="0"/>
           </a:p>
@@ -3848,7 +3336,7 @@
           <a:p>
             <a:fld id="{E954E1E9-8456-43AD-BA28-861520D256B9}" type="datetime1">
               <a:rPr lang="en-US" smtClean="0"/>
-              <a:t>10/25/2021</a:t>
+              <a:t>2/28/2022</a:t>
             </a:fld>
             <a:endParaRPr lang="en-US" dirty="0"/>
           </a:p>
@@ -4166,7 +3654,7 @@
           <a:p>
             <a:fld id="{FAF31E0C-AAFD-4E63-B3AE-16CD757951F4}" type="datetime1">
               <a:rPr lang="en-US" smtClean="0"/>
-              <a:t>10/25/2021</a:t>
+              <a:t>2/28/2022</a:t>
             </a:fld>
             <a:endParaRPr lang="en-US" dirty="0"/>
           </a:p>
@@ -4511,7 +3999,7 @@
           <a:p>
             <a:fld id="{000084FF-4715-4B6E-BD22-453621E5873F}" type="datetime1">
               <a:rPr lang="en-US" smtClean="0"/>
-              <a:t>10/25/2021</a:t>
+              <a:t>2/28/2022</a:t>
             </a:fld>
             <a:endParaRPr lang="en-US" dirty="0"/>
           </a:p>
@@ -4829,7 +4317,7 @@
           <a:p>
             <a:fld id="{6AC37F8D-4DF5-4AB6-A766-5A84B3D74A3B}" type="datetime1">
               <a:rPr lang="en-US" smtClean="0"/>
-              <a:t>10/25/2021</a:t>
+              <a:t>2/28/2022</a:t>
             </a:fld>
             <a:endParaRPr lang="en-US" dirty="0"/>
           </a:p>
@@ -5226,7 +4714,7 @@
           <a:p>
             <a:fld id="{1BF3CD1A-162D-40B2-9B22-9056F77C27F2}" type="datetime1">
               <a:rPr lang="en-US" smtClean="0"/>
-              <a:t>10/25/2021</a:t>
+              <a:t>2/28/2022</a:t>
             </a:fld>
             <a:endParaRPr lang="en-US" dirty="0"/>
           </a:p>
@@ -5400,7 +4888,7 @@
           <a:p>
             <a:fld id="{D42E4200-B1E5-4E39-8279-05DD69810A37}" type="datetime1">
               <a:rPr lang="en-US" smtClean="0"/>
-              <a:t>10/25/2021</a:t>
+              <a:t>2/28/2022</a:t>
             </a:fld>
             <a:endParaRPr lang="en-US" dirty="0"/>
           </a:p>
@@ -5583,7 +5071,7 @@
           <a:p>
             <a:fld id="{47CF7895-00AC-42E5-9790-7B0E3CE09DF2}" type="datetime1">
               <a:rPr lang="en-US" smtClean="0"/>
-              <a:t>10/25/2021</a:t>
+              <a:t>2/28/2022</a:t>
             </a:fld>
             <a:endParaRPr lang="en-US" dirty="0"/>
           </a:p>
@@ -5762,7 +5250,7 @@
           <a:p>
             <a:fld id="{A7119916-CD40-456D-ABE3-55F8822671F7}" type="datetime1">
               <a:rPr lang="en-US" smtClean="0"/>
-              <a:t>10/25/2021</a:t>
+              <a:t>2/28/2022</a:t>
             </a:fld>
             <a:endParaRPr lang="en-US" dirty="0"/>
           </a:p>
@@ -6012,7 +5500,7 @@
           <a:p>
             <a:fld id="{3F9A13D6-B8C2-463B-B3F7-C62E098B328E}" type="datetime1">
               <a:rPr lang="en-US" smtClean="0"/>
-              <a:t>10/25/2021</a:t>
+              <a:t>2/28/2022</a:t>
             </a:fld>
             <a:endParaRPr lang="en-US" dirty="0"/>
           </a:p>
@@ -6247,7 +5735,7 @@
           <a:p>
             <a:fld id="{D2B63420-31EE-4E4B-911C-2601B14D9FDD}" type="datetime1">
               <a:rPr lang="en-US" smtClean="0"/>
-              <a:t>10/25/2021</a:t>
+              <a:t>2/28/2022</a:t>
             </a:fld>
             <a:endParaRPr lang="en-US" dirty="0"/>
           </a:p>
@@ -6624,7 +6112,7 @@
           <a:p>
             <a:fld id="{2DD8986D-86F8-41E6-8CFF-8C91AEF92622}" type="datetime1">
               <a:rPr lang="en-US" smtClean="0"/>
-              <a:t>10/25/2021</a:t>
+              <a:t>2/28/2022</a:t>
             </a:fld>
             <a:endParaRPr lang="en-US" dirty="0"/>
           </a:p>
@@ -6750,7 +6238,7 @@
           <a:p>
             <a:fld id="{BA885161-032E-4C6A-8EDA-39D168DF18E4}" type="datetime1">
               <a:rPr lang="en-US" smtClean="0"/>
-              <a:t>10/25/2021</a:t>
+              <a:t>2/28/2022</a:t>
             </a:fld>
             <a:endParaRPr lang="en-US" dirty="0"/>
           </a:p>
@@ -6848,7 +6336,7 @@
           <a:p>
             <a:fld id="{958E6740-E523-48D9-9C4E-6F218E87BAF3}" type="datetime1">
               <a:rPr lang="en-US" smtClean="0"/>
-              <a:t>10/25/2021</a:t>
+              <a:t>2/28/2022</a:t>
             </a:fld>
             <a:endParaRPr lang="en-US" dirty="0"/>
           </a:p>
@@ -7106,7 +6594,7 @@
           <a:p>
             <a:fld id="{6121D4CA-FF09-4CB8-8D51-2613D19A0F2E}" type="datetime1">
               <a:rPr lang="en-US" smtClean="0"/>
-              <a:t>10/25/2021</a:t>
+              <a:t>2/28/2022</a:t>
             </a:fld>
             <a:endParaRPr lang="en-US" dirty="0"/>
           </a:p>
@@ -7371,7 +6859,7 @@
           <a:p>
             <a:fld id="{8C4779EA-AEA7-43B3-9B65-A77E9A890421}" type="datetime1">
               <a:rPr lang="en-US" smtClean="0"/>
-              <a:t>10/25/2021</a:t>
+              <a:t>2/28/2022</a:t>
             </a:fld>
             <a:endParaRPr lang="en-US" dirty="0"/>
           </a:p>
@@ -8117,7 +7605,7 @@
           <a:p>
             <a:fld id="{059A67F1-3EA0-4026-BE6A-31EE4E1B1DB5}" type="datetime1">
               <a:rPr lang="en-US" smtClean="0"/>
-              <a:t>10/25/2021</a:t>
+              <a:t>2/28/2022</a:t>
             </a:fld>
             <a:endParaRPr lang="en-US" dirty="0"/>
           </a:p>
@@ -8841,7 +8329,7 @@
                 <a:tabLst/>
                 <a:defRPr/>
               </a:pPr>
-              <a:t>10/25/2021</a:t>
+              <a:t>2/28/2022</a:t>
             </a:fld>
             <a:endParaRPr kumimoji="0" lang="en-US" sz="900" b="0" i="0" u="none" strike="noStrike" kern="1200" cap="none" spc="0" normalizeH="0" baseline="0" noProof="0" dirty="0">
               <a:ln>
@@ -9208,7 +8696,7 @@
                 <a:tabLst/>
                 <a:defRPr/>
               </a:pPr>
-              <a:t>10/25/2021</a:t>
+              <a:t>2/28/2022</a:t>
             </a:fld>
             <a:endParaRPr kumimoji="0" lang="en-US" sz="900" b="0" i="0" u="none" strike="noStrike" kern="1200" cap="none" spc="0" normalizeH="0" baseline="0" noProof="0" dirty="0">
               <a:ln>
@@ -9488,43 +8976,76 @@
                 <a:latin typeface="Courier New" panose="02070309020205020404" pitchFamily="49" charset="0"/>
                 <a:cs typeface="Courier New" panose="02070309020205020404" pitchFamily="49" charset="0"/>
               </a:rPr>
-              <a:t>file_name = "my_data.txt"</a:t>
+              <a:t>file_name = </a:t>
+            </a:r>
+            <a:r>
+              <a:rPr lang="en-US" sz="3400" dirty="0">
+                <a:solidFill>
+                  <a:schemeClr val="accent2">
+                    <a:lumMod val="60000"/>
+                    <a:lumOff val="40000"/>
+                  </a:schemeClr>
+                </a:solidFill>
+                <a:latin typeface="Courier New" panose="02070309020205020404" pitchFamily="49" charset="0"/>
+                <a:cs typeface="Courier New" panose="02070309020205020404" pitchFamily="49" charset="0"/>
+              </a:rPr>
+              <a:t>"my_data.txt"</a:t>
             </a:r>
           </a:p>
           <a:p>
             <a:pPr marL="400050" lvl="1" indent="0">
               <a:buNone/>
             </a:pPr>
+            <a:r>
+              <a:rPr lang="en-US" sz="3400" dirty="0">
+                <a:solidFill>
+                  <a:schemeClr val="accent4"/>
+                </a:solidFill>
+                <a:latin typeface="Courier New" panose="02070309020205020404" pitchFamily="49" charset="0"/>
+                <a:cs typeface="Courier New" panose="02070309020205020404" pitchFamily="49" charset="0"/>
+              </a:rPr>
+              <a:t>with</a:t>
+            </a:r>
             <a:r>
               <a:rPr lang="en-US" sz="3400" dirty="0">
                 <a:latin typeface="Courier New" panose="02070309020205020404" pitchFamily="49" charset="0"/>
                 <a:cs typeface="Courier New" panose="02070309020205020404" pitchFamily="49" charset="0"/>
               </a:rPr>
-              <a:t>with open(file_name) as finp:</a:t>
-            </a:r>
-          </a:p>
-          <a:p>
-            <a:pPr marL="400050" lvl="1" indent="0">
-              <a:buNone/>
-            </a:pPr>
+              <a:t> </a:t>
+            </a:r>
+            <a:r>
+              <a:rPr lang="en-US" sz="3400" dirty="0">
+                <a:solidFill>
+                  <a:srgbClr val="00B0F0"/>
+                </a:solidFill>
+                <a:latin typeface="Courier New" panose="02070309020205020404" pitchFamily="49" charset="0"/>
+                <a:cs typeface="Courier New" panose="02070309020205020404" pitchFamily="49" charset="0"/>
+              </a:rPr>
+              <a:t>open</a:t>
+            </a:r>
             <a:r>
               <a:rPr lang="en-US" sz="3400" dirty="0">
                 <a:latin typeface="Courier New" panose="02070309020205020404" pitchFamily="49" charset="0"/>
                 <a:cs typeface="Courier New" panose="02070309020205020404" pitchFamily="49" charset="0"/>
               </a:rPr>
-              <a:t>    line_no = 0     # Keep track</a:t>
-            </a:r>
-          </a:p>
-          <a:p>
-            <a:pPr marL="400050" lvl="1" indent="0">
-              <a:buNone/>
-            </a:pPr>
+              <a:t>(file_name) </a:t>
+            </a:r>
+            <a:r>
+              <a:rPr lang="en-US" sz="3400" dirty="0">
+                <a:solidFill>
+                  <a:srgbClr val="FF0000"/>
+                </a:solidFill>
+                <a:latin typeface="Courier New" panose="02070309020205020404" pitchFamily="49" charset="0"/>
+                <a:cs typeface="Courier New" panose="02070309020205020404" pitchFamily="49" charset="0"/>
+              </a:rPr>
+              <a:t>as</a:t>
+            </a:r>
             <a:r>
               <a:rPr lang="en-US" sz="3400" dirty="0">
                 <a:latin typeface="Courier New" panose="02070309020205020404" pitchFamily="49" charset="0"/>
                 <a:cs typeface="Courier New" panose="02070309020205020404" pitchFamily="49" charset="0"/>
               </a:rPr>
-              <a:t>    for line in finp:</a:t>
+              <a:t> finp:</a:t>
             </a:r>
           </a:p>
           <a:p>
@@ -9536,7 +9057,17 @@
                 <a:latin typeface="Courier New" panose="02070309020205020404" pitchFamily="49" charset="0"/>
                 <a:cs typeface="Courier New" panose="02070309020205020404" pitchFamily="49" charset="0"/>
               </a:rPr>
-              <a:t>        line_no += 1  #Bump count</a:t>
+              <a:t>    line_no = 0     </a:t>
+            </a:r>
+            <a:r>
+              <a:rPr lang="en-US" sz="3400" dirty="0">
+                <a:solidFill>
+                  <a:schemeClr val="accent5"/>
+                </a:solidFill>
+                <a:latin typeface="Courier New" panose="02070309020205020404" pitchFamily="49" charset="0"/>
+                <a:cs typeface="Courier New" panose="02070309020205020404" pitchFamily="49" charset="0"/>
+              </a:rPr>
+              <a:t># Keep track</a:t>
             </a:r>
           </a:p>
           <a:p>
@@ -9548,7 +9079,94 @@
                 <a:latin typeface="Courier New" panose="02070309020205020404" pitchFamily="49" charset="0"/>
                 <a:cs typeface="Courier New" panose="02070309020205020404" pitchFamily="49" charset="0"/>
               </a:rPr>
-              <a:t>        print(line_no, line, end="")</a:t>
+              <a:t>    </a:t>
+            </a:r>
+            <a:r>
+              <a:rPr lang="en-US" sz="3400" dirty="0">
+                <a:solidFill>
+                  <a:schemeClr val="accent4"/>
+                </a:solidFill>
+                <a:latin typeface="Courier New" panose="02070309020205020404" pitchFamily="49" charset="0"/>
+                <a:cs typeface="Courier New" panose="02070309020205020404" pitchFamily="49" charset="0"/>
+              </a:rPr>
+              <a:t>for</a:t>
+            </a:r>
+            <a:r>
+              <a:rPr lang="en-US" sz="3400" dirty="0">
+                <a:latin typeface="Courier New" panose="02070309020205020404" pitchFamily="49" charset="0"/>
+                <a:cs typeface="Courier New" panose="02070309020205020404" pitchFamily="49" charset="0"/>
+              </a:rPr>
+              <a:t> line </a:t>
+            </a:r>
+            <a:r>
+              <a:rPr lang="en-US" sz="3400" dirty="0">
+                <a:solidFill>
+                  <a:schemeClr val="accent4"/>
+                </a:solidFill>
+                <a:latin typeface="Courier New" panose="02070309020205020404" pitchFamily="49" charset="0"/>
+                <a:cs typeface="Courier New" panose="02070309020205020404" pitchFamily="49" charset="0"/>
+              </a:rPr>
+              <a:t>in</a:t>
+            </a:r>
+            <a:r>
+              <a:rPr lang="en-US" sz="3400" dirty="0">
+                <a:latin typeface="Courier New" panose="02070309020205020404" pitchFamily="49" charset="0"/>
+                <a:cs typeface="Courier New" panose="02070309020205020404" pitchFamily="49" charset="0"/>
+              </a:rPr>
+              <a:t> finp:</a:t>
+            </a:r>
+          </a:p>
+          <a:p>
+            <a:pPr marL="400050" lvl="1" indent="0">
+              <a:buNone/>
+            </a:pPr>
+            <a:r>
+              <a:rPr lang="en-US" sz="3400" dirty="0">
+                <a:latin typeface="Courier New" panose="02070309020205020404" pitchFamily="49" charset="0"/>
+                <a:cs typeface="Courier New" panose="02070309020205020404" pitchFamily="49" charset="0"/>
+              </a:rPr>
+              <a:t>        line_no += 1  </a:t>
+            </a:r>
+            <a:r>
+              <a:rPr lang="en-US" sz="3400" dirty="0">
+                <a:solidFill>
+                  <a:schemeClr val="accent5"/>
+                </a:solidFill>
+                <a:latin typeface="Courier New" panose="02070309020205020404" pitchFamily="49" charset="0"/>
+                <a:cs typeface="Courier New" panose="02070309020205020404" pitchFamily="49" charset="0"/>
+              </a:rPr>
+              <a:t>#Bump count</a:t>
+            </a:r>
+          </a:p>
+          <a:p>
+            <a:pPr marL="400050" lvl="1" indent="0">
+              <a:buNone/>
+            </a:pPr>
+            <a:r>
+              <a:rPr lang="en-US" sz="3400" dirty="0">
+                <a:latin typeface="Courier New" panose="02070309020205020404" pitchFamily="49" charset="0"/>
+                <a:cs typeface="Courier New" panose="02070309020205020404" pitchFamily="49" charset="0"/>
+              </a:rPr>
+              <a:t>        </a:t>
+            </a:r>
+            <a:r>
+              <a:rPr lang="en-US" sz="3400" dirty="0">
+                <a:solidFill>
+                  <a:schemeClr val="accent5">
+                    <a:lumMod val="75000"/>
+                  </a:schemeClr>
+                </a:solidFill>
+                <a:latin typeface="Courier New" panose="02070309020205020404" pitchFamily="49" charset="0"/>
+                <a:cs typeface="Courier New" panose="02070309020205020404" pitchFamily="49" charset="0"/>
+              </a:rPr>
+              <a:t>print</a:t>
+            </a:r>
+            <a:r>
+              <a:rPr lang="en-US" sz="3400" dirty="0">
+                <a:latin typeface="Courier New" panose="02070309020205020404" pitchFamily="49" charset="0"/>
+                <a:cs typeface="Courier New" panose="02070309020205020404" pitchFamily="49" charset="0"/>
+              </a:rPr>
+              <a:t>(line_no, line, end="")</a:t>
             </a:r>
           </a:p>
           <a:p>
@@ -9628,7 +9246,7 @@
                 <a:tabLst/>
                 <a:defRPr/>
               </a:pPr>
-              <a:t>10/25/2021</a:t>
+              <a:t>2/28/2022</a:t>
             </a:fld>
             <a:endParaRPr kumimoji="0" lang="en-US" sz="900" b="0" i="0" u="none" strike="noStrike" kern="1200" cap="none" spc="0" normalizeH="0" baseline="0" noProof="0" dirty="0">
               <a:ln>
@@ -9880,7 +9498,7 @@
         </p:spPr>
         <p:txBody>
           <a:bodyPr>
-            <a:normAutofit/>
+            <a:normAutofit lnSpcReduction="10000"/>
           </a:bodyPr>
           <a:lstStyle/>
           <a:p>
@@ -9925,7 +9543,24 @@
                 <a:latin typeface="Courier New" panose="02070309020205020404" pitchFamily="49" charset="0"/>
                 <a:cs typeface="Courier New" panose="02070309020205020404" pitchFamily="49" charset="0"/>
               </a:rPr>
-              <a:t>with open("new_data.txt", "w") as fout:</a:t>
+              <a:t>with open(</a:t>
+            </a:r>
+            <a:r>
+              <a:rPr lang="en-US" sz="3200" dirty="0">
+                <a:solidFill>
+                  <a:schemeClr val="accent2"/>
+                </a:solidFill>
+                <a:latin typeface="Courier New" panose="02070309020205020404" pitchFamily="49" charset="0"/>
+                <a:cs typeface="Courier New" panose="02070309020205020404" pitchFamily="49" charset="0"/>
+              </a:rPr>
+              <a:t>"new_data.txt", "w"</a:t>
+            </a:r>
+            <a:r>
+              <a:rPr lang="en-US" sz="3200" dirty="0">
+                <a:latin typeface="Courier New" panose="02070309020205020404" pitchFamily="49" charset="0"/>
+                <a:cs typeface="Courier New" panose="02070309020205020404" pitchFamily="49" charset="0"/>
+              </a:rPr>
+              <a:t>) as fout:</a:t>
             </a:r>
           </a:p>
           <a:p>
@@ -9949,19 +9584,110 @@
                 <a:latin typeface="Courier New" panose="02070309020205020404" pitchFamily="49" charset="0"/>
                 <a:cs typeface="Courier New" panose="02070309020205020404" pitchFamily="49" charset="0"/>
               </a:rPr>
-              <a:t>        print(f"line {n}")   # Copy</a:t>
-            </a:r>
-          </a:p>
-          <a:p>
-            <a:pPr marL="0" indent="0">
-              <a:buNone/>
-            </a:pPr>
+              <a:t>       print(</a:t>
+            </a:r>
+            <a:r>
+              <a:rPr lang="en-US" sz="3200" dirty="0" err="1">
+                <a:latin typeface="Courier New" panose="02070309020205020404" pitchFamily="49" charset="0"/>
+                <a:cs typeface="Courier New" panose="02070309020205020404" pitchFamily="49" charset="0"/>
+              </a:rPr>
+              <a:t>f</a:t>
+            </a:r>
+            <a:r>
+              <a:rPr lang="en-US" sz="3200" dirty="0" err="1">
+                <a:solidFill>
+                  <a:schemeClr val="accent2"/>
+                </a:solidFill>
+                <a:latin typeface="Courier New" panose="02070309020205020404" pitchFamily="49" charset="0"/>
+                <a:cs typeface="Courier New" panose="02070309020205020404" pitchFamily="49" charset="0"/>
+              </a:rPr>
+              <a:t>"line</a:t>
+            </a:r>
+            <a:r>
+              <a:rPr lang="en-US" sz="3200" dirty="0">
+                <a:solidFill>
+                  <a:schemeClr val="accent2"/>
+                </a:solidFill>
+                <a:latin typeface="Courier New" panose="02070309020205020404" pitchFamily="49" charset="0"/>
+                <a:cs typeface="Courier New" panose="02070309020205020404" pitchFamily="49" charset="0"/>
+              </a:rPr>
+              <a:t> {n}")         </a:t>
+            </a:r>
             <a:r>
               <a:rPr lang="en-US" sz="3200" dirty="0">
                 <a:latin typeface="Courier New" panose="02070309020205020404" pitchFamily="49" charset="0"/>
                 <a:cs typeface="Courier New" panose="02070309020205020404" pitchFamily="49" charset="0"/>
               </a:rPr>
-              <a:t>        print(f"line {n}", file=fout)</a:t>
+              <a:t>					   print(</a:t>
+            </a:r>
+            <a:r>
+              <a:rPr lang="en-US" sz="3200" dirty="0" err="1">
+                <a:latin typeface="Courier New" panose="02070309020205020404" pitchFamily="49" charset="0"/>
+                <a:cs typeface="Courier New" panose="02070309020205020404" pitchFamily="49" charset="0"/>
+              </a:rPr>
+              <a:t>f</a:t>
+            </a:r>
+            <a:r>
+              <a:rPr lang="en-US" sz="3200" dirty="0" err="1">
+                <a:solidFill>
+                  <a:schemeClr val="accent2"/>
+                </a:solidFill>
+                <a:latin typeface="Courier New" panose="02070309020205020404" pitchFamily="49" charset="0"/>
+                <a:cs typeface="Courier New" panose="02070309020205020404" pitchFamily="49" charset="0"/>
+              </a:rPr>
+              <a:t>"line</a:t>
+            </a:r>
+            <a:r>
+              <a:rPr lang="en-US" sz="3200" dirty="0">
+                <a:solidFill>
+                  <a:schemeClr val="accent2"/>
+                </a:solidFill>
+                <a:latin typeface="Courier New" panose="02070309020205020404" pitchFamily="49" charset="0"/>
+                <a:cs typeface="Courier New" panose="02070309020205020404" pitchFamily="49" charset="0"/>
+              </a:rPr>
+              <a:t> {n}"</a:t>
+            </a:r>
+            <a:r>
+              <a:rPr lang="en-US" sz="3200" dirty="0">
+                <a:solidFill>
+                  <a:schemeClr val="tx1"/>
+                </a:solidFill>
+                <a:latin typeface="Courier New" panose="02070309020205020404" pitchFamily="49" charset="0"/>
+                <a:cs typeface="Courier New" panose="02070309020205020404" pitchFamily="49" charset="0"/>
+              </a:rPr>
+              <a:t>,</a:t>
+            </a:r>
+          </a:p>
+          <a:p>
+            <a:pPr marL="0" indent="0">
+              <a:buNone/>
+            </a:pPr>
+            <a:r>
+              <a:rPr lang="en-US" sz="3200" dirty="0">
+                <a:solidFill>
+                  <a:schemeClr val="tx1"/>
+                </a:solidFill>
+                <a:latin typeface="Courier New" panose="02070309020205020404" pitchFamily="49" charset="0"/>
+                <a:cs typeface="Courier New" panose="02070309020205020404" pitchFamily="49" charset="0"/>
+              </a:rPr>
+              <a:t>             </a:t>
+            </a:r>
+            <a:r>
+              <a:rPr lang="en-US" sz="3200" dirty="0">
+                <a:solidFill>
+                  <a:schemeClr val="accent2"/>
+                </a:solidFill>
+                <a:latin typeface="Courier New" panose="02070309020205020404" pitchFamily="49" charset="0"/>
+                <a:cs typeface="Courier New" panose="02070309020205020404" pitchFamily="49" charset="0"/>
+              </a:rPr>
+              <a:t> </a:t>
+            </a:r>
+            <a:r>
+              <a:rPr lang="en-US" sz="3200" dirty="0">
+                <a:latin typeface="Courier New" panose="02070309020205020404" pitchFamily="49" charset="0"/>
+                <a:cs typeface="Courier New" panose="02070309020205020404" pitchFamily="49" charset="0"/>
+              </a:rPr>
+              <a:t>file=fout)</a:t>
             </a:r>
           </a:p>
         </p:txBody>
@@ -10038,7 +9764,7 @@
                 <a:tabLst/>
                 <a:defRPr/>
               </a:pPr>
-              <a:t>10/25/2021</a:t>
+              <a:t>2/28/2022</a:t>
             </a:fld>
             <a:endParaRPr kumimoji="0" lang="en-US" sz="900" b="0" i="0" u="none" strike="noStrike" kern="1200" cap="none" spc="0" normalizeH="0" baseline="0" noProof="0" dirty="0">
               <a:ln>
@@ -10447,7 +10173,7 @@
                 <a:tabLst/>
                 <a:defRPr/>
               </a:pPr>
-              <a:t>10/25/2021</a:t>
+              <a:t>2/28/2022</a:t>
             </a:fld>
             <a:endParaRPr kumimoji="0" lang="en-US" sz="900" b="0" i="0" u="none" strike="noStrike" kern="1200" cap="none" spc="0" normalizeH="0" baseline="0" noProof="0" dirty="0">
               <a:ln>
@@ -10652,7 +10378,7 @@
           <p:cNvPr id="2" name="Title 1">
             <a:extLst>
               <a:ext uri="{FF2B5EF4-FFF2-40B4-BE49-F238E27FC236}">
-                <a16:creationId xmlns:a16="http://schemas.microsoft.com/office/drawing/2014/main" id="{00C99C45-A655-40FD-BF53-F03EF1F5E416}"/>
+                <a16:creationId xmlns:a16="http://schemas.microsoft.com/office/drawing/2014/main" id="{F11EDE2B-78FC-402B-905B-CCC5BF0FE3A4}"/>
               </a:ext>
             </a:extLst>
           </p:cNvPr>
@@ -10665,21 +10391,19 @@
         </p:nvSpPr>
         <p:spPr/>
         <p:txBody>
-          <a:bodyPr>
-            <a:normAutofit/>
-          </a:bodyPr>
+          <a:bodyPr/>
           <a:lstStyle/>
           <a:p>
             <a:r>
               <a:rPr lang="en-US" dirty="0"/>
-              <a:t>Files – continued</a:t>
+              <a:t>Review File Search</a:t>
             </a:r>
             <a:br>
               <a:rPr lang="en-US" dirty="0"/>
             </a:br>
             <a:r>
               <a:rPr lang="en-US" dirty="0"/>
-              <a:t>Notes - A Simple Data Base</a:t>
+              <a:t>- with graphical display</a:t>
             </a:r>
           </a:p>
         </p:txBody>
@@ -10689,7 +10413,7 @@
           <p:cNvPr id="3" name="Content Placeholder 2">
             <a:extLst>
               <a:ext uri="{FF2B5EF4-FFF2-40B4-BE49-F238E27FC236}">
-                <a16:creationId xmlns:a16="http://schemas.microsoft.com/office/drawing/2014/main" id="{AAE989A4-422F-4666-8E03-249076443C19}"/>
+                <a16:creationId xmlns:a16="http://schemas.microsoft.com/office/drawing/2014/main" id="{763F0260-BC2C-4CCB-9358-A15130A1A363}"/>
               </a:ext>
             </a:extLst>
           </p:cNvPr>
@@ -10700,55 +10424,43 @@
             <p:ph idx="1"/>
           </p:nvPr>
         </p:nvSpPr>
-        <p:spPr>
-          <a:xfrm>
-            <a:off x="677333" y="2160589"/>
-            <a:ext cx="9815965" cy="3880773"/>
-          </a:xfrm>
-        </p:spPr>
-        <p:txBody>
-          <a:bodyPr>
-            <a:normAutofit/>
-          </a:bodyPr>
-          <a:lstStyle/>
-          <a:p>
-            <a:r>
-              <a:rPr lang="en-US" sz="3400" dirty="0"/>
-              <a:t>Goal:</a:t>
+        <p:spPr/>
+        <p:txBody>
+          <a:bodyPr/>
+          <a:lstStyle/>
+          <a:p>
+            <a:r>
+              <a:rPr lang="en-US" sz="2800" dirty="0"/>
+              <a:t>p</a:t>
+            </a:r>
+            <a:r>
+              <a:rPr lang="en-US" sz="2800"/>
+              <a:t>resentation</a:t>
+            </a:r>
+            <a:r>
+              <a:rPr lang="en-US" sz="2800" dirty="0"/>
+              <a:t>/Class_6_Files…/</a:t>
             </a:r>
           </a:p>
           <a:p>
             <a:pPr lvl="1"/>
             <a:r>
-              <a:rPr lang="en-US" sz="3200" dirty="0"/>
-              <a:t>Access to my data by name</a:t>
-            </a:r>
-          </a:p>
-          <a:p>
-            <a:r>
-              <a:rPr lang="en-US" sz="3400" dirty="0"/>
-              <a:t>Plan:</a:t>
+              <a:rPr lang="en-US" sz="2600" dirty="0"/>
+              <a:t>file_search_graphical.py - top level search</a:t>
             </a:r>
           </a:p>
           <a:p>
             <a:pPr lvl="1"/>
             <a:r>
-              <a:rPr lang="en-US" sz="3200" dirty="0"/>
-              <a:t>Save data in  a text file</a:t>
+              <a:rPr lang="en-US" sz="2600" dirty="0"/>
+              <a:t>graphical_text.py   - object for graphics</a:t>
             </a:r>
           </a:p>
           <a:p>
             <a:pPr lvl="1"/>
             <a:r>
-              <a:rPr lang="en-US" sz="3200" dirty="0"/>
-              <a:t>Search all lines for patterns e.g. name</a:t>
-            </a:r>
-          </a:p>
-          <a:p>
-            <a:pPr lvl="1"/>
-            <a:r>
-              <a:rPr lang="en-US" sz="3200" dirty="0"/>
-              <a:t>Print lines where found</a:t>
+              <a:rPr lang="en-US" sz="2600" dirty="0"/>
+              <a:t>file_search_graphical_non_obj.py - old style</a:t>
             </a:r>
           </a:p>
         </p:txBody>
@@ -10758,7 +10470,7 @@
           <p:cNvPr id="4" name="Date Placeholder 3">
             <a:extLst>
               <a:ext uri="{FF2B5EF4-FFF2-40B4-BE49-F238E27FC236}">
-                <a16:creationId xmlns:a16="http://schemas.microsoft.com/office/drawing/2014/main" id="{D4B58B9C-2101-47C6-B21D-A9C4C0222113}"/>
+                <a16:creationId xmlns:a16="http://schemas.microsoft.com/office/drawing/2014/main" id="{8F022F1F-9D8A-41D0-B6BC-D5CD1E37851C}"/>
               </a:ext>
             </a:extLst>
           </p:cNvPr>
@@ -10774,75 +10486,11 @@
           <a:bodyPr/>
           <a:lstStyle/>
           <a:p>
-            <a:pPr marL="0" marR="0" lvl="0" indent="0" algn="r" defTabSz="457200" rtl="0" eaLnBrk="1" fontAlgn="auto" latinLnBrk="0" hangingPunct="1">
-              <a:lnSpc>
-                <a:spcPct val="100000"/>
-              </a:lnSpc>
-              <a:spcBef>
-                <a:spcPts val="0"/>
-              </a:spcBef>
-              <a:spcAft>
-                <a:spcPts val="0"/>
-              </a:spcAft>
-              <a:buClrTx/>
-              <a:buSzTx/>
-              <a:buFontTx/>
-              <a:buNone/>
-              <a:tabLst/>
-              <a:defRPr/>
-            </a:pPr>
             <a:fld id="{A7119916-CD40-456D-ABE3-55F8822671F7}" type="datetime1">
-              <a:rPr kumimoji="0" lang="en-US" sz="900" b="0" i="0" u="none" strike="noStrike" kern="1200" cap="none" spc="0" normalizeH="0" baseline="0" noProof="0" smtClean="0">
-                <a:ln>
-                  <a:noFill/>
-                </a:ln>
-                <a:solidFill>
-                  <a:prstClr val="black">
-                    <a:tint val="75000"/>
-                  </a:prstClr>
-                </a:solidFill>
-                <a:effectLst/>
-                <a:uLnTx/>
-                <a:uFillTx/>
-                <a:latin typeface="Trebuchet MS" panose="020B0603020202020204"/>
-                <a:ea typeface="+mn-ea"/>
-                <a:cs typeface="+mn-cs"/>
-              </a:rPr>
-              <a:pPr marL="0" marR="0" lvl="0" indent="0" algn="r" defTabSz="457200" rtl="0" eaLnBrk="1" fontAlgn="auto" latinLnBrk="0" hangingPunct="1">
-                <a:lnSpc>
-                  <a:spcPct val="100000"/>
-                </a:lnSpc>
-                <a:spcBef>
-                  <a:spcPts val="0"/>
-                </a:spcBef>
-                <a:spcAft>
-                  <a:spcPts val="0"/>
-                </a:spcAft>
-                <a:buClrTx/>
-                <a:buSzTx/>
-                <a:buFontTx/>
-                <a:buNone/>
-                <a:tabLst/>
-                <a:defRPr/>
-              </a:pPr>
-              <a:t>10/25/2021</a:t>
+              <a:rPr lang="en-US" smtClean="0"/>
+              <a:t>2/28/2022</a:t>
             </a:fld>
-            <a:endParaRPr kumimoji="0" lang="en-US" sz="900" b="0" i="0" u="none" strike="noStrike" kern="1200" cap="none" spc="0" normalizeH="0" baseline="0" noProof="0" dirty="0">
-              <a:ln>
-                <a:noFill/>
-              </a:ln>
-              <a:solidFill>
-                <a:prstClr val="black">
-                  <a:tint val="75000"/>
-                </a:prstClr>
-              </a:solidFill>
-              <a:effectLst/>
-              <a:uLnTx/>
-              <a:uFillTx/>
-              <a:latin typeface="Trebuchet MS" panose="020B0603020202020204"/>
-              <a:ea typeface="+mn-ea"/>
-              <a:cs typeface="+mn-cs"/>
-            </a:endParaRPr>
+            <a:endParaRPr lang="en-US" dirty="0"/>
           </a:p>
         </p:txBody>
       </p:sp>
@@ -10851,7 +10499,7 @@
           <p:cNvPr id="5" name="Footer Placeholder 4">
             <a:extLst>
               <a:ext uri="{FF2B5EF4-FFF2-40B4-BE49-F238E27FC236}">
-                <a16:creationId xmlns:a16="http://schemas.microsoft.com/office/drawing/2014/main" id="{EB3CE92E-DA4C-49CE-8437-22304F783D2B}"/>
+                <a16:creationId xmlns:a16="http://schemas.microsoft.com/office/drawing/2014/main" id="{ADC71C0D-DC6D-48F2-8285-8EF644D5731E}"/>
               </a:ext>
             </a:extLst>
           </p:cNvPr>
@@ -10867,42 +10515,11 @@
           <a:bodyPr/>
           <a:lstStyle/>
           <a:p>
-            <a:pPr marL="0" marR="0" lvl="0" indent="0" algn="l" defTabSz="457200" rtl="0" eaLnBrk="1" fontAlgn="auto" latinLnBrk="0" hangingPunct="1">
-              <a:lnSpc>
-                <a:spcPct val="100000"/>
-              </a:lnSpc>
-              <a:spcBef>
-                <a:spcPts val="0"/>
-              </a:spcBef>
-              <a:spcAft>
-                <a:spcPts val="0"/>
-              </a:spcAft>
-              <a:buClrTx/>
-              <a:buSzTx/>
-              <a:buFontTx/>
-              <a:buNone/>
-              <a:tabLst/>
-              <a:defRPr/>
-            </a:pPr>
-            <a:r>
-              <a:rPr kumimoji="0" lang="en-US" sz="900" b="0" i="0" u="none" strike="noStrike" kern="1200" cap="none" spc="0" normalizeH="0" baseline="0" noProof="0" dirty="0">
-                <a:ln>
-                  <a:noFill/>
-                </a:ln>
-                <a:solidFill>
-                  <a:prstClr val="black">
-                    <a:tint val="75000"/>
-                  </a:prstClr>
-                </a:solidFill>
-                <a:effectLst/>
-                <a:uLnTx/>
-                <a:uFillTx/>
-                <a:latin typeface="Trebuchet MS" panose="020B0603020202020204"/>
-                <a:ea typeface="+mn-ea"/>
-                <a:cs typeface="+mn-cs"/>
-              </a:rPr>
+            <a:r>
+              <a:rPr lang="en-US"/>
               <a:t>raysmith@alum.mit.edu</a:t>
             </a:r>
+            <a:endParaRPr lang="en-US" dirty="0"/>
           </a:p>
         </p:txBody>
       </p:sp>
@@ -10911,7 +10528,7 @@
           <p:cNvPr id="6" name="Slide Number Placeholder 5">
             <a:extLst>
               <a:ext uri="{FF2B5EF4-FFF2-40B4-BE49-F238E27FC236}">
-                <a16:creationId xmlns:a16="http://schemas.microsoft.com/office/drawing/2014/main" id="{B555E688-FCD7-4E06-BD33-DA64AB1C3FA4}"/>
+                <a16:creationId xmlns:a16="http://schemas.microsoft.com/office/drawing/2014/main" id="{57E7AEAD-B4FF-4FA4-81F8-7FD86F00EE1D}"/>
               </a:ext>
             </a:extLst>
           </p:cNvPr>
@@ -10927,78 +10544,18 @@
           <a:bodyPr/>
           <a:lstStyle/>
           <a:p>
-            <a:pPr marL="0" marR="0" lvl="0" indent="0" algn="r" defTabSz="457200" rtl="0" eaLnBrk="1" fontAlgn="auto" latinLnBrk="0" hangingPunct="1">
-              <a:lnSpc>
-                <a:spcPct val="100000"/>
-              </a:lnSpc>
-              <a:spcBef>
-                <a:spcPts val="0"/>
-              </a:spcBef>
-              <a:spcAft>
-                <a:spcPts val="0"/>
-              </a:spcAft>
-              <a:buClrTx/>
-              <a:buSzTx/>
-              <a:buFontTx/>
-              <a:buNone/>
-              <a:tabLst/>
-              <a:defRPr/>
-            </a:pPr>
             <a:fld id="{6D22F896-40B5-4ADD-8801-0D06FADFA095}" type="slidenum">
-              <a:rPr kumimoji="0" lang="en-US" sz="900" b="0" i="0" u="none" strike="noStrike" kern="1200" cap="none" spc="0" normalizeH="0" baseline="0" noProof="0" smtClean="0">
-                <a:ln>
-                  <a:noFill/>
-                </a:ln>
-                <a:solidFill>
-                  <a:srgbClr val="90C226"/>
-                </a:solidFill>
-                <a:effectLst/>
-                <a:uLnTx/>
-                <a:uFillTx/>
-                <a:latin typeface="Trebuchet MS" panose="020B0603020202020204"/>
-                <a:ea typeface="+mn-ea"/>
-                <a:cs typeface="+mn-cs"/>
-              </a:rPr>
-              <a:pPr marL="0" marR="0" lvl="0" indent="0" algn="r" defTabSz="457200" rtl="0" eaLnBrk="1" fontAlgn="auto" latinLnBrk="0" hangingPunct="1">
-                <a:lnSpc>
-                  <a:spcPct val="100000"/>
-                </a:lnSpc>
-                <a:spcBef>
-                  <a:spcPts val="0"/>
-                </a:spcBef>
-                <a:spcAft>
-                  <a:spcPts val="0"/>
-                </a:spcAft>
-                <a:buClrTx/>
-                <a:buSzTx/>
-                <a:buFontTx/>
-                <a:buNone/>
-                <a:tabLst/>
-                <a:defRPr/>
-              </a:pPr>
+              <a:rPr lang="en-US" smtClean="0"/>
               <a:t>6</a:t>
             </a:fld>
-            <a:endParaRPr kumimoji="0" lang="en-US" sz="900" b="0" i="0" u="none" strike="noStrike" kern="1200" cap="none" spc="0" normalizeH="0" baseline="0" noProof="0" dirty="0">
-              <a:ln>
-                <a:noFill/>
-              </a:ln>
-              <a:solidFill>
-                <a:srgbClr val="90C226"/>
-              </a:solidFill>
-              <a:effectLst/>
-              <a:uLnTx/>
-              <a:uFillTx/>
-              <a:latin typeface="Trebuchet MS" panose="020B0603020202020204"/>
-              <a:ea typeface="+mn-ea"/>
-              <a:cs typeface="+mn-cs"/>
-            </a:endParaRPr>
+            <a:endParaRPr lang="en-US" dirty="0"/>
           </a:p>
         </p:txBody>
       </p:sp>
     </p:spTree>
     <p:extLst>
       <p:ext uri="{BB962C8B-B14F-4D97-AF65-F5344CB8AC3E}">
-        <p14:creationId xmlns:p14="http://schemas.microsoft.com/office/powerpoint/2010/main" val="3121108463"/>
+        <p14:creationId xmlns:p14="http://schemas.microsoft.com/office/powerpoint/2010/main" val="3517138257"/>
       </p:ext>
     </p:extLst>
   </p:cSld>
@@ -11009,394 +10566,6 @@
 </file>
 
 <file path=ppt/slides/slide7.xml><?xml version="1.0" encoding="utf-8"?>
-<p:sld xmlns:a="http://schemas.openxmlformats.org/drawingml/2006/main" xmlns:r="http://schemas.openxmlformats.org/officeDocument/2006/relationships" xmlns:p="http://schemas.openxmlformats.org/presentationml/2006/main" showMasterSp="0">
-  <p:cSld>
-    <p:spTree>
-      <p:nvGrpSpPr>
-        <p:cNvPr id="1" name=""/>
-        <p:cNvGrpSpPr/>
-        <p:nvPr/>
-      </p:nvGrpSpPr>
-      <p:grpSpPr>
-        <a:xfrm>
-          <a:off x="0" y="0"/>
-          <a:ext cx="0" cy="0"/>
-          <a:chOff x="0" y="0"/>
-          <a:chExt cx="0" cy="0"/>
-        </a:xfrm>
-      </p:grpSpPr>
-      <p:sp>
-        <p:nvSpPr>
-          <p:cNvPr id="2" name="Title 1">
-            <a:extLst>
-              <a:ext uri="{FF2B5EF4-FFF2-40B4-BE49-F238E27FC236}">
-                <a16:creationId xmlns:a16="http://schemas.microsoft.com/office/drawing/2014/main" id="{00C99C45-A655-40FD-BF53-F03EF1F5E416}"/>
-              </a:ext>
-            </a:extLst>
-          </p:cNvPr>
-          <p:cNvSpPr>
-            <a:spLocks noGrp="1"/>
-          </p:cNvSpPr>
-          <p:nvPr>
-            <p:ph type="title"/>
-          </p:nvPr>
-        </p:nvSpPr>
-        <p:spPr/>
-        <p:txBody>
-          <a:bodyPr>
-            <a:normAutofit/>
-          </a:bodyPr>
-          <a:lstStyle/>
-          <a:p>
-            <a:r>
-              <a:rPr lang="en-US" dirty="0"/>
-              <a:t>Notes - A Simple Data Base – Demo/Develop</a:t>
-            </a:r>
-            <a:endParaRPr lang="en-US" sz="2800" dirty="0"/>
-          </a:p>
-        </p:txBody>
-      </p:sp>
-      <p:sp>
-        <p:nvSpPr>
-          <p:cNvPr id="3" name="Content Placeholder 2">
-            <a:extLst>
-              <a:ext uri="{FF2B5EF4-FFF2-40B4-BE49-F238E27FC236}">
-                <a16:creationId xmlns:a16="http://schemas.microsoft.com/office/drawing/2014/main" id="{AAE989A4-422F-4666-8E03-249076443C19}"/>
-              </a:ext>
-            </a:extLst>
-          </p:cNvPr>
-          <p:cNvSpPr>
-            <a:spLocks noGrp="1"/>
-          </p:cNvSpPr>
-          <p:nvPr>
-            <p:ph idx="1"/>
-          </p:nvPr>
-        </p:nvSpPr>
-        <p:spPr>
-          <a:xfrm>
-            <a:off x="677333" y="2160589"/>
-            <a:ext cx="9815965" cy="3880773"/>
-          </a:xfrm>
-        </p:spPr>
-        <p:txBody>
-          <a:bodyPr>
-            <a:normAutofit/>
-          </a:bodyPr>
-          <a:lstStyle/>
-          <a:p>
-            <a:r>
-              <a:rPr lang="en-US" sz="3200" dirty="0"/>
-              <a:t>Create two test files</a:t>
-            </a:r>
-          </a:p>
-          <a:p>
-            <a:pPr lvl="1"/>
-            <a:r>
-              <a:rPr lang="en-US" sz="3000" dirty="0"/>
-              <a:t>test.notes – real short just a couple of lines</a:t>
-            </a:r>
-          </a:p>
-          <a:p>
-            <a:pPr marL="1314450" lvl="3" indent="0">
-              <a:buNone/>
-            </a:pPr>
-            <a:r>
-              <a:rPr lang="en-US" sz="2600" dirty="0"/>
-              <a:t>Joe Name	Joe Smith</a:t>
-            </a:r>
-          </a:p>
-          <a:p>
-            <a:pPr marL="1314450" lvl="3" indent="0">
-              <a:buNone/>
-            </a:pPr>
-            <a:r>
-              <a:rPr lang="en-US" sz="2600" dirty="0"/>
-              <a:t>Joe Address 100 Main</a:t>
-            </a:r>
-          </a:p>
-          <a:p>
-            <a:pPr marL="1314450" lvl="3" indent="0">
-              <a:buNone/>
-            </a:pPr>
-            <a:r>
-              <a:rPr lang="en-US" sz="2600" dirty="0"/>
-              <a:t>Sam Name Sam Jones</a:t>
-            </a:r>
-          </a:p>
-          <a:p>
-            <a:pPr marL="1314450" lvl="3" indent="0">
-              <a:buNone/>
-            </a:pPr>
-            <a:r>
-              <a:rPr lang="en-US" sz="2600" dirty="0"/>
-              <a:t>Sam Address 20 Center</a:t>
-            </a:r>
-          </a:p>
-          <a:p>
-            <a:pPr lvl="1"/>
-            <a:r>
-              <a:rPr lang="en-US" sz="3000" dirty="0"/>
-              <a:t>my_town.notes – longer with more varied data</a:t>
-            </a:r>
-          </a:p>
-        </p:txBody>
-      </p:sp>
-      <p:sp>
-        <p:nvSpPr>
-          <p:cNvPr id="4" name="Date Placeholder 3">
-            <a:extLst>
-              <a:ext uri="{FF2B5EF4-FFF2-40B4-BE49-F238E27FC236}">
-                <a16:creationId xmlns:a16="http://schemas.microsoft.com/office/drawing/2014/main" id="{D4B58B9C-2101-47C6-B21D-A9C4C0222113}"/>
-              </a:ext>
-            </a:extLst>
-          </p:cNvPr>
-          <p:cNvSpPr>
-            <a:spLocks noGrp="1"/>
-          </p:cNvSpPr>
-          <p:nvPr>
-            <p:ph type="dt" sz="half" idx="10"/>
-          </p:nvPr>
-        </p:nvSpPr>
-        <p:spPr/>
-        <p:txBody>
-          <a:bodyPr/>
-          <a:lstStyle/>
-          <a:p>
-            <a:pPr marL="0" marR="0" lvl="0" indent="0" algn="r" defTabSz="457200" rtl="0" eaLnBrk="1" fontAlgn="auto" latinLnBrk="0" hangingPunct="1">
-              <a:lnSpc>
-                <a:spcPct val="100000"/>
-              </a:lnSpc>
-              <a:spcBef>
-                <a:spcPts val="0"/>
-              </a:spcBef>
-              <a:spcAft>
-                <a:spcPts val="0"/>
-              </a:spcAft>
-              <a:buClrTx/>
-              <a:buSzTx/>
-              <a:buFontTx/>
-              <a:buNone/>
-              <a:tabLst/>
-              <a:defRPr/>
-            </a:pPr>
-            <a:fld id="{A7119916-CD40-456D-ABE3-55F8822671F7}" type="datetime1">
-              <a:rPr kumimoji="0" lang="en-US" sz="900" b="0" i="0" u="none" strike="noStrike" kern="1200" cap="none" spc="0" normalizeH="0" baseline="0" noProof="0" smtClean="0">
-                <a:ln>
-                  <a:noFill/>
-                </a:ln>
-                <a:solidFill>
-                  <a:prstClr val="black">
-                    <a:tint val="75000"/>
-                  </a:prstClr>
-                </a:solidFill>
-                <a:effectLst/>
-                <a:uLnTx/>
-                <a:uFillTx/>
-                <a:latin typeface="Trebuchet MS" panose="020B0603020202020204"/>
-                <a:ea typeface="+mn-ea"/>
-                <a:cs typeface="+mn-cs"/>
-              </a:rPr>
-              <a:pPr marL="0" marR="0" lvl="0" indent="0" algn="r" defTabSz="457200" rtl="0" eaLnBrk="1" fontAlgn="auto" latinLnBrk="0" hangingPunct="1">
-                <a:lnSpc>
-                  <a:spcPct val="100000"/>
-                </a:lnSpc>
-                <a:spcBef>
-                  <a:spcPts val="0"/>
-                </a:spcBef>
-                <a:spcAft>
-                  <a:spcPts val="0"/>
-                </a:spcAft>
-                <a:buClrTx/>
-                <a:buSzTx/>
-                <a:buFontTx/>
-                <a:buNone/>
-                <a:tabLst/>
-                <a:defRPr/>
-              </a:pPr>
-              <a:t>10/25/2021</a:t>
-            </a:fld>
-            <a:endParaRPr kumimoji="0" lang="en-US" sz="900" b="0" i="0" u="none" strike="noStrike" kern="1200" cap="none" spc="0" normalizeH="0" baseline="0" noProof="0" dirty="0">
-              <a:ln>
-                <a:noFill/>
-              </a:ln>
-              <a:solidFill>
-                <a:prstClr val="black">
-                  <a:tint val="75000"/>
-                </a:prstClr>
-              </a:solidFill>
-              <a:effectLst/>
-              <a:uLnTx/>
-              <a:uFillTx/>
-              <a:latin typeface="Trebuchet MS" panose="020B0603020202020204"/>
-              <a:ea typeface="+mn-ea"/>
-              <a:cs typeface="+mn-cs"/>
-            </a:endParaRPr>
-          </a:p>
-        </p:txBody>
-      </p:sp>
-      <p:sp>
-        <p:nvSpPr>
-          <p:cNvPr id="5" name="Footer Placeholder 4">
-            <a:extLst>
-              <a:ext uri="{FF2B5EF4-FFF2-40B4-BE49-F238E27FC236}">
-                <a16:creationId xmlns:a16="http://schemas.microsoft.com/office/drawing/2014/main" id="{EB3CE92E-DA4C-49CE-8437-22304F783D2B}"/>
-              </a:ext>
-            </a:extLst>
-          </p:cNvPr>
-          <p:cNvSpPr>
-            <a:spLocks noGrp="1"/>
-          </p:cNvSpPr>
-          <p:nvPr>
-            <p:ph type="ftr" sz="quarter" idx="11"/>
-          </p:nvPr>
-        </p:nvSpPr>
-        <p:spPr/>
-        <p:txBody>
-          <a:bodyPr/>
-          <a:lstStyle/>
-          <a:p>
-            <a:pPr marL="0" marR="0" lvl="0" indent="0" algn="l" defTabSz="457200" rtl="0" eaLnBrk="1" fontAlgn="auto" latinLnBrk="0" hangingPunct="1">
-              <a:lnSpc>
-                <a:spcPct val="100000"/>
-              </a:lnSpc>
-              <a:spcBef>
-                <a:spcPts val="0"/>
-              </a:spcBef>
-              <a:spcAft>
-                <a:spcPts val="0"/>
-              </a:spcAft>
-              <a:buClrTx/>
-              <a:buSzTx/>
-              <a:buFontTx/>
-              <a:buNone/>
-              <a:tabLst/>
-              <a:defRPr/>
-            </a:pPr>
-            <a:r>
-              <a:rPr kumimoji="0" lang="en-US" sz="900" b="0" i="0" u="none" strike="noStrike" kern="1200" cap="none" spc="0" normalizeH="0" baseline="0" noProof="0" dirty="0">
-                <a:ln>
-                  <a:noFill/>
-                </a:ln>
-                <a:solidFill>
-                  <a:prstClr val="black">
-                    <a:tint val="75000"/>
-                  </a:prstClr>
-                </a:solidFill>
-                <a:effectLst/>
-                <a:uLnTx/>
-                <a:uFillTx/>
-                <a:latin typeface="Trebuchet MS" panose="020B0603020202020204"/>
-                <a:ea typeface="+mn-ea"/>
-                <a:cs typeface="+mn-cs"/>
-              </a:rPr>
-              <a:t>raysmith@alum.mit.edu</a:t>
-            </a:r>
-          </a:p>
-        </p:txBody>
-      </p:sp>
-      <p:sp>
-        <p:nvSpPr>
-          <p:cNvPr id="6" name="Slide Number Placeholder 5">
-            <a:extLst>
-              <a:ext uri="{FF2B5EF4-FFF2-40B4-BE49-F238E27FC236}">
-                <a16:creationId xmlns:a16="http://schemas.microsoft.com/office/drawing/2014/main" id="{B555E688-FCD7-4E06-BD33-DA64AB1C3FA4}"/>
-              </a:ext>
-            </a:extLst>
-          </p:cNvPr>
-          <p:cNvSpPr>
-            <a:spLocks noGrp="1"/>
-          </p:cNvSpPr>
-          <p:nvPr>
-            <p:ph type="sldNum" sz="quarter" idx="12"/>
-          </p:nvPr>
-        </p:nvSpPr>
-        <p:spPr/>
-        <p:txBody>
-          <a:bodyPr/>
-          <a:lstStyle/>
-          <a:p>
-            <a:pPr marL="0" marR="0" lvl="0" indent="0" algn="r" defTabSz="457200" rtl="0" eaLnBrk="1" fontAlgn="auto" latinLnBrk="0" hangingPunct="1">
-              <a:lnSpc>
-                <a:spcPct val="100000"/>
-              </a:lnSpc>
-              <a:spcBef>
-                <a:spcPts val="0"/>
-              </a:spcBef>
-              <a:spcAft>
-                <a:spcPts val="0"/>
-              </a:spcAft>
-              <a:buClrTx/>
-              <a:buSzTx/>
-              <a:buFontTx/>
-              <a:buNone/>
-              <a:tabLst/>
-              <a:defRPr/>
-            </a:pPr>
-            <a:fld id="{6D22F896-40B5-4ADD-8801-0D06FADFA095}" type="slidenum">
-              <a:rPr kumimoji="0" lang="en-US" sz="900" b="0" i="0" u="none" strike="noStrike" kern="1200" cap="none" spc="0" normalizeH="0" baseline="0" noProof="0" smtClean="0">
-                <a:ln>
-                  <a:noFill/>
-                </a:ln>
-                <a:solidFill>
-                  <a:srgbClr val="90C226"/>
-                </a:solidFill>
-                <a:effectLst/>
-                <a:uLnTx/>
-                <a:uFillTx/>
-                <a:latin typeface="Trebuchet MS" panose="020B0603020202020204"/>
-                <a:ea typeface="+mn-ea"/>
-                <a:cs typeface="+mn-cs"/>
-              </a:rPr>
-              <a:pPr marL="0" marR="0" lvl="0" indent="0" algn="r" defTabSz="457200" rtl="0" eaLnBrk="1" fontAlgn="auto" latinLnBrk="0" hangingPunct="1">
-                <a:lnSpc>
-                  <a:spcPct val="100000"/>
-                </a:lnSpc>
-                <a:spcBef>
-                  <a:spcPts val="0"/>
-                </a:spcBef>
-                <a:spcAft>
-                  <a:spcPts val="0"/>
-                </a:spcAft>
-                <a:buClrTx/>
-                <a:buSzTx/>
-                <a:buFontTx/>
-                <a:buNone/>
-                <a:tabLst/>
-                <a:defRPr/>
-              </a:pPr>
-              <a:t>7</a:t>
-            </a:fld>
-            <a:endParaRPr kumimoji="0" lang="en-US" sz="900" b="0" i="0" u="none" strike="noStrike" kern="1200" cap="none" spc="0" normalizeH="0" baseline="0" noProof="0" dirty="0">
-              <a:ln>
-                <a:noFill/>
-              </a:ln>
-              <a:solidFill>
-                <a:srgbClr val="90C226"/>
-              </a:solidFill>
-              <a:effectLst/>
-              <a:uLnTx/>
-              <a:uFillTx/>
-              <a:latin typeface="Trebuchet MS" panose="020B0603020202020204"/>
-              <a:ea typeface="+mn-ea"/>
-              <a:cs typeface="+mn-cs"/>
-            </a:endParaRPr>
-          </a:p>
-        </p:txBody>
-      </p:sp>
-    </p:spTree>
-    <p:extLst>
-      <p:ext uri="{BB962C8B-B14F-4D97-AF65-F5344CB8AC3E}">
-        <p14:creationId xmlns:p14="http://schemas.microsoft.com/office/powerpoint/2010/main" val="282029939"/>
-      </p:ext>
-    </p:extLst>
-  </p:cSld>
-  <p:clrMapOvr>
-    <a:masterClrMapping/>
-  </p:clrMapOvr>
-</p:sld>
-</file>
-
-<file path=ppt/slides/slide8.xml><?xml version="1.0" encoding="utf-8"?>
 <p:sld xmlns:a="http://schemas.openxmlformats.org/drawingml/2006/main" xmlns:r="http://schemas.openxmlformats.org/officeDocument/2006/relationships" xmlns:p="http://schemas.openxmlformats.org/presentationml/2006/main">
   <p:cSld>
     <p:spTree>
@@ -11418,7 +10587,7 @@
           <p:cNvPr id="2" name="Title 1">
             <a:extLst>
               <a:ext uri="{FF2B5EF4-FFF2-40B4-BE49-F238E27FC236}">
-                <a16:creationId xmlns:a16="http://schemas.microsoft.com/office/drawing/2014/main" id="{D413C162-4F84-44B6-8888-0E5F5B0B1F8E}"/>
+                <a16:creationId xmlns:a16="http://schemas.microsoft.com/office/drawing/2014/main" id="{F7E90694-AA7F-451B-A875-1D23D1FDBA32}"/>
               </a:ext>
             </a:extLst>
           </p:cNvPr>
@@ -11429,24 +10598,31 @@
             <p:ph type="title"/>
           </p:nvPr>
         </p:nvSpPr>
-        <p:spPr/>
-        <p:txBody>
-          <a:bodyPr/>
-          <a:lstStyle/>
-          <a:p>
-            <a:r>
-              <a:rPr lang="en-US" dirty="0"/>
-              <a:t>Notes Database – in steps</a:t>
-            </a:r>
-          </a:p>
-        </p:txBody>
-      </p:sp>
-      <p:sp>
-        <p:nvSpPr>
-          <p:cNvPr id="3" name="Content Placeholder 2">
+        <p:spPr>
+          <a:xfrm>
+            <a:off x="955892" y="2723015"/>
+            <a:ext cx="8596668" cy="1320800"/>
+          </a:xfrm>
+        </p:spPr>
+        <p:txBody>
+          <a:bodyPr>
+            <a:normAutofit/>
+          </a:bodyPr>
+          <a:lstStyle/>
+          <a:p>
+            <a:r>
+              <a:rPr lang="en-US" sz="6600" dirty="0"/>
+              <a:t>Question and Answer</a:t>
+            </a:r>
+          </a:p>
+        </p:txBody>
+      </p:sp>
+      <p:sp>
+        <p:nvSpPr>
+          <p:cNvPr id="4" name="Date Placeholder 3">
             <a:extLst>
               <a:ext uri="{FF2B5EF4-FFF2-40B4-BE49-F238E27FC236}">
-                <a16:creationId xmlns:a16="http://schemas.microsoft.com/office/drawing/2014/main" id="{C2D4DA05-B923-4F02-A97D-626D9C9AC41C}"/>
+                <a16:creationId xmlns:a16="http://schemas.microsoft.com/office/drawing/2014/main" id="{B623EE2F-E3E9-437B-AFAE-1E0C5C94A5F8}"/>
               </a:ext>
             </a:extLst>
           </p:cNvPr>
@@ -11454,29 +10630,28 @@
             <a:spLocks noGrp="1"/>
           </p:cNvSpPr>
           <p:nvPr>
-            <p:ph idx="1"/>
-          </p:nvPr>
-        </p:nvSpPr>
-        <p:spPr/>
-        <p:txBody>
-          <a:bodyPr>
-            <a:normAutofit/>
-          </a:bodyPr>
-          <a:lstStyle/>
-          <a:p>
-            <a:r>
-              <a:rPr lang="en-US" sz="3600" dirty="0"/>
-              <a:t>notes_1.py, notes_2.py, …</a:t>
-            </a:r>
-          </a:p>
-        </p:txBody>
-      </p:sp>
-      <p:sp>
-        <p:nvSpPr>
-          <p:cNvPr id="4" name="Date Placeholder 3">
+            <p:ph type="dt" sz="half" idx="10"/>
+          </p:nvPr>
+        </p:nvSpPr>
+        <p:spPr/>
+        <p:txBody>
+          <a:bodyPr/>
+          <a:lstStyle/>
+          <a:p>
+            <a:fld id="{A7119916-CD40-456D-ABE3-55F8822671F7}" type="datetime1">
+              <a:rPr lang="en-US" smtClean="0"/>
+              <a:t>2/28/2022</a:t>
+            </a:fld>
+            <a:endParaRPr lang="en-US" dirty="0"/>
+          </a:p>
+        </p:txBody>
+      </p:sp>
+      <p:sp>
+        <p:nvSpPr>
+          <p:cNvPr id="5" name="Footer Placeholder 4">
             <a:extLst>
               <a:ext uri="{FF2B5EF4-FFF2-40B4-BE49-F238E27FC236}">
-                <a16:creationId xmlns:a16="http://schemas.microsoft.com/office/drawing/2014/main" id="{E52360B7-3A1C-4E5A-9EE7-C542D18C319F}"/>
+                <a16:creationId xmlns:a16="http://schemas.microsoft.com/office/drawing/2014/main" id="{4E4D04EE-5AD0-4A57-A42E-AE62E411ACEA}"/>
               </a:ext>
             </a:extLst>
           </p:cNvPr>
@@ -11484,7 +10659,7 @@
             <a:spLocks noGrp="1"/>
           </p:cNvSpPr>
           <p:nvPr>
-            <p:ph type="dt" sz="half" idx="10"/>
+            <p:ph type="ftr" sz="quarter" idx="11"/>
           </p:nvPr>
         </p:nvSpPr>
         <p:spPr/>
@@ -11492,20 +10667,19 @@
           <a:bodyPr/>
           <a:lstStyle/>
           <a:p>
-            <a:fld id="{A7119916-CD40-456D-ABE3-55F8822671F7}" type="datetime1">
-              <a:rPr lang="en-US" smtClean="0"/>
-              <a:t>10/25/2021</a:t>
-            </a:fld>
-            <a:endParaRPr lang="en-US" dirty="0"/>
-          </a:p>
-        </p:txBody>
-      </p:sp>
-      <p:sp>
-        <p:nvSpPr>
-          <p:cNvPr id="5" name="Footer Placeholder 4">
+            <a:r>
+              <a:rPr lang="en-US" dirty="0"/>
+              <a:t>raysmith@alum.mit.edu</a:t>
+            </a:r>
+          </a:p>
+        </p:txBody>
+      </p:sp>
+      <p:sp>
+        <p:nvSpPr>
+          <p:cNvPr id="6" name="Slide Number Placeholder 5">
             <a:extLst>
               <a:ext uri="{FF2B5EF4-FFF2-40B4-BE49-F238E27FC236}">
-                <a16:creationId xmlns:a16="http://schemas.microsoft.com/office/drawing/2014/main" id="{8A5D43D2-3DEB-4C4A-B616-CD6549F0792B}"/>
+                <a16:creationId xmlns:a16="http://schemas.microsoft.com/office/drawing/2014/main" id="{9711C448-36A8-43E6-A891-6E42F22D1185}"/>
               </a:ext>
             </a:extLst>
           </p:cNvPr>
@@ -11513,35 +10687,6 @@
             <a:spLocks noGrp="1"/>
           </p:cNvSpPr>
           <p:nvPr>
-            <p:ph type="ftr" sz="quarter" idx="11"/>
-          </p:nvPr>
-        </p:nvSpPr>
-        <p:spPr/>
-        <p:txBody>
-          <a:bodyPr/>
-          <a:lstStyle/>
-          <a:p>
-            <a:r>
-              <a:rPr lang="en-US"/>
-              <a:t>raysmith@alum.mit.edu</a:t>
-            </a:r>
-            <a:endParaRPr lang="en-US" dirty="0"/>
-          </a:p>
-        </p:txBody>
-      </p:sp>
-      <p:sp>
-        <p:nvSpPr>
-          <p:cNvPr id="6" name="Slide Number Placeholder 5">
-            <a:extLst>
-              <a:ext uri="{FF2B5EF4-FFF2-40B4-BE49-F238E27FC236}">
-                <a16:creationId xmlns:a16="http://schemas.microsoft.com/office/drawing/2014/main" id="{3A394137-5609-4BB9-A588-52BD4AA80350}"/>
-              </a:ext>
-            </a:extLst>
-          </p:cNvPr>
-          <p:cNvSpPr>
-            <a:spLocks noGrp="1"/>
-          </p:cNvSpPr>
-          <p:nvPr>
             <p:ph type="sldNum" sz="quarter" idx="12"/>
           </p:nvPr>
         </p:nvSpPr>
@@ -11552,7 +10697,7 @@
           <a:p>
             <a:fld id="{6D22F896-40B5-4ADD-8801-0D06FADFA095}" type="slidenum">
               <a:rPr lang="en-US" smtClean="0"/>
-              <a:t>8</a:t>
+              <a:t>7</a:t>
             </a:fld>
             <a:endParaRPr lang="en-US" dirty="0"/>
           </a:p>
@@ -11561,7 +10706,7 @@
     </p:spTree>
     <p:extLst>
       <p:ext uri="{BB962C8B-B14F-4D97-AF65-F5344CB8AC3E}">
-        <p14:creationId xmlns:p14="http://schemas.microsoft.com/office/powerpoint/2010/main" val="2784973670"/>
+        <p14:creationId xmlns:p14="http://schemas.microsoft.com/office/powerpoint/2010/main" val="3992011312"/>
       </p:ext>
     </p:extLst>
   </p:cSld>

--- a/presentation/Class_6_Files/Class_6_Files.pptx
+++ b/presentation/Class_6_Files/Class_6_Files.pptx
@@ -5,16 +5,17 @@
     <p:sldMasterId id="2147483660" r:id="rId1"/>
   </p:sldMasterIdLst>
   <p:notesMasterIdLst>
-    <p:notesMasterId r:id="rId9"/>
+    <p:notesMasterId r:id="rId10"/>
   </p:notesMasterIdLst>
   <p:sldIdLst>
     <p:sldId id="411" r:id="rId2"/>
-    <p:sldId id="312" r:id="rId3"/>
-    <p:sldId id="314" r:id="rId4"/>
-    <p:sldId id="315" r:id="rId5"/>
-    <p:sldId id="316" r:id="rId6"/>
-    <p:sldId id="412" r:id="rId7"/>
-    <p:sldId id="403" r:id="rId8"/>
+    <p:sldId id="426" r:id="rId3"/>
+    <p:sldId id="312" r:id="rId4"/>
+    <p:sldId id="314" r:id="rId5"/>
+    <p:sldId id="315" r:id="rId6"/>
+    <p:sldId id="316" r:id="rId7"/>
+    <p:sldId id="412" r:id="rId8"/>
+    <p:sldId id="403" r:id="rId9"/>
   </p:sldIdLst>
   <p:sldSz cx="12192000" cy="6858000"/>
   <p:notesSz cx="6858000" cy="9144000"/>
@@ -203,7 +204,7 @@
           <a:p>
             <a:fld id="{656D2E9F-587F-4929-A615-D1B22C008AE4}" type="datetimeFigureOut">
               <a:rPr lang="en-US" smtClean="0"/>
-              <a:t>2/28/2022</a:t>
+              <a:t>10/17/2022</a:t>
             </a:fld>
             <a:endParaRPr lang="en-US" dirty="0"/>
           </a:p>
@@ -634,7 +635,7 @@
                 <a:tabLst/>
                 <a:defRPr/>
               </a:pPr>
-              <a:t>2/28/2022</a:t>
+              <a:t>10/17/2022</a:t>
             </a:fld>
             <a:endParaRPr kumimoji="0" lang="en-US" sz="1200" b="0" i="0" u="none" strike="noStrike" kern="1200" cap="none" spc="0" normalizeH="0" baseline="0" noProof="0" dirty="0">
               <a:ln>
@@ -986,353 +987,7 @@
                 <a:tabLst/>
                 <a:defRPr/>
               </a:pPr>
-              <a:t>2/28/2022</a:t>
-            </a:fld>
-            <a:endParaRPr kumimoji="0" lang="en-US" sz="1200" b="0" i="0" u="none" strike="noStrike" kern="1200" cap="none" spc="0" normalizeH="0" baseline="0" noProof="0" dirty="0">
-              <a:ln>
-                <a:noFill/>
-              </a:ln>
-              <a:solidFill>
-                <a:prstClr val="black"/>
-              </a:solidFill>
-              <a:effectLst/>
-              <a:uLnTx/>
-              <a:uFillTx/>
-              <a:latin typeface="Calibri" panose="020F0502020204030204"/>
-              <a:ea typeface="+mn-ea"/>
-              <a:cs typeface="+mn-cs"/>
-            </a:endParaRPr>
-          </a:p>
-        </p:txBody>
-      </p:sp>
-      <p:sp>
-        <p:nvSpPr>
-          <p:cNvPr id="6" name="Footer Placeholder 5"/>
-          <p:cNvSpPr>
-            <a:spLocks noGrp="1"/>
-          </p:cNvSpPr>
-          <p:nvPr>
-            <p:ph type="ftr" sz="quarter" idx="4"/>
-          </p:nvPr>
-        </p:nvSpPr>
-        <p:spPr/>
-        <p:txBody>
-          <a:bodyPr/>
-          <a:lstStyle/>
-          <a:p>
-            <a:pPr marL="0" marR="0" lvl="0" indent="0" algn="l" defTabSz="457200" rtl="0" eaLnBrk="1" fontAlgn="auto" latinLnBrk="0" hangingPunct="1">
-              <a:lnSpc>
-                <a:spcPct val="100000"/>
-              </a:lnSpc>
-              <a:spcBef>
-                <a:spcPts val="0"/>
-              </a:spcBef>
-              <a:spcAft>
-                <a:spcPts val="0"/>
-              </a:spcAft>
-              <a:buClrTx/>
-              <a:buSzTx/>
-              <a:buFontTx/>
-              <a:buNone/>
-              <a:tabLst/>
-              <a:defRPr/>
-            </a:pPr>
-            <a:r>
-              <a:rPr kumimoji="0" lang="en-US" sz="1200" b="0" i="0" u="none" strike="noStrike" kern="1200" cap="none" spc="0" normalizeH="0" baseline="0" noProof="0" dirty="0">
-                <a:ln>
-                  <a:noFill/>
-                </a:ln>
-                <a:solidFill>
-                  <a:prstClr val="black"/>
-                </a:solidFill>
-                <a:effectLst/>
-                <a:uLnTx/>
-                <a:uFillTx/>
-                <a:latin typeface="Calibri" panose="020F0502020204030204"/>
-                <a:ea typeface="+mn-ea"/>
-                <a:cs typeface="+mn-cs"/>
-              </a:rPr>
-              <a:t>raysmith@alum.mit.edu</a:t>
-            </a:r>
-          </a:p>
-        </p:txBody>
-      </p:sp>
-      <p:sp>
-        <p:nvSpPr>
-          <p:cNvPr id="7" name="Slide Number Placeholder 6"/>
-          <p:cNvSpPr>
-            <a:spLocks noGrp="1"/>
-          </p:cNvSpPr>
-          <p:nvPr>
-            <p:ph type="sldNum" sz="quarter" idx="5"/>
-          </p:nvPr>
-        </p:nvSpPr>
-        <p:spPr/>
-        <p:txBody>
-          <a:bodyPr/>
-          <a:lstStyle/>
-          <a:p>
-            <a:pPr marL="0" marR="0" lvl="0" indent="0" algn="r" defTabSz="457200" rtl="0" eaLnBrk="1" fontAlgn="auto" latinLnBrk="0" hangingPunct="1">
-              <a:lnSpc>
-                <a:spcPct val="100000"/>
-              </a:lnSpc>
-              <a:spcBef>
-                <a:spcPts val="0"/>
-              </a:spcBef>
-              <a:spcAft>
-                <a:spcPts val="0"/>
-              </a:spcAft>
-              <a:buClrTx/>
-              <a:buSzTx/>
-              <a:buFontTx/>
-              <a:buNone/>
-              <a:tabLst/>
-              <a:defRPr/>
-            </a:pPr>
-            <a:fld id="{BA791329-992B-4F83-8435-C33B0EC26DB3}" type="slidenum">
-              <a:rPr kumimoji="0" lang="en-US" sz="1200" b="0" i="0" u="none" strike="noStrike" kern="1200" cap="none" spc="0" normalizeH="0" baseline="0" noProof="0" smtClean="0">
-                <a:ln>
-                  <a:noFill/>
-                </a:ln>
-                <a:solidFill>
-                  <a:prstClr val="black"/>
-                </a:solidFill>
-                <a:effectLst/>
-                <a:uLnTx/>
-                <a:uFillTx/>
-                <a:latin typeface="Calibri" panose="020F0502020204030204"/>
-                <a:ea typeface="+mn-ea"/>
-                <a:cs typeface="+mn-cs"/>
-              </a:rPr>
-              <a:pPr marL="0" marR="0" lvl="0" indent="0" algn="r" defTabSz="457200" rtl="0" eaLnBrk="1" fontAlgn="auto" latinLnBrk="0" hangingPunct="1">
-                <a:lnSpc>
-                  <a:spcPct val="100000"/>
-                </a:lnSpc>
-                <a:spcBef>
-                  <a:spcPts val="0"/>
-                </a:spcBef>
-                <a:spcAft>
-                  <a:spcPts val="0"/>
-                </a:spcAft>
-                <a:buClrTx/>
-                <a:buSzTx/>
-                <a:buFontTx/>
-                <a:buNone/>
-                <a:tabLst/>
-                <a:defRPr/>
-              </a:pPr>
-              <a:t>2</a:t>
-            </a:fld>
-            <a:endParaRPr kumimoji="0" lang="en-US" sz="1200" b="0" i="0" u="none" strike="noStrike" kern="1200" cap="none" spc="0" normalizeH="0" baseline="0" noProof="0" dirty="0">
-              <a:ln>
-                <a:noFill/>
-              </a:ln>
-              <a:solidFill>
-                <a:prstClr val="black"/>
-              </a:solidFill>
-              <a:effectLst/>
-              <a:uLnTx/>
-              <a:uFillTx/>
-              <a:latin typeface="Calibri" panose="020F0502020204030204"/>
-              <a:ea typeface="+mn-ea"/>
-              <a:cs typeface="+mn-cs"/>
-            </a:endParaRPr>
-          </a:p>
-        </p:txBody>
-      </p:sp>
-    </p:spTree>
-    <p:extLst>
-      <p:ext uri="{BB962C8B-B14F-4D97-AF65-F5344CB8AC3E}">
-        <p14:creationId xmlns:p14="http://schemas.microsoft.com/office/powerpoint/2010/main" val="1851914563"/>
-      </p:ext>
-    </p:extLst>
-  </p:cSld>
-  <p:clrMapOvr>
-    <a:masterClrMapping/>
-  </p:clrMapOvr>
-</p:notes>
-</file>
-
-<file path=ppt/notesSlides/notesSlide3.xml><?xml version="1.0" encoding="utf-8"?>
-<p:notes xmlns:a="http://schemas.openxmlformats.org/drawingml/2006/main" xmlns:r="http://schemas.openxmlformats.org/officeDocument/2006/relationships" xmlns:p="http://schemas.openxmlformats.org/presentationml/2006/main">
-  <p:cSld>
-    <p:spTree>
-      <p:nvGrpSpPr>
-        <p:cNvPr id="1" name=""/>
-        <p:cNvGrpSpPr/>
-        <p:nvPr/>
-      </p:nvGrpSpPr>
-      <p:grpSpPr>
-        <a:xfrm>
-          <a:off x="0" y="0"/>
-          <a:ext cx="0" cy="0"/>
-          <a:chOff x="0" y="0"/>
-          <a:chExt cx="0" cy="0"/>
-        </a:xfrm>
-      </p:grpSpPr>
-      <p:sp>
-        <p:nvSpPr>
-          <p:cNvPr id="2" name="Slide Image Placeholder 1"/>
-          <p:cNvSpPr>
-            <a:spLocks noGrp="1" noRot="1" noChangeAspect="1"/>
-          </p:cNvSpPr>
-          <p:nvPr>
-            <p:ph type="sldImg"/>
-          </p:nvPr>
-        </p:nvSpPr>
-        <p:spPr/>
-      </p:sp>
-      <p:sp>
-        <p:nvSpPr>
-          <p:cNvPr id="3" name="Notes Placeholder 2"/>
-          <p:cNvSpPr>
-            <a:spLocks noGrp="1"/>
-          </p:cNvSpPr>
-          <p:nvPr>
-            <p:ph type="body" idx="1"/>
-          </p:nvPr>
-        </p:nvSpPr>
-        <p:spPr/>
-        <p:txBody>
-          <a:bodyPr/>
-          <a:lstStyle/>
-          <a:p>
-            <a:r>
-              <a:rPr lang="en-US" dirty="0"/>
-              <a:t>Note: print adds a newline at the end by default.</a:t>
-            </a:r>
-          </a:p>
-          <a:p>
-            <a:r>
-              <a:rPr lang="en-US" dirty="0"/>
-              <a:t>To avoid this, use the end="" parameter to replace the default newline with "".</a:t>
-            </a:r>
-          </a:p>
-          <a:p>
-            <a:r>
-              <a:rPr lang="en-US" dirty="0"/>
-              <a:t>e.g.</a:t>
-            </a:r>
-          </a:p>
-        </p:txBody>
-      </p:sp>
-      <p:sp>
-        <p:nvSpPr>
-          <p:cNvPr id="4" name="Header Placeholder 3"/>
-          <p:cNvSpPr>
-            <a:spLocks noGrp="1"/>
-          </p:cNvSpPr>
-          <p:nvPr>
-            <p:ph type="hdr" sz="quarter"/>
-          </p:nvPr>
-        </p:nvSpPr>
-        <p:spPr/>
-        <p:txBody>
-          <a:bodyPr/>
-          <a:lstStyle/>
-          <a:p>
-            <a:pPr marL="0" marR="0" lvl="0" indent="0" algn="l" defTabSz="457200" rtl="0" eaLnBrk="1" fontAlgn="auto" latinLnBrk="0" hangingPunct="1">
-              <a:lnSpc>
-                <a:spcPct val="100000"/>
-              </a:lnSpc>
-              <a:spcBef>
-                <a:spcPts val="0"/>
-              </a:spcBef>
-              <a:spcAft>
-                <a:spcPts val="0"/>
-              </a:spcAft>
-              <a:buClrTx/>
-              <a:buSzTx/>
-              <a:buFontTx/>
-              <a:buNone/>
-              <a:tabLst/>
-              <a:defRPr/>
-            </a:pPr>
-            <a:r>
-              <a:rPr kumimoji="0" lang="en-US" sz="1200" b="0" i="0" u="none" strike="noStrike" kern="1200" cap="none" spc="0" normalizeH="0" baseline="0" noProof="0" dirty="0">
-                <a:ln>
-                  <a:noFill/>
-                </a:ln>
-                <a:solidFill>
-                  <a:prstClr val="black"/>
-                </a:solidFill>
-                <a:effectLst/>
-                <a:uLnTx/>
-                <a:uFillTx/>
-                <a:latin typeface="Calibri" panose="020F0502020204030204"/>
-                <a:ea typeface="+mn-ea"/>
-                <a:cs typeface="+mn-cs"/>
-              </a:rPr>
-              <a:t>Introduction to Programming using Python</a:t>
-            </a:r>
-          </a:p>
-        </p:txBody>
-      </p:sp>
-      <p:sp>
-        <p:nvSpPr>
-          <p:cNvPr id="5" name="Date Placeholder 4"/>
-          <p:cNvSpPr>
-            <a:spLocks noGrp="1"/>
-          </p:cNvSpPr>
-          <p:nvPr>
-            <p:ph type="dt" idx="1"/>
-          </p:nvPr>
-        </p:nvSpPr>
-        <p:spPr/>
-        <p:txBody>
-          <a:bodyPr/>
-          <a:lstStyle/>
-          <a:p>
-            <a:pPr marL="0" marR="0" lvl="0" indent="0" algn="r" defTabSz="457200" rtl="0" eaLnBrk="1" fontAlgn="auto" latinLnBrk="0" hangingPunct="1">
-              <a:lnSpc>
-                <a:spcPct val="100000"/>
-              </a:lnSpc>
-              <a:spcBef>
-                <a:spcPts val="0"/>
-              </a:spcBef>
-              <a:spcAft>
-                <a:spcPts val="0"/>
-              </a:spcAft>
-              <a:buClrTx/>
-              <a:buSzTx/>
-              <a:buFontTx/>
-              <a:buNone/>
-              <a:tabLst/>
-              <a:defRPr/>
-            </a:pPr>
-            <a:fld id="{A596092B-28C7-44D1-B902-5437B333DFB7}" type="datetime1">
-              <a:rPr kumimoji="0" lang="en-US" sz="1200" b="0" i="0" u="none" strike="noStrike" kern="1200" cap="none" spc="0" normalizeH="0" baseline="0" noProof="0" smtClean="0">
-                <a:ln>
-                  <a:noFill/>
-                </a:ln>
-                <a:solidFill>
-                  <a:prstClr val="black"/>
-                </a:solidFill>
-                <a:effectLst/>
-                <a:uLnTx/>
-                <a:uFillTx/>
-                <a:latin typeface="Calibri" panose="020F0502020204030204"/>
-                <a:ea typeface="+mn-ea"/>
-                <a:cs typeface="+mn-cs"/>
-              </a:rPr>
-              <a:pPr marL="0" marR="0" lvl="0" indent="0" algn="r" defTabSz="457200" rtl="0" eaLnBrk="1" fontAlgn="auto" latinLnBrk="0" hangingPunct="1">
-                <a:lnSpc>
-                  <a:spcPct val="100000"/>
-                </a:lnSpc>
-                <a:spcBef>
-                  <a:spcPts val="0"/>
-                </a:spcBef>
-                <a:spcAft>
-                  <a:spcPts val="0"/>
-                </a:spcAft>
-                <a:buClrTx/>
-                <a:buSzTx/>
-                <a:buFontTx/>
-                <a:buNone/>
-                <a:tabLst/>
-                <a:defRPr/>
-              </a:pPr>
-              <a:t>2/28/2022</a:t>
+              <a:t>10/17/2022</a:t>
             </a:fld>
             <a:endParaRPr kumimoji="0" lang="en-US" sz="1200" b="0" i="0" u="none" strike="noStrike" kern="1200" cap="none" spc="0" normalizeH="0" baseline="0" noProof="0" dirty="0">
               <a:ln>
@@ -1489,7 +1144,7 @@
     </p:spTree>
     <p:extLst>
       <p:ext uri="{BB962C8B-B14F-4D97-AF65-F5344CB8AC3E}">
-        <p14:creationId xmlns:p14="http://schemas.microsoft.com/office/powerpoint/2010/main" val="2979141169"/>
+        <p14:creationId xmlns:p14="http://schemas.microsoft.com/office/powerpoint/2010/main" val="1851914563"/>
       </p:ext>
     </p:extLst>
   </p:cSld>
@@ -1499,7 +1154,7 @@
 </p:notes>
 </file>
 
-<file path=ppt/notesSlides/notesSlide4.xml><?xml version="1.0" encoding="utf-8"?>
+<file path=ppt/notesSlides/notesSlide3.xml><?xml version="1.0" encoding="utf-8"?>
 <p:notes xmlns:a="http://schemas.openxmlformats.org/drawingml/2006/main" xmlns:r="http://schemas.openxmlformats.org/officeDocument/2006/relationships" xmlns:p="http://schemas.openxmlformats.org/presentationml/2006/main">
   <p:cSld>
     <p:spTree>
@@ -1545,7 +1200,19 @@
           <a:p>
             <a:r>
               <a:rPr lang="en-US" dirty="0"/>
-              <a:t>Open modes "r" –read, "w" – write, "a" - append</a:t>
+              <a:t>Note: print adds a newline at the end by default.</a:t>
+            </a:r>
+          </a:p>
+          <a:p>
+            <a:r>
+              <a:rPr lang="en-US" dirty="0"/>
+              <a:t>To avoid this, use the end="" parameter to replace the default newline with "".</a:t>
+            </a:r>
+          </a:p>
+          <a:p>
+            <a:r>
+              <a:rPr lang="en-US" dirty="0"/>
+              <a:t>e.g.</a:t>
             </a:r>
           </a:p>
         </p:txBody>
@@ -1666,7 +1333,7 @@
                 <a:tabLst/>
                 <a:defRPr/>
               </a:pPr>
-              <a:t>2/28/2022</a:t>
+              <a:t>10/17/2022</a:t>
             </a:fld>
             <a:endParaRPr kumimoji="0" lang="en-US" sz="1200" b="0" i="0" u="none" strike="noStrike" kern="1200" cap="none" spc="0" normalizeH="0" baseline="0" noProof="0" dirty="0">
               <a:ln>
@@ -1823,7 +1490,7 @@
     </p:spTree>
     <p:extLst>
       <p:ext uri="{BB962C8B-B14F-4D97-AF65-F5344CB8AC3E}">
-        <p14:creationId xmlns:p14="http://schemas.microsoft.com/office/powerpoint/2010/main" val="2995727454"/>
+        <p14:creationId xmlns:p14="http://schemas.microsoft.com/office/powerpoint/2010/main" val="2979141169"/>
       </p:ext>
     </p:extLst>
   </p:cSld>
@@ -1833,7 +1500,7 @@
 </p:notes>
 </file>
 
-<file path=ppt/notesSlides/notesSlide5.xml><?xml version="1.0" encoding="utf-8"?>
+<file path=ppt/notesSlides/notesSlide4.xml><?xml version="1.0" encoding="utf-8"?>
 <p:notes xmlns:a="http://schemas.openxmlformats.org/drawingml/2006/main" xmlns:r="http://schemas.openxmlformats.org/officeDocument/2006/relationships" xmlns:p="http://schemas.openxmlformats.org/presentationml/2006/main">
   <p:cSld>
     <p:spTree>
@@ -1879,19 +1546,7 @@
           <a:p>
             <a:r>
               <a:rPr lang="en-US" dirty="0"/>
-              <a:t>Ambitious – from scratch</a:t>
-            </a:r>
-          </a:p>
-          <a:p>
-            <a:r>
-              <a:rPr lang="en-US" dirty="0"/>
-              <a:t>Less so – use our sample as visual guide</a:t>
-            </a:r>
-          </a:p>
-          <a:p>
-            <a:r>
-              <a:rPr lang="en-US" dirty="0"/>
-              <a:t>Less so – copy from exercises/files/ - modifying </a:t>
+              <a:t>Open modes "r" –read, "w" – write, "a" - append</a:t>
             </a:r>
           </a:p>
         </p:txBody>
@@ -2012,7 +1667,7 @@
                 <a:tabLst/>
                 <a:defRPr/>
               </a:pPr>
-              <a:t>2/28/2022</a:t>
+              <a:t>10/17/2022</a:t>
             </a:fld>
             <a:endParaRPr kumimoji="0" lang="en-US" sz="1200" b="0" i="0" u="none" strike="noStrike" kern="1200" cap="none" spc="0" normalizeH="0" baseline="0" noProof="0" dirty="0">
               <a:ln>
@@ -2169,6 +1824,352 @@
     </p:spTree>
     <p:extLst>
       <p:ext uri="{BB962C8B-B14F-4D97-AF65-F5344CB8AC3E}">
+        <p14:creationId xmlns:p14="http://schemas.microsoft.com/office/powerpoint/2010/main" val="2995727454"/>
+      </p:ext>
+    </p:extLst>
+  </p:cSld>
+  <p:clrMapOvr>
+    <a:masterClrMapping/>
+  </p:clrMapOvr>
+</p:notes>
+</file>
+
+<file path=ppt/notesSlides/notesSlide5.xml><?xml version="1.0" encoding="utf-8"?>
+<p:notes xmlns:a="http://schemas.openxmlformats.org/drawingml/2006/main" xmlns:r="http://schemas.openxmlformats.org/officeDocument/2006/relationships" xmlns:p="http://schemas.openxmlformats.org/presentationml/2006/main">
+  <p:cSld>
+    <p:spTree>
+      <p:nvGrpSpPr>
+        <p:cNvPr id="1" name=""/>
+        <p:cNvGrpSpPr/>
+        <p:nvPr/>
+      </p:nvGrpSpPr>
+      <p:grpSpPr>
+        <a:xfrm>
+          <a:off x="0" y="0"/>
+          <a:ext cx="0" cy="0"/>
+          <a:chOff x="0" y="0"/>
+          <a:chExt cx="0" cy="0"/>
+        </a:xfrm>
+      </p:grpSpPr>
+      <p:sp>
+        <p:nvSpPr>
+          <p:cNvPr id="2" name="Slide Image Placeholder 1"/>
+          <p:cNvSpPr>
+            <a:spLocks noGrp="1" noRot="1" noChangeAspect="1"/>
+          </p:cNvSpPr>
+          <p:nvPr>
+            <p:ph type="sldImg"/>
+          </p:nvPr>
+        </p:nvSpPr>
+        <p:spPr/>
+      </p:sp>
+      <p:sp>
+        <p:nvSpPr>
+          <p:cNvPr id="3" name="Notes Placeholder 2"/>
+          <p:cNvSpPr>
+            <a:spLocks noGrp="1"/>
+          </p:cNvSpPr>
+          <p:nvPr>
+            <p:ph type="body" idx="1"/>
+          </p:nvPr>
+        </p:nvSpPr>
+        <p:spPr/>
+        <p:txBody>
+          <a:bodyPr/>
+          <a:lstStyle/>
+          <a:p>
+            <a:r>
+              <a:rPr lang="en-US" dirty="0"/>
+              <a:t>Ambitious – from scratch</a:t>
+            </a:r>
+          </a:p>
+          <a:p>
+            <a:r>
+              <a:rPr lang="en-US" dirty="0"/>
+              <a:t>Less so – use our sample as visual guide</a:t>
+            </a:r>
+          </a:p>
+          <a:p>
+            <a:r>
+              <a:rPr lang="en-US" dirty="0"/>
+              <a:t>Less so – copy from exercises/files/ - modifying </a:t>
+            </a:r>
+          </a:p>
+        </p:txBody>
+      </p:sp>
+      <p:sp>
+        <p:nvSpPr>
+          <p:cNvPr id="4" name="Header Placeholder 3"/>
+          <p:cNvSpPr>
+            <a:spLocks noGrp="1"/>
+          </p:cNvSpPr>
+          <p:nvPr>
+            <p:ph type="hdr" sz="quarter"/>
+          </p:nvPr>
+        </p:nvSpPr>
+        <p:spPr/>
+        <p:txBody>
+          <a:bodyPr/>
+          <a:lstStyle/>
+          <a:p>
+            <a:pPr marL="0" marR="0" lvl="0" indent="0" algn="l" defTabSz="457200" rtl="0" eaLnBrk="1" fontAlgn="auto" latinLnBrk="0" hangingPunct="1">
+              <a:lnSpc>
+                <a:spcPct val="100000"/>
+              </a:lnSpc>
+              <a:spcBef>
+                <a:spcPts val="0"/>
+              </a:spcBef>
+              <a:spcAft>
+                <a:spcPts val="0"/>
+              </a:spcAft>
+              <a:buClrTx/>
+              <a:buSzTx/>
+              <a:buFontTx/>
+              <a:buNone/>
+              <a:tabLst/>
+              <a:defRPr/>
+            </a:pPr>
+            <a:r>
+              <a:rPr kumimoji="0" lang="en-US" sz="1200" b="0" i="0" u="none" strike="noStrike" kern="1200" cap="none" spc="0" normalizeH="0" baseline="0" noProof="0" dirty="0">
+                <a:ln>
+                  <a:noFill/>
+                </a:ln>
+                <a:solidFill>
+                  <a:prstClr val="black"/>
+                </a:solidFill>
+                <a:effectLst/>
+                <a:uLnTx/>
+                <a:uFillTx/>
+                <a:latin typeface="Calibri" panose="020F0502020204030204"/>
+                <a:ea typeface="+mn-ea"/>
+                <a:cs typeface="+mn-cs"/>
+              </a:rPr>
+              <a:t>Introduction to Programming using Python</a:t>
+            </a:r>
+          </a:p>
+        </p:txBody>
+      </p:sp>
+      <p:sp>
+        <p:nvSpPr>
+          <p:cNvPr id="5" name="Date Placeholder 4"/>
+          <p:cNvSpPr>
+            <a:spLocks noGrp="1"/>
+          </p:cNvSpPr>
+          <p:nvPr>
+            <p:ph type="dt" idx="1"/>
+          </p:nvPr>
+        </p:nvSpPr>
+        <p:spPr/>
+        <p:txBody>
+          <a:bodyPr/>
+          <a:lstStyle/>
+          <a:p>
+            <a:pPr marL="0" marR="0" lvl="0" indent="0" algn="r" defTabSz="457200" rtl="0" eaLnBrk="1" fontAlgn="auto" latinLnBrk="0" hangingPunct="1">
+              <a:lnSpc>
+                <a:spcPct val="100000"/>
+              </a:lnSpc>
+              <a:spcBef>
+                <a:spcPts val="0"/>
+              </a:spcBef>
+              <a:spcAft>
+                <a:spcPts val="0"/>
+              </a:spcAft>
+              <a:buClrTx/>
+              <a:buSzTx/>
+              <a:buFontTx/>
+              <a:buNone/>
+              <a:tabLst/>
+              <a:defRPr/>
+            </a:pPr>
+            <a:fld id="{A596092B-28C7-44D1-B902-5437B333DFB7}" type="datetime1">
+              <a:rPr kumimoji="0" lang="en-US" sz="1200" b="0" i="0" u="none" strike="noStrike" kern="1200" cap="none" spc="0" normalizeH="0" baseline="0" noProof="0" smtClean="0">
+                <a:ln>
+                  <a:noFill/>
+                </a:ln>
+                <a:solidFill>
+                  <a:prstClr val="black"/>
+                </a:solidFill>
+                <a:effectLst/>
+                <a:uLnTx/>
+                <a:uFillTx/>
+                <a:latin typeface="Calibri" panose="020F0502020204030204"/>
+                <a:ea typeface="+mn-ea"/>
+                <a:cs typeface="+mn-cs"/>
+              </a:rPr>
+              <a:pPr marL="0" marR="0" lvl="0" indent="0" algn="r" defTabSz="457200" rtl="0" eaLnBrk="1" fontAlgn="auto" latinLnBrk="0" hangingPunct="1">
+                <a:lnSpc>
+                  <a:spcPct val="100000"/>
+                </a:lnSpc>
+                <a:spcBef>
+                  <a:spcPts val="0"/>
+                </a:spcBef>
+                <a:spcAft>
+                  <a:spcPts val="0"/>
+                </a:spcAft>
+                <a:buClrTx/>
+                <a:buSzTx/>
+                <a:buFontTx/>
+                <a:buNone/>
+                <a:tabLst/>
+                <a:defRPr/>
+              </a:pPr>
+              <a:t>10/17/2022</a:t>
+            </a:fld>
+            <a:endParaRPr kumimoji="0" lang="en-US" sz="1200" b="0" i="0" u="none" strike="noStrike" kern="1200" cap="none" spc="0" normalizeH="0" baseline="0" noProof="0" dirty="0">
+              <a:ln>
+                <a:noFill/>
+              </a:ln>
+              <a:solidFill>
+                <a:prstClr val="black"/>
+              </a:solidFill>
+              <a:effectLst/>
+              <a:uLnTx/>
+              <a:uFillTx/>
+              <a:latin typeface="Calibri" panose="020F0502020204030204"/>
+              <a:ea typeface="+mn-ea"/>
+              <a:cs typeface="+mn-cs"/>
+            </a:endParaRPr>
+          </a:p>
+        </p:txBody>
+      </p:sp>
+      <p:sp>
+        <p:nvSpPr>
+          <p:cNvPr id="6" name="Footer Placeholder 5"/>
+          <p:cNvSpPr>
+            <a:spLocks noGrp="1"/>
+          </p:cNvSpPr>
+          <p:nvPr>
+            <p:ph type="ftr" sz="quarter" idx="4"/>
+          </p:nvPr>
+        </p:nvSpPr>
+        <p:spPr/>
+        <p:txBody>
+          <a:bodyPr/>
+          <a:lstStyle/>
+          <a:p>
+            <a:pPr marL="0" marR="0" lvl="0" indent="0" algn="l" defTabSz="457200" rtl="0" eaLnBrk="1" fontAlgn="auto" latinLnBrk="0" hangingPunct="1">
+              <a:lnSpc>
+                <a:spcPct val="100000"/>
+              </a:lnSpc>
+              <a:spcBef>
+                <a:spcPts val="0"/>
+              </a:spcBef>
+              <a:spcAft>
+                <a:spcPts val="0"/>
+              </a:spcAft>
+              <a:buClrTx/>
+              <a:buSzTx/>
+              <a:buFontTx/>
+              <a:buNone/>
+              <a:tabLst/>
+              <a:defRPr/>
+            </a:pPr>
+            <a:r>
+              <a:rPr kumimoji="0" lang="en-US" sz="1200" b="0" i="0" u="none" strike="noStrike" kern="1200" cap="none" spc="0" normalizeH="0" baseline="0" noProof="0" dirty="0">
+                <a:ln>
+                  <a:noFill/>
+                </a:ln>
+                <a:solidFill>
+                  <a:prstClr val="black"/>
+                </a:solidFill>
+                <a:effectLst/>
+                <a:uLnTx/>
+                <a:uFillTx/>
+                <a:latin typeface="Calibri" panose="020F0502020204030204"/>
+                <a:ea typeface="+mn-ea"/>
+                <a:cs typeface="+mn-cs"/>
+              </a:rPr>
+              <a:t>raysmith@alum.mit.edu</a:t>
+            </a:r>
+          </a:p>
+        </p:txBody>
+      </p:sp>
+      <p:sp>
+        <p:nvSpPr>
+          <p:cNvPr id="7" name="Slide Number Placeholder 6"/>
+          <p:cNvSpPr>
+            <a:spLocks noGrp="1"/>
+          </p:cNvSpPr>
+          <p:nvPr>
+            <p:ph type="sldNum" sz="quarter" idx="5"/>
+          </p:nvPr>
+        </p:nvSpPr>
+        <p:spPr/>
+        <p:txBody>
+          <a:bodyPr/>
+          <a:lstStyle/>
+          <a:p>
+            <a:pPr marL="0" marR="0" lvl="0" indent="0" algn="r" defTabSz="457200" rtl="0" eaLnBrk="1" fontAlgn="auto" latinLnBrk="0" hangingPunct="1">
+              <a:lnSpc>
+                <a:spcPct val="100000"/>
+              </a:lnSpc>
+              <a:spcBef>
+                <a:spcPts val="0"/>
+              </a:spcBef>
+              <a:spcAft>
+                <a:spcPts val="0"/>
+              </a:spcAft>
+              <a:buClrTx/>
+              <a:buSzTx/>
+              <a:buFontTx/>
+              <a:buNone/>
+              <a:tabLst/>
+              <a:defRPr/>
+            </a:pPr>
+            <a:fld id="{BA791329-992B-4F83-8435-C33B0EC26DB3}" type="slidenum">
+              <a:rPr kumimoji="0" lang="en-US" sz="1200" b="0" i="0" u="none" strike="noStrike" kern="1200" cap="none" spc="0" normalizeH="0" baseline="0" noProof="0" smtClean="0">
+                <a:ln>
+                  <a:noFill/>
+                </a:ln>
+                <a:solidFill>
+                  <a:prstClr val="black"/>
+                </a:solidFill>
+                <a:effectLst/>
+                <a:uLnTx/>
+                <a:uFillTx/>
+                <a:latin typeface="Calibri" panose="020F0502020204030204"/>
+                <a:ea typeface="+mn-ea"/>
+                <a:cs typeface="+mn-cs"/>
+              </a:rPr>
+              <a:pPr marL="0" marR="0" lvl="0" indent="0" algn="r" defTabSz="457200" rtl="0" eaLnBrk="1" fontAlgn="auto" latinLnBrk="0" hangingPunct="1">
+                <a:lnSpc>
+                  <a:spcPct val="100000"/>
+                </a:lnSpc>
+                <a:spcBef>
+                  <a:spcPts val="0"/>
+                </a:spcBef>
+                <a:spcAft>
+                  <a:spcPts val="0"/>
+                </a:spcAft>
+                <a:buClrTx/>
+                <a:buSzTx/>
+                <a:buFontTx/>
+                <a:buNone/>
+                <a:tabLst/>
+                <a:defRPr/>
+              </a:pPr>
+              <a:t>6</a:t>
+            </a:fld>
+            <a:endParaRPr kumimoji="0" lang="en-US" sz="1200" b="0" i="0" u="none" strike="noStrike" kern="1200" cap="none" spc="0" normalizeH="0" baseline="0" noProof="0" dirty="0">
+              <a:ln>
+                <a:noFill/>
+              </a:ln>
+              <a:solidFill>
+                <a:prstClr val="black"/>
+              </a:solidFill>
+              <a:effectLst/>
+              <a:uLnTx/>
+              <a:uFillTx/>
+              <a:latin typeface="Calibri" panose="020F0502020204030204"/>
+              <a:ea typeface="+mn-ea"/>
+              <a:cs typeface="+mn-cs"/>
+            </a:endParaRPr>
+          </a:p>
+        </p:txBody>
+      </p:sp>
+    </p:spTree>
+    <p:extLst>
+      <p:ext uri="{BB962C8B-B14F-4D97-AF65-F5344CB8AC3E}">
         <p14:creationId xmlns:p14="http://schemas.microsoft.com/office/powerpoint/2010/main" val="3523079171"/>
       </p:ext>
     </p:extLst>
@@ -2284,7 +2285,7 @@
           <a:p>
             <a:fld id="{A596092B-28C7-44D1-B902-5437B333DFB7}" type="datetime1">
               <a:rPr lang="en-US" smtClean="0"/>
-              <a:t>2/28/2022</a:t>
+              <a:t>10/17/2022</a:t>
             </a:fld>
             <a:endParaRPr lang="en-US" dirty="0"/>
           </a:p>
@@ -2329,7 +2330,7 @@
           <a:p>
             <a:fld id="{BA791329-992B-4F83-8435-C33B0EC26DB3}" type="slidenum">
               <a:rPr lang="en-US" smtClean="0"/>
-              <a:t>7</a:t>
+              <a:t>8</a:t>
             </a:fld>
             <a:endParaRPr lang="en-US" dirty="0"/>
           </a:p>
@@ -3070,7 +3071,7 @@
           <a:p>
             <a:fld id="{B1DF5501-EE91-4443-9D3B-24E6F28D34E2}" type="datetime1">
               <a:rPr lang="en-US" smtClean="0"/>
-              <a:t>2/28/2022</a:t>
+              <a:t>10/17/2022</a:t>
             </a:fld>
             <a:endParaRPr lang="en-US" dirty="0"/>
           </a:p>
@@ -3336,7 +3337,7 @@
           <a:p>
             <a:fld id="{E954E1E9-8456-43AD-BA28-861520D256B9}" type="datetime1">
               <a:rPr lang="en-US" smtClean="0"/>
-              <a:t>2/28/2022</a:t>
+              <a:t>10/17/2022</a:t>
             </a:fld>
             <a:endParaRPr lang="en-US" dirty="0"/>
           </a:p>
@@ -3654,7 +3655,7 @@
           <a:p>
             <a:fld id="{FAF31E0C-AAFD-4E63-B3AE-16CD757951F4}" type="datetime1">
               <a:rPr lang="en-US" smtClean="0"/>
-              <a:t>2/28/2022</a:t>
+              <a:t>10/17/2022</a:t>
             </a:fld>
             <a:endParaRPr lang="en-US" dirty="0"/>
           </a:p>
@@ -3999,7 +4000,7 @@
           <a:p>
             <a:fld id="{000084FF-4715-4B6E-BD22-453621E5873F}" type="datetime1">
               <a:rPr lang="en-US" smtClean="0"/>
-              <a:t>2/28/2022</a:t>
+              <a:t>10/17/2022</a:t>
             </a:fld>
             <a:endParaRPr lang="en-US" dirty="0"/>
           </a:p>
@@ -4317,7 +4318,7 @@
           <a:p>
             <a:fld id="{6AC37F8D-4DF5-4AB6-A766-5A84B3D74A3B}" type="datetime1">
               <a:rPr lang="en-US" smtClean="0"/>
-              <a:t>2/28/2022</a:t>
+              <a:t>10/17/2022</a:t>
             </a:fld>
             <a:endParaRPr lang="en-US" dirty="0"/>
           </a:p>
@@ -4714,7 +4715,7 @@
           <a:p>
             <a:fld id="{1BF3CD1A-162D-40B2-9B22-9056F77C27F2}" type="datetime1">
               <a:rPr lang="en-US" smtClean="0"/>
-              <a:t>2/28/2022</a:t>
+              <a:t>10/17/2022</a:t>
             </a:fld>
             <a:endParaRPr lang="en-US" dirty="0"/>
           </a:p>
@@ -4888,7 +4889,7 @@
           <a:p>
             <a:fld id="{D42E4200-B1E5-4E39-8279-05DD69810A37}" type="datetime1">
               <a:rPr lang="en-US" smtClean="0"/>
-              <a:t>2/28/2022</a:t>
+              <a:t>10/17/2022</a:t>
             </a:fld>
             <a:endParaRPr lang="en-US" dirty="0"/>
           </a:p>
@@ -5071,7 +5072,7 @@
           <a:p>
             <a:fld id="{47CF7895-00AC-42E5-9790-7B0E3CE09DF2}" type="datetime1">
               <a:rPr lang="en-US" smtClean="0"/>
-              <a:t>2/28/2022</a:t>
+              <a:t>10/17/2022</a:t>
             </a:fld>
             <a:endParaRPr lang="en-US" dirty="0"/>
           </a:p>
@@ -5250,7 +5251,7 @@
           <a:p>
             <a:fld id="{A7119916-CD40-456D-ABE3-55F8822671F7}" type="datetime1">
               <a:rPr lang="en-US" smtClean="0"/>
-              <a:t>2/28/2022</a:t>
+              <a:t>10/17/2022</a:t>
             </a:fld>
             <a:endParaRPr lang="en-US" dirty="0"/>
           </a:p>
@@ -5500,7 +5501,7 @@
           <a:p>
             <a:fld id="{3F9A13D6-B8C2-463B-B3F7-C62E098B328E}" type="datetime1">
               <a:rPr lang="en-US" smtClean="0"/>
-              <a:t>2/28/2022</a:t>
+              <a:t>10/17/2022</a:t>
             </a:fld>
             <a:endParaRPr lang="en-US" dirty="0"/>
           </a:p>
@@ -5735,7 +5736,7 @@
           <a:p>
             <a:fld id="{D2B63420-31EE-4E4B-911C-2601B14D9FDD}" type="datetime1">
               <a:rPr lang="en-US" smtClean="0"/>
-              <a:t>2/28/2022</a:t>
+              <a:t>10/17/2022</a:t>
             </a:fld>
             <a:endParaRPr lang="en-US" dirty="0"/>
           </a:p>
@@ -6112,7 +6113,7 @@
           <a:p>
             <a:fld id="{2DD8986D-86F8-41E6-8CFF-8C91AEF92622}" type="datetime1">
               <a:rPr lang="en-US" smtClean="0"/>
-              <a:t>2/28/2022</a:t>
+              <a:t>10/17/2022</a:t>
             </a:fld>
             <a:endParaRPr lang="en-US" dirty="0"/>
           </a:p>
@@ -6238,7 +6239,7 @@
           <a:p>
             <a:fld id="{BA885161-032E-4C6A-8EDA-39D168DF18E4}" type="datetime1">
               <a:rPr lang="en-US" smtClean="0"/>
-              <a:t>2/28/2022</a:t>
+              <a:t>10/17/2022</a:t>
             </a:fld>
             <a:endParaRPr lang="en-US" dirty="0"/>
           </a:p>
@@ -6336,7 +6337,7 @@
           <a:p>
             <a:fld id="{958E6740-E523-48D9-9C4E-6F218E87BAF3}" type="datetime1">
               <a:rPr lang="en-US" smtClean="0"/>
-              <a:t>2/28/2022</a:t>
+              <a:t>10/17/2022</a:t>
             </a:fld>
             <a:endParaRPr lang="en-US" dirty="0"/>
           </a:p>
@@ -6594,7 +6595,7 @@
           <a:p>
             <a:fld id="{6121D4CA-FF09-4CB8-8D51-2613D19A0F2E}" type="datetime1">
               <a:rPr lang="en-US" smtClean="0"/>
-              <a:t>2/28/2022</a:t>
+              <a:t>10/17/2022</a:t>
             </a:fld>
             <a:endParaRPr lang="en-US" dirty="0"/>
           </a:p>
@@ -6859,7 +6860,7 @@
           <a:p>
             <a:fld id="{8C4779EA-AEA7-43B3-9B65-A77E9A890421}" type="datetime1">
               <a:rPr lang="en-US" smtClean="0"/>
-              <a:t>2/28/2022</a:t>
+              <a:t>10/17/2022</a:t>
             </a:fld>
             <a:endParaRPr lang="en-US" dirty="0"/>
           </a:p>
@@ -7605,7 +7606,7 @@
           <a:p>
             <a:fld id="{059A67F1-3EA0-4026-BE6A-31EE4E1B1DB5}" type="datetime1">
               <a:rPr lang="en-US" smtClean="0"/>
-              <a:t>2/28/2022</a:t>
+              <a:t>10/17/2022</a:t>
             </a:fld>
             <a:endParaRPr lang="en-US" dirty="0"/>
           </a:p>
@@ -8329,7 +8330,7 @@
                 <a:tabLst/>
                 <a:defRPr/>
               </a:pPr>
-              <a:t>2/28/2022</a:t>
+              <a:t>10/17/2022</a:t>
             </a:fld>
             <a:endParaRPr kumimoji="0" lang="en-US" sz="900" b="0" i="0" u="none" strike="noStrike" kern="1200" cap="none" spc="0" normalizeH="0" baseline="0" noProof="0" dirty="0">
               <a:ln>
@@ -8534,7 +8535,7 @@
           <p:cNvPr id="2" name="Title 1">
             <a:extLst>
               <a:ext uri="{FF2B5EF4-FFF2-40B4-BE49-F238E27FC236}">
-                <a16:creationId xmlns:a16="http://schemas.microsoft.com/office/drawing/2014/main" id="{00C99C45-A655-40FD-BF53-F03EF1F5E416}"/>
+                <a16:creationId xmlns:a16="http://schemas.microsoft.com/office/drawing/2014/main" id="{8B516F68-5C4A-7F5C-A190-25A4D68DBA43}"/>
               </a:ext>
             </a:extLst>
           </p:cNvPr>
@@ -8552,7 +8553,7 @@
           <a:p>
             <a:r>
               <a:rPr lang="en-US" dirty="0"/>
-              <a:t>Files - Data that stays around</a:t>
+              <a:t>Time to Ask Questions</a:t>
             </a:r>
           </a:p>
         </p:txBody>
@@ -8562,7 +8563,7 @@
           <p:cNvPr id="3" name="Content Placeholder 2">
             <a:extLst>
               <a:ext uri="{FF2B5EF4-FFF2-40B4-BE49-F238E27FC236}">
-                <a16:creationId xmlns:a16="http://schemas.microsoft.com/office/drawing/2014/main" id="{AAE989A4-422F-4666-8E03-249076443C19}"/>
+                <a16:creationId xmlns:a16="http://schemas.microsoft.com/office/drawing/2014/main" id="{E9611FE2-B71C-7816-2A60-DDCBAA8A515B}"/>
               </a:ext>
             </a:extLst>
           </p:cNvPr>
@@ -8576,51 +8577,17 @@
         <p:spPr/>
         <p:txBody>
           <a:bodyPr>
-            <a:normAutofit lnSpcReduction="10000"/>
+            <a:normAutofit/>
           </a:bodyPr>
           <a:lstStyle/>
           <a:p>
-            <a:r>
-              <a:rPr lang="en-US" sz="3600" dirty="0"/>
-              <a:t>Stream of bytes/characters "on disk"</a:t>
-            </a:r>
-          </a:p>
-          <a:p>
-            <a:pPr lvl="1"/>
-            <a:r>
-              <a:rPr lang="en-US" sz="3400" dirty="0"/>
-              <a:t>Formatted or "just characters"</a:t>
-            </a:r>
-          </a:p>
-          <a:p>
-            <a:r>
-              <a:rPr lang="en-US" sz="3600" dirty="0"/>
-              <a:t>Has a File Name</a:t>
-            </a:r>
-          </a:p>
-          <a:p>
-            <a:pPr lvl="1"/>
-            <a:r>
-              <a:rPr lang="en-US" sz="3400" dirty="0"/>
-              <a:t>Open File – Create, if new</a:t>
-            </a:r>
-          </a:p>
-          <a:p>
-            <a:pPr lvl="1"/>
-            <a:r>
-              <a:rPr lang="en-US" sz="3400" dirty="0"/>
-              <a:t>Read / Write sequentially</a:t>
-            </a:r>
-          </a:p>
-          <a:p>
-            <a:pPr lvl="1"/>
-            <a:r>
-              <a:rPr lang="en-US" sz="3400" dirty="0"/>
-              <a:t>Close File</a:t>
-            </a:r>
-          </a:p>
-          <a:p>
-            <a:endParaRPr lang="en-US" sz="3600" dirty="0"/>
+            <a:pPr marL="0" indent="0">
+              <a:buNone/>
+            </a:pPr>
+            <a:r>
+              <a:rPr lang="en-US" sz="4800" dirty="0"/>
+              <a:t>Please Ask any question about Programming or Python you are unsure, confused or interested in.</a:t>
+            </a:r>
           </a:p>
         </p:txBody>
       </p:sp>
@@ -8629,7 +8596,7 @@
           <p:cNvPr id="4" name="Date Placeholder 3">
             <a:extLst>
               <a:ext uri="{FF2B5EF4-FFF2-40B4-BE49-F238E27FC236}">
-                <a16:creationId xmlns:a16="http://schemas.microsoft.com/office/drawing/2014/main" id="{D4B58B9C-2101-47C6-B21D-A9C4C0222113}"/>
+                <a16:creationId xmlns:a16="http://schemas.microsoft.com/office/drawing/2014/main" id="{837D58BE-BBCC-98BA-FFDD-7D3F1B41A51E}"/>
               </a:ext>
             </a:extLst>
           </p:cNvPr>
@@ -8645,7 +8612,7 @@
           <a:bodyPr/>
           <a:lstStyle/>
           <a:p>
-            <a:pPr marL="0" marR="0" lvl="0" indent="0" algn="r" defTabSz="457200" rtl="0" eaLnBrk="1" fontAlgn="auto" latinLnBrk="0" hangingPunct="1">
+            <a:pPr marL="0" marR="0" lvl="0" indent="0" algn="r" defTabSz="914400" rtl="0" eaLnBrk="1" fontAlgn="auto" latinLnBrk="0" hangingPunct="1">
               <a:lnSpc>
                 <a:spcPct val="100000"/>
               </a:lnSpc>
@@ -8679,7 +8646,7 @@
                 <a:ea typeface="+mn-ea"/>
                 <a:cs typeface="+mn-cs"/>
               </a:rPr>
-              <a:pPr marL="0" marR="0" lvl="0" indent="0" algn="r" defTabSz="457200" rtl="0" eaLnBrk="1" fontAlgn="auto" latinLnBrk="0" hangingPunct="1">
+              <a:pPr marL="0" marR="0" lvl="0" indent="0" algn="r" defTabSz="914400" rtl="0" eaLnBrk="1" fontAlgn="auto" latinLnBrk="0" hangingPunct="1">
                 <a:lnSpc>
                   <a:spcPct val="100000"/>
                 </a:lnSpc>
@@ -8696,7 +8663,7 @@
                 <a:tabLst/>
                 <a:defRPr/>
               </a:pPr>
-              <a:t>2/28/2022</a:t>
+              <a:t>10/17/2022</a:t>
             </a:fld>
             <a:endParaRPr kumimoji="0" lang="en-US" sz="900" b="0" i="0" u="none" strike="noStrike" kern="1200" cap="none" spc="0" normalizeH="0" baseline="0" noProof="0" dirty="0">
               <a:ln>
@@ -8722,7 +8689,7 @@
           <p:cNvPr id="5" name="Footer Placeholder 4">
             <a:extLst>
               <a:ext uri="{FF2B5EF4-FFF2-40B4-BE49-F238E27FC236}">
-                <a16:creationId xmlns:a16="http://schemas.microsoft.com/office/drawing/2014/main" id="{EB3CE92E-DA4C-49CE-8437-22304F783D2B}"/>
+                <a16:creationId xmlns:a16="http://schemas.microsoft.com/office/drawing/2014/main" id="{AFB39EF5-3D0E-1A5E-12B1-FA13FC62244D}"/>
               </a:ext>
             </a:extLst>
           </p:cNvPr>
@@ -8738,7 +8705,7 @@
           <a:bodyPr/>
           <a:lstStyle/>
           <a:p>
-            <a:pPr marL="0" marR="0" lvl="0" indent="0" algn="l" defTabSz="457200" rtl="0" eaLnBrk="1" fontAlgn="auto" latinLnBrk="0" hangingPunct="1">
+            <a:pPr marL="0" marR="0" lvl="0" indent="0" algn="l" defTabSz="914400" rtl="0" eaLnBrk="1" fontAlgn="auto" latinLnBrk="0" hangingPunct="1">
               <a:lnSpc>
                 <a:spcPct val="100000"/>
               </a:lnSpc>
@@ -8782,7 +8749,7 @@
           <p:cNvPr id="6" name="Slide Number Placeholder 5">
             <a:extLst>
               <a:ext uri="{FF2B5EF4-FFF2-40B4-BE49-F238E27FC236}">
-                <a16:creationId xmlns:a16="http://schemas.microsoft.com/office/drawing/2014/main" id="{B555E688-FCD7-4E06-BD33-DA64AB1C3FA4}"/>
+                <a16:creationId xmlns:a16="http://schemas.microsoft.com/office/drawing/2014/main" id="{77DBAEB7-85CF-407D-D73A-B5F48F669B37}"/>
               </a:ext>
             </a:extLst>
           </p:cNvPr>
@@ -8798,7 +8765,7 @@
           <a:bodyPr/>
           <a:lstStyle/>
           <a:p>
-            <a:pPr marL="0" marR="0" lvl="0" indent="0" algn="r" defTabSz="457200" rtl="0" eaLnBrk="1" fontAlgn="auto" latinLnBrk="0" hangingPunct="1">
+            <a:pPr marL="0" marR="0" lvl="0" indent="0" algn="r" defTabSz="914400" rtl="0" eaLnBrk="1" fontAlgn="auto" latinLnBrk="0" hangingPunct="1">
               <a:lnSpc>
                 <a:spcPct val="100000"/>
               </a:lnSpc>
@@ -8830,7 +8797,7 @@
                 <a:ea typeface="+mn-ea"/>
                 <a:cs typeface="+mn-cs"/>
               </a:rPr>
-              <a:pPr marL="0" marR="0" lvl="0" indent="0" algn="r" defTabSz="457200" rtl="0" eaLnBrk="1" fontAlgn="auto" latinLnBrk="0" hangingPunct="1">
+              <a:pPr marL="0" marR="0" lvl="0" indent="0" algn="r" defTabSz="914400" rtl="0" eaLnBrk="1" fontAlgn="auto" latinLnBrk="0" hangingPunct="1">
                 <a:lnSpc>
                   <a:spcPct val="100000"/>
                 </a:lnSpc>
@@ -8869,7 +8836,7 @@
     </p:spTree>
     <p:extLst>
       <p:ext uri="{BB962C8B-B14F-4D97-AF65-F5344CB8AC3E}">
-        <p14:creationId xmlns:p14="http://schemas.microsoft.com/office/powerpoint/2010/main" val="3118971386"/>
+        <p14:creationId xmlns:p14="http://schemas.microsoft.com/office/powerpoint/2010/main" val="3472572457"/>
       </p:ext>
     </p:extLst>
   </p:cSld>
@@ -8880,7 +8847,7 @@
 </file>
 
 <file path=ppt/slides/slide3.xml><?xml version="1.0" encoding="utf-8"?>
-<p:sld xmlns:a="http://schemas.openxmlformats.org/drawingml/2006/main" xmlns:r="http://schemas.openxmlformats.org/officeDocument/2006/relationships" xmlns:p="http://schemas.openxmlformats.org/presentationml/2006/main" showMasterSp="0">
+<p:sld xmlns:a="http://schemas.openxmlformats.org/drawingml/2006/main" xmlns:r="http://schemas.openxmlformats.org/officeDocument/2006/relationships" xmlns:p="http://schemas.openxmlformats.org/presentationml/2006/main">
   <p:cSld>
     <p:spTree>
       <p:nvGrpSpPr>
@@ -8919,7 +8886,7 @@
           <a:p>
             <a:r>
               <a:rPr lang="en-US" dirty="0"/>
-              <a:t>Files - Reading</a:t>
+              <a:t>Files - Data that stays around</a:t>
             </a:r>
           </a:p>
         </p:txBody>
@@ -8940,233 +8907,50 @@
             <p:ph idx="1"/>
           </p:nvPr>
         </p:nvSpPr>
-        <p:spPr>
-          <a:xfrm>
-            <a:off x="677334" y="1510393"/>
-            <a:ext cx="9381066" cy="4530969"/>
-          </a:xfrm>
-        </p:spPr>
+        <p:spPr/>
         <p:txBody>
           <a:bodyPr>
-            <a:normAutofit fontScale="92500"/>
+            <a:normAutofit lnSpcReduction="10000"/>
           </a:bodyPr>
           <a:lstStyle/>
           <a:p>
-            <a:pPr marL="400050" lvl="1" indent="0">
-              <a:buNone/>
-            </a:pPr>
-            <a:r>
-              <a:rPr lang="en-US" sz="3400" dirty="0">
-                <a:solidFill>
-                  <a:srgbClr val="0070C0"/>
-                </a:solidFill>
-                <a:latin typeface="Tahoma" panose="020B0604030504040204" pitchFamily="34" charset="0"/>
-                <a:ea typeface="Tahoma" panose="020B0604030504040204" pitchFamily="34" charset="0"/>
-                <a:cs typeface="Tahoma" panose="020B0604030504040204" pitchFamily="34" charset="0"/>
-              </a:rPr>
-              <a:t>exercises/files/read_file.py</a:t>
-            </a:r>
-          </a:p>
-          <a:p>
-            <a:pPr marL="400050" lvl="1" indent="0">
-              <a:buNone/>
-            </a:pPr>
-            <a:r>
-              <a:rPr lang="en-US" sz="3400" dirty="0">
-                <a:latin typeface="Courier New" panose="02070309020205020404" pitchFamily="49" charset="0"/>
-                <a:cs typeface="Courier New" panose="02070309020205020404" pitchFamily="49" charset="0"/>
-              </a:rPr>
-              <a:t>file_name = </a:t>
-            </a:r>
-            <a:r>
-              <a:rPr lang="en-US" sz="3400" dirty="0">
-                <a:solidFill>
-                  <a:schemeClr val="accent2">
-                    <a:lumMod val="60000"/>
-                    <a:lumOff val="40000"/>
-                  </a:schemeClr>
-                </a:solidFill>
-                <a:latin typeface="Courier New" panose="02070309020205020404" pitchFamily="49" charset="0"/>
-                <a:cs typeface="Courier New" panose="02070309020205020404" pitchFamily="49" charset="0"/>
-              </a:rPr>
-              <a:t>"my_data.txt"</a:t>
-            </a:r>
-          </a:p>
-          <a:p>
-            <a:pPr marL="400050" lvl="1" indent="0">
-              <a:buNone/>
-            </a:pPr>
-            <a:r>
-              <a:rPr lang="en-US" sz="3400" dirty="0">
-                <a:solidFill>
-                  <a:schemeClr val="accent4"/>
-                </a:solidFill>
-                <a:latin typeface="Courier New" panose="02070309020205020404" pitchFamily="49" charset="0"/>
-                <a:cs typeface="Courier New" panose="02070309020205020404" pitchFamily="49" charset="0"/>
-              </a:rPr>
-              <a:t>with</a:t>
-            </a:r>
-            <a:r>
-              <a:rPr lang="en-US" sz="3400" dirty="0">
-                <a:latin typeface="Courier New" panose="02070309020205020404" pitchFamily="49" charset="0"/>
-                <a:cs typeface="Courier New" panose="02070309020205020404" pitchFamily="49" charset="0"/>
-              </a:rPr>
-              <a:t> </a:t>
-            </a:r>
-            <a:r>
-              <a:rPr lang="en-US" sz="3400" dirty="0">
-                <a:solidFill>
-                  <a:srgbClr val="00B0F0"/>
-                </a:solidFill>
-                <a:latin typeface="Courier New" panose="02070309020205020404" pitchFamily="49" charset="0"/>
-                <a:cs typeface="Courier New" panose="02070309020205020404" pitchFamily="49" charset="0"/>
-              </a:rPr>
-              <a:t>open</a:t>
-            </a:r>
-            <a:r>
-              <a:rPr lang="en-US" sz="3400" dirty="0">
-                <a:latin typeface="Courier New" panose="02070309020205020404" pitchFamily="49" charset="0"/>
-                <a:cs typeface="Courier New" panose="02070309020205020404" pitchFamily="49" charset="0"/>
-              </a:rPr>
-              <a:t>(file_name) </a:t>
-            </a:r>
-            <a:r>
-              <a:rPr lang="en-US" sz="3400" dirty="0">
-                <a:solidFill>
-                  <a:srgbClr val="FF0000"/>
-                </a:solidFill>
-                <a:latin typeface="Courier New" panose="02070309020205020404" pitchFamily="49" charset="0"/>
-                <a:cs typeface="Courier New" panose="02070309020205020404" pitchFamily="49" charset="0"/>
-              </a:rPr>
-              <a:t>as</a:t>
-            </a:r>
-            <a:r>
-              <a:rPr lang="en-US" sz="3400" dirty="0">
-                <a:latin typeface="Courier New" panose="02070309020205020404" pitchFamily="49" charset="0"/>
-                <a:cs typeface="Courier New" panose="02070309020205020404" pitchFamily="49" charset="0"/>
-              </a:rPr>
-              <a:t> finp:</a:t>
-            </a:r>
-          </a:p>
-          <a:p>
-            <a:pPr marL="400050" lvl="1" indent="0">
-              <a:buNone/>
-            </a:pPr>
-            <a:r>
-              <a:rPr lang="en-US" sz="3400" dirty="0">
-                <a:latin typeface="Courier New" panose="02070309020205020404" pitchFamily="49" charset="0"/>
-                <a:cs typeface="Courier New" panose="02070309020205020404" pitchFamily="49" charset="0"/>
-              </a:rPr>
-              <a:t>    line_no = 0     </a:t>
-            </a:r>
-            <a:r>
-              <a:rPr lang="en-US" sz="3400" dirty="0">
-                <a:solidFill>
-                  <a:schemeClr val="accent5"/>
-                </a:solidFill>
-                <a:latin typeface="Courier New" panose="02070309020205020404" pitchFamily="49" charset="0"/>
-                <a:cs typeface="Courier New" panose="02070309020205020404" pitchFamily="49" charset="0"/>
-              </a:rPr>
-              <a:t># Keep track</a:t>
-            </a:r>
-          </a:p>
-          <a:p>
-            <a:pPr marL="400050" lvl="1" indent="0">
-              <a:buNone/>
-            </a:pPr>
-            <a:r>
-              <a:rPr lang="en-US" sz="3400" dirty="0">
-                <a:latin typeface="Courier New" panose="02070309020205020404" pitchFamily="49" charset="0"/>
-                <a:cs typeface="Courier New" panose="02070309020205020404" pitchFamily="49" charset="0"/>
-              </a:rPr>
-              <a:t>    </a:t>
-            </a:r>
-            <a:r>
-              <a:rPr lang="en-US" sz="3400" dirty="0">
-                <a:solidFill>
-                  <a:schemeClr val="accent4"/>
-                </a:solidFill>
-                <a:latin typeface="Courier New" panose="02070309020205020404" pitchFamily="49" charset="0"/>
-                <a:cs typeface="Courier New" panose="02070309020205020404" pitchFamily="49" charset="0"/>
-              </a:rPr>
-              <a:t>for</a:t>
-            </a:r>
-            <a:r>
-              <a:rPr lang="en-US" sz="3400" dirty="0">
-                <a:latin typeface="Courier New" panose="02070309020205020404" pitchFamily="49" charset="0"/>
-                <a:cs typeface="Courier New" panose="02070309020205020404" pitchFamily="49" charset="0"/>
-              </a:rPr>
-              <a:t> line </a:t>
-            </a:r>
-            <a:r>
-              <a:rPr lang="en-US" sz="3400" dirty="0">
-                <a:solidFill>
-                  <a:schemeClr val="accent4"/>
-                </a:solidFill>
-                <a:latin typeface="Courier New" panose="02070309020205020404" pitchFamily="49" charset="0"/>
-                <a:cs typeface="Courier New" panose="02070309020205020404" pitchFamily="49" charset="0"/>
-              </a:rPr>
-              <a:t>in</a:t>
-            </a:r>
-            <a:r>
-              <a:rPr lang="en-US" sz="3400" dirty="0">
-                <a:latin typeface="Courier New" panose="02070309020205020404" pitchFamily="49" charset="0"/>
-                <a:cs typeface="Courier New" panose="02070309020205020404" pitchFamily="49" charset="0"/>
-              </a:rPr>
-              <a:t> finp:</a:t>
-            </a:r>
-          </a:p>
-          <a:p>
-            <a:pPr marL="400050" lvl="1" indent="0">
-              <a:buNone/>
-            </a:pPr>
-            <a:r>
-              <a:rPr lang="en-US" sz="3400" dirty="0">
-                <a:latin typeface="Courier New" panose="02070309020205020404" pitchFamily="49" charset="0"/>
-                <a:cs typeface="Courier New" panose="02070309020205020404" pitchFamily="49" charset="0"/>
-              </a:rPr>
-              <a:t>        line_no += 1  </a:t>
-            </a:r>
-            <a:r>
-              <a:rPr lang="en-US" sz="3400" dirty="0">
-                <a:solidFill>
-                  <a:schemeClr val="accent5"/>
-                </a:solidFill>
-                <a:latin typeface="Courier New" panose="02070309020205020404" pitchFamily="49" charset="0"/>
-                <a:cs typeface="Courier New" panose="02070309020205020404" pitchFamily="49" charset="0"/>
-              </a:rPr>
-              <a:t>#Bump count</a:t>
-            </a:r>
-          </a:p>
-          <a:p>
-            <a:pPr marL="400050" lvl="1" indent="0">
-              <a:buNone/>
-            </a:pPr>
-            <a:r>
-              <a:rPr lang="en-US" sz="3400" dirty="0">
-                <a:latin typeface="Courier New" panose="02070309020205020404" pitchFamily="49" charset="0"/>
-                <a:cs typeface="Courier New" panose="02070309020205020404" pitchFamily="49" charset="0"/>
-              </a:rPr>
-              <a:t>        </a:t>
-            </a:r>
-            <a:r>
-              <a:rPr lang="en-US" sz="3400" dirty="0">
-                <a:solidFill>
-                  <a:schemeClr val="accent5">
-                    <a:lumMod val="75000"/>
-                  </a:schemeClr>
-                </a:solidFill>
-                <a:latin typeface="Courier New" panose="02070309020205020404" pitchFamily="49" charset="0"/>
-                <a:cs typeface="Courier New" panose="02070309020205020404" pitchFamily="49" charset="0"/>
-              </a:rPr>
-              <a:t>print</a:t>
-            </a:r>
-            <a:r>
-              <a:rPr lang="en-US" sz="3400" dirty="0">
-                <a:latin typeface="Courier New" panose="02070309020205020404" pitchFamily="49" charset="0"/>
-                <a:cs typeface="Courier New" panose="02070309020205020404" pitchFamily="49" charset="0"/>
-              </a:rPr>
-              <a:t>(line_no, line, end="")</a:t>
+            <a:r>
+              <a:rPr lang="en-US" sz="3600" dirty="0"/>
+              <a:t>Stream of bytes/characters "on disk"</a:t>
+            </a:r>
+          </a:p>
+          <a:p>
+            <a:pPr lvl="1"/>
+            <a:r>
+              <a:rPr lang="en-US" sz="3400" dirty="0"/>
+              <a:t>Formatted or "just characters"</a:t>
+            </a:r>
+          </a:p>
+          <a:p>
+            <a:r>
+              <a:rPr lang="en-US" sz="3600" dirty="0"/>
+              <a:t>Has a File Name</a:t>
+            </a:r>
+          </a:p>
+          <a:p>
+            <a:pPr lvl="1"/>
+            <a:r>
+              <a:rPr lang="en-US" sz="3400" dirty="0"/>
+              <a:t>Open File – Create, if new</a:t>
+            </a:r>
+          </a:p>
+          <a:p>
+            <a:pPr lvl="1"/>
+            <a:r>
+              <a:rPr lang="en-US" sz="3400" dirty="0"/>
+              <a:t>Read / Write sequentially</a:t>
+            </a:r>
+          </a:p>
+          <a:p>
+            <a:pPr lvl="1"/>
+            <a:r>
+              <a:rPr lang="en-US" sz="3400" dirty="0"/>
+              <a:t>Close File</a:t>
             </a:r>
           </a:p>
           <a:p>
@@ -9246,7 +9030,7 @@
                 <a:tabLst/>
                 <a:defRPr/>
               </a:pPr>
-              <a:t>2/28/2022</a:t>
+              <a:t>10/17/2022</a:t>
             </a:fld>
             <a:endParaRPr kumimoji="0" lang="en-US" sz="900" b="0" i="0" u="none" strike="noStrike" kern="1200" cap="none" spc="0" normalizeH="0" baseline="0" noProof="0" dirty="0">
               <a:ln>
@@ -9419,7 +9203,7 @@
     </p:spTree>
     <p:extLst>
       <p:ext uri="{BB962C8B-B14F-4D97-AF65-F5344CB8AC3E}">
-        <p14:creationId xmlns:p14="http://schemas.microsoft.com/office/powerpoint/2010/main" val="654441149"/>
+        <p14:creationId xmlns:p14="http://schemas.microsoft.com/office/powerpoint/2010/main" val="3118971386"/>
       </p:ext>
     </p:extLst>
   </p:cSld>
@@ -9469,7 +9253,7 @@
           <a:p>
             <a:r>
               <a:rPr lang="en-US" dirty="0"/>
-              <a:t>Files – Creating</a:t>
+              <a:t>Files - Reading</a:t>
             </a:r>
           </a:p>
         </p:txBody>
@@ -9492,203 +9276,235 @@
         </p:nvSpPr>
         <p:spPr>
           <a:xfrm>
-            <a:off x="677333" y="1487837"/>
-            <a:ext cx="9815965" cy="4553525"/>
+            <a:off x="677334" y="1510393"/>
+            <a:ext cx="9381066" cy="4530969"/>
           </a:xfrm>
         </p:spPr>
         <p:txBody>
           <a:bodyPr>
-            <a:normAutofit lnSpcReduction="10000"/>
+            <a:normAutofit fontScale="92500"/>
           </a:bodyPr>
           <a:lstStyle/>
           <a:p>
-            <a:r>
-              <a:rPr lang="en-US" sz="3600" dirty="0"/>
-              <a:t>Be careful with names - don't clobber work</a:t>
-            </a:r>
-          </a:p>
-          <a:p>
-            <a:pPr marL="0" indent="0">
+            <a:pPr marL="400050" lvl="1" indent="0">
               <a:buNone/>
             </a:pPr>
             <a:r>
-              <a:rPr lang="en-US" sz="3200" b="1" dirty="0">
+              <a:rPr lang="en-US" sz="3400" dirty="0">
                 <a:solidFill>
                   <a:srgbClr val="0070C0"/>
                 </a:solidFill>
+                <a:latin typeface="Tahoma" panose="020B0604030504040204" pitchFamily="34" charset="0"/>
+                <a:ea typeface="Tahoma" panose="020B0604030504040204" pitchFamily="34" charset="0"/>
+                <a:cs typeface="Tahoma" panose="020B0604030504040204" pitchFamily="34" charset="0"/>
+              </a:rPr>
+              <a:t>exercises/files/read_file.py</a:t>
+            </a:r>
+          </a:p>
+          <a:p>
+            <a:pPr marL="400050" lvl="1" indent="0">
+              <a:buNone/>
+            </a:pPr>
+            <a:r>
+              <a:rPr lang="en-US" sz="3400" dirty="0">
                 <a:latin typeface="Courier New" panose="02070309020205020404" pitchFamily="49" charset="0"/>
                 <a:cs typeface="Courier New" panose="02070309020205020404" pitchFamily="49" charset="0"/>
               </a:rPr>
-              <a:t>exercises/files/create_file.py</a:t>
-            </a:r>
-          </a:p>
-          <a:p>
-            <a:pPr marL="0" indent="0">
-              <a:buNone/>
-            </a:pPr>
-            <a:endParaRPr lang="en-US" sz="3200" b="1" dirty="0">
-              <a:solidFill>
-                <a:srgbClr val="0070C0"/>
-              </a:solidFill>
-              <a:latin typeface="Courier New" panose="02070309020205020404" pitchFamily="49" charset="0"/>
-              <a:cs typeface="Courier New" panose="02070309020205020404" pitchFamily="49" charset="0"/>
-            </a:endParaRPr>
-          </a:p>
-          <a:p>
-            <a:pPr marL="0" indent="0">
-              <a:buNone/>
-            </a:pPr>
-            <a:r>
-              <a:rPr lang="en-US" sz="3200" dirty="0">
+              <a:t>file_name = </a:t>
+            </a:r>
+            <a:r>
+              <a:rPr lang="en-US" sz="3400" dirty="0">
+                <a:solidFill>
+                  <a:schemeClr val="accent2">
+                    <a:lumMod val="60000"/>
+                    <a:lumOff val="40000"/>
+                  </a:schemeClr>
+                </a:solidFill>
                 <a:latin typeface="Courier New" panose="02070309020205020404" pitchFamily="49" charset="0"/>
                 <a:cs typeface="Courier New" panose="02070309020205020404" pitchFamily="49" charset="0"/>
               </a:rPr>
-              <a:t>with open(</a:t>
-            </a:r>
-            <a:r>
-              <a:rPr lang="en-US" sz="3200" dirty="0">
-                <a:solidFill>
-                  <a:schemeClr val="accent2"/>
+              <a:t>"my_data.txt"</a:t>
+            </a:r>
+          </a:p>
+          <a:p>
+            <a:pPr marL="400050" lvl="1" indent="0">
+              <a:buNone/>
+            </a:pPr>
+            <a:r>
+              <a:rPr lang="en-US" sz="3400" dirty="0">
+                <a:solidFill>
+                  <a:schemeClr val="accent4"/>
                 </a:solidFill>
                 <a:latin typeface="Courier New" panose="02070309020205020404" pitchFamily="49" charset="0"/>
                 <a:cs typeface="Courier New" panose="02070309020205020404" pitchFamily="49" charset="0"/>
               </a:rPr>
-              <a:t>"new_data.txt", "w"</a:t>
-            </a:r>
-            <a:r>
-              <a:rPr lang="en-US" sz="3200" dirty="0">
-                <a:latin typeface="Courier New" panose="02070309020205020404" pitchFamily="49" charset="0"/>
-                <a:cs typeface="Courier New" panose="02070309020205020404" pitchFamily="49" charset="0"/>
-              </a:rPr>
-              <a:t>) as fout:</a:t>
-            </a:r>
-          </a:p>
-          <a:p>
-            <a:pPr marL="0" indent="0">
-              <a:buNone/>
-            </a:pPr>
-            <a:r>
-              <a:rPr lang="en-US" sz="3200" dirty="0">
-                <a:latin typeface="Courier New" panose="02070309020205020404" pitchFamily="49" charset="0"/>
-                <a:cs typeface="Courier New" panose="02070309020205020404" pitchFamily="49" charset="0"/>
-              </a:rPr>
-              <a:t>    for n in range(1,5+1):</a:t>
-            </a:r>
-          </a:p>
-          <a:p>
-            <a:pPr marL="0" indent="0">
-              <a:buNone/>
-            </a:pPr>
-            <a:r>
-              <a:rPr lang="en-US" sz="3200" dirty="0">
-                <a:latin typeface="Courier New" panose="02070309020205020404" pitchFamily="49" charset="0"/>
-                <a:cs typeface="Courier New" panose="02070309020205020404" pitchFamily="49" charset="0"/>
-              </a:rPr>
-              <a:t>       print(</a:t>
-            </a:r>
-            <a:r>
-              <a:rPr lang="en-US" sz="3200" dirty="0" err="1">
-                <a:latin typeface="Courier New" panose="02070309020205020404" pitchFamily="49" charset="0"/>
-                <a:cs typeface="Courier New" panose="02070309020205020404" pitchFamily="49" charset="0"/>
-              </a:rPr>
-              <a:t>f</a:t>
-            </a:r>
-            <a:r>
-              <a:rPr lang="en-US" sz="3200" dirty="0" err="1">
-                <a:solidFill>
-                  <a:schemeClr val="accent2"/>
-                </a:solidFill>
-                <a:latin typeface="Courier New" panose="02070309020205020404" pitchFamily="49" charset="0"/>
-                <a:cs typeface="Courier New" panose="02070309020205020404" pitchFamily="49" charset="0"/>
-              </a:rPr>
-              <a:t>"line</a:t>
-            </a:r>
-            <a:r>
-              <a:rPr lang="en-US" sz="3200" dirty="0">
-                <a:solidFill>
-                  <a:schemeClr val="accent2"/>
-                </a:solidFill>
-                <a:latin typeface="Courier New" panose="02070309020205020404" pitchFamily="49" charset="0"/>
-                <a:cs typeface="Courier New" panose="02070309020205020404" pitchFamily="49" charset="0"/>
-              </a:rPr>
-              <a:t> {n}")         </a:t>
-            </a:r>
-            <a:r>
-              <a:rPr lang="en-US" sz="3200" dirty="0">
-                <a:latin typeface="Courier New" panose="02070309020205020404" pitchFamily="49" charset="0"/>
-                <a:cs typeface="Courier New" panose="02070309020205020404" pitchFamily="49" charset="0"/>
-              </a:rPr>
-              <a:t>					   print(</a:t>
-            </a:r>
-            <a:r>
-              <a:rPr lang="en-US" sz="3200" dirty="0" err="1">
-                <a:latin typeface="Courier New" panose="02070309020205020404" pitchFamily="49" charset="0"/>
-                <a:cs typeface="Courier New" panose="02070309020205020404" pitchFamily="49" charset="0"/>
-              </a:rPr>
-              <a:t>f</a:t>
-            </a:r>
-            <a:r>
-              <a:rPr lang="en-US" sz="3200" dirty="0" err="1">
-                <a:solidFill>
-                  <a:schemeClr val="accent2"/>
-                </a:solidFill>
-                <a:latin typeface="Courier New" panose="02070309020205020404" pitchFamily="49" charset="0"/>
-                <a:cs typeface="Courier New" panose="02070309020205020404" pitchFamily="49" charset="0"/>
-              </a:rPr>
-              <a:t>"line</a:t>
-            </a:r>
-            <a:r>
-              <a:rPr lang="en-US" sz="3200" dirty="0">
-                <a:solidFill>
-                  <a:schemeClr val="accent2"/>
-                </a:solidFill>
-                <a:latin typeface="Courier New" panose="02070309020205020404" pitchFamily="49" charset="0"/>
-                <a:cs typeface="Courier New" panose="02070309020205020404" pitchFamily="49" charset="0"/>
-              </a:rPr>
-              <a:t> {n}"</a:t>
-            </a:r>
-            <a:r>
-              <a:rPr lang="en-US" sz="3200" dirty="0">
-                <a:solidFill>
-                  <a:schemeClr val="tx1"/>
-                </a:solidFill>
-                <a:latin typeface="Courier New" panose="02070309020205020404" pitchFamily="49" charset="0"/>
-                <a:cs typeface="Courier New" panose="02070309020205020404" pitchFamily="49" charset="0"/>
-              </a:rPr>
-              <a:t>,</a:t>
-            </a:r>
-          </a:p>
-          <a:p>
-            <a:pPr marL="0" indent="0">
-              <a:buNone/>
-            </a:pPr>
-            <a:r>
-              <a:rPr lang="en-US" sz="3200" dirty="0">
-                <a:solidFill>
-                  <a:schemeClr val="tx1"/>
-                </a:solidFill>
-                <a:latin typeface="Courier New" panose="02070309020205020404" pitchFamily="49" charset="0"/>
-                <a:cs typeface="Courier New" panose="02070309020205020404" pitchFamily="49" charset="0"/>
-              </a:rPr>
-              <a:t>             </a:t>
-            </a:r>
-            <a:r>
-              <a:rPr lang="en-US" sz="3200" dirty="0">
-                <a:solidFill>
-                  <a:schemeClr val="accent2"/>
-                </a:solidFill>
+              <a:t>with</a:t>
+            </a:r>
+            <a:r>
+              <a:rPr lang="en-US" sz="3400" dirty="0">
                 <a:latin typeface="Courier New" panose="02070309020205020404" pitchFamily="49" charset="0"/>
                 <a:cs typeface="Courier New" panose="02070309020205020404" pitchFamily="49" charset="0"/>
               </a:rPr>
               <a:t> </a:t>
             </a:r>
             <a:r>
-              <a:rPr lang="en-US" sz="3200" dirty="0">
+              <a:rPr lang="en-US" sz="3400" dirty="0">
+                <a:solidFill>
+                  <a:srgbClr val="00B0F0"/>
+                </a:solidFill>
                 <a:latin typeface="Courier New" panose="02070309020205020404" pitchFamily="49" charset="0"/>
                 <a:cs typeface="Courier New" panose="02070309020205020404" pitchFamily="49" charset="0"/>
               </a:rPr>
-              <a:t>file=fout)</a:t>
-            </a:r>
+              <a:t>open</a:t>
+            </a:r>
+            <a:r>
+              <a:rPr lang="en-US" sz="3400" dirty="0">
+                <a:latin typeface="Courier New" panose="02070309020205020404" pitchFamily="49" charset="0"/>
+                <a:cs typeface="Courier New" panose="02070309020205020404" pitchFamily="49" charset="0"/>
+              </a:rPr>
+              <a:t>(file_name) </a:t>
+            </a:r>
+            <a:r>
+              <a:rPr lang="en-US" sz="3400" dirty="0">
+                <a:solidFill>
+                  <a:srgbClr val="FF0000"/>
+                </a:solidFill>
+                <a:latin typeface="Courier New" panose="02070309020205020404" pitchFamily="49" charset="0"/>
+                <a:cs typeface="Courier New" panose="02070309020205020404" pitchFamily="49" charset="0"/>
+              </a:rPr>
+              <a:t>as</a:t>
+            </a:r>
+            <a:r>
+              <a:rPr lang="en-US" sz="3400" dirty="0">
+                <a:latin typeface="Courier New" panose="02070309020205020404" pitchFamily="49" charset="0"/>
+                <a:cs typeface="Courier New" panose="02070309020205020404" pitchFamily="49" charset="0"/>
+              </a:rPr>
+              <a:t> finp:</a:t>
+            </a:r>
+          </a:p>
+          <a:p>
+            <a:pPr marL="400050" lvl="1" indent="0">
+              <a:buNone/>
+            </a:pPr>
+            <a:r>
+              <a:rPr lang="en-US" sz="3400" dirty="0">
+                <a:latin typeface="Courier New" panose="02070309020205020404" pitchFamily="49" charset="0"/>
+                <a:cs typeface="Courier New" panose="02070309020205020404" pitchFamily="49" charset="0"/>
+              </a:rPr>
+              <a:t>    line_no = 0     </a:t>
+            </a:r>
+            <a:r>
+              <a:rPr lang="en-US" sz="3400" dirty="0">
+                <a:solidFill>
+                  <a:schemeClr val="accent5"/>
+                </a:solidFill>
+                <a:latin typeface="Courier New" panose="02070309020205020404" pitchFamily="49" charset="0"/>
+                <a:cs typeface="Courier New" panose="02070309020205020404" pitchFamily="49" charset="0"/>
+              </a:rPr>
+              <a:t># Keep track</a:t>
+            </a:r>
+          </a:p>
+          <a:p>
+            <a:pPr marL="400050" lvl="1" indent="0">
+              <a:buNone/>
+            </a:pPr>
+            <a:r>
+              <a:rPr lang="en-US" sz="3400" dirty="0">
+                <a:latin typeface="Courier New" panose="02070309020205020404" pitchFamily="49" charset="0"/>
+                <a:cs typeface="Courier New" panose="02070309020205020404" pitchFamily="49" charset="0"/>
+              </a:rPr>
+              <a:t>    </a:t>
+            </a:r>
+            <a:r>
+              <a:rPr lang="en-US" sz="3400" dirty="0">
+                <a:solidFill>
+                  <a:schemeClr val="accent4"/>
+                </a:solidFill>
+                <a:latin typeface="Courier New" panose="02070309020205020404" pitchFamily="49" charset="0"/>
+                <a:cs typeface="Courier New" panose="02070309020205020404" pitchFamily="49" charset="0"/>
+              </a:rPr>
+              <a:t>for</a:t>
+            </a:r>
+            <a:r>
+              <a:rPr lang="en-US" sz="3400" dirty="0">
+                <a:latin typeface="Courier New" panose="02070309020205020404" pitchFamily="49" charset="0"/>
+                <a:cs typeface="Courier New" panose="02070309020205020404" pitchFamily="49" charset="0"/>
+              </a:rPr>
+              <a:t> line </a:t>
+            </a:r>
+            <a:r>
+              <a:rPr lang="en-US" sz="3400" dirty="0">
+                <a:solidFill>
+                  <a:schemeClr val="accent4"/>
+                </a:solidFill>
+                <a:latin typeface="Courier New" panose="02070309020205020404" pitchFamily="49" charset="0"/>
+                <a:cs typeface="Courier New" panose="02070309020205020404" pitchFamily="49" charset="0"/>
+              </a:rPr>
+              <a:t>in</a:t>
+            </a:r>
+            <a:r>
+              <a:rPr lang="en-US" sz="3400" dirty="0">
+                <a:latin typeface="Courier New" panose="02070309020205020404" pitchFamily="49" charset="0"/>
+                <a:cs typeface="Courier New" panose="02070309020205020404" pitchFamily="49" charset="0"/>
+              </a:rPr>
+              <a:t> finp:</a:t>
+            </a:r>
+          </a:p>
+          <a:p>
+            <a:pPr marL="400050" lvl="1" indent="0">
+              <a:buNone/>
+            </a:pPr>
+            <a:r>
+              <a:rPr lang="en-US" sz="3400" dirty="0">
+                <a:latin typeface="Courier New" panose="02070309020205020404" pitchFamily="49" charset="0"/>
+                <a:cs typeface="Courier New" panose="02070309020205020404" pitchFamily="49" charset="0"/>
+              </a:rPr>
+              <a:t>        line_no += 1  </a:t>
+            </a:r>
+            <a:r>
+              <a:rPr lang="en-US" sz="3400" dirty="0">
+                <a:solidFill>
+                  <a:schemeClr val="accent5"/>
+                </a:solidFill>
+                <a:latin typeface="Courier New" panose="02070309020205020404" pitchFamily="49" charset="0"/>
+                <a:cs typeface="Courier New" panose="02070309020205020404" pitchFamily="49" charset="0"/>
+              </a:rPr>
+              <a:t>#Bump count</a:t>
+            </a:r>
+          </a:p>
+          <a:p>
+            <a:pPr marL="400050" lvl="1" indent="0">
+              <a:buNone/>
+            </a:pPr>
+            <a:r>
+              <a:rPr lang="en-US" sz="3400" dirty="0">
+                <a:latin typeface="Courier New" panose="02070309020205020404" pitchFamily="49" charset="0"/>
+                <a:cs typeface="Courier New" panose="02070309020205020404" pitchFamily="49" charset="0"/>
+              </a:rPr>
+              <a:t>        </a:t>
+            </a:r>
+            <a:r>
+              <a:rPr lang="en-US" sz="3400" dirty="0">
+                <a:solidFill>
+                  <a:schemeClr val="accent5">
+                    <a:lumMod val="75000"/>
+                  </a:schemeClr>
+                </a:solidFill>
+                <a:latin typeface="Courier New" panose="02070309020205020404" pitchFamily="49" charset="0"/>
+                <a:cs typeface="Courier New" panose="02070309020205020404" pitchFamily="49" charset="0"/>
+              </a:rPr>
+              <a:t>print</a:t>
+            </a:r>
+            <a:r>
+              <a:rPr lang="en-US" sz="3400" dirty="0">
+                <a:latin typeface="Courier New" panose="02070309020205020404" pitchFamily="49" charset="0"/>
+                <a:cs typeface="Courier New" panose="02070309020205020404" pitchFamily="49" charset="0"/>
+              </a:rPr>
+              <a:t>(line_no, line, end="")</a:t>
+            </a:r>
+          </a:p>
+          <a:p>
+            <a:endParaRPr lang="en-US" sz="3600" dirty="0"/>
           </a:p>
         </p:txBody>
       </p:sp>
@@ -9764,7 +9580,7 @@
                 <a:tabLst/>
                 <a:defRPr/>
               </a:pPr>
-              <a:t>2/28/2022</a:t>
+              <a:t>10/17/2022</a:t>
             </a:fld>
             <a:endParaRPr kumimoji="0" lang="en-US" sz="900" b="0" i="0" u="none" strike="noStrike" kern="1200" cap="none" spc="0" normalizeH="0" baseline="0" noProof="0" dirty="0">
               <a:ln>
@@ -9937,7 +9753,7 @@
     </p:spTree>
     <p:extLst>
       <p:ext uri="{BB962C8B-B14F-4D97-AF65-F5344CB8AC3E}">
-        <p14:creationId xmlns:p14="http://schemas.microsoft.com/office/powerpoint/2010/main" val="3557904411"/>
+        <p14:creationId xmlns:p14="http://schemas.microsoft.com/office/powerpoint/2010/main" val="654441149"/>
       </p:ext>
     </p:extLst>
   </p:cSld>
@@ -9948,21 +9764,8 @@
 </file>
 
 <file path=ppt/slides/slide5.xml><?xml version="1.0" encoding="utf-8"?>
-<p:sld xmlns:a="http://schemas.openxmlformats.org/drawingml/2006/main" xmlns:r="http://schemas.openxmlformats.org/officeDocument/2006/relationships" xmlns:p="http://schemas.openxmlformats.org/presentationml/2006/main">
+<p:sld xmlns:a="http://schemas.openxmlformats.org/drawingml/2006/main" xmlns:r="http://schemas.openxmlformats.org/officeDocument/2006/relationships" xmlns:p="http://schemas.openxmlformats.org/presentationml/2006/main" showMasterSp="0">
   <p:cSld>
-    <p:bg>
-      <p:bgPr>
-        <a:pattFill prst="smConfetti">
-          <a:fgClr>
-            <a:schemeClr val="accent1"/>
-          </a:fgClr>
-          <a:bgClr>
-            <a:schemeClr val="bg1"/>
-          </a:bgClr>
-        </a:pattFill>
-        <a:effectLst/>
-      </p:bgPr>
-    </p:bg>
     <p:spTree>
       <p:nvGrpSpPr>
         <p:cNvPr id="1" name=""/>
@@ -10000,7 +9803,7 @@
           <a:p>
             <a:r>
               <a:rPr lang="en-US" dirty="0"/>
-              <a:t>Files – continued – Exercises</a:t>
+              <a:t>Files – Creating</a:t>
             </a:r>
           </a:p>
         </p:txBody>
@@ -10023,8 +9826,8 @@
         </p:nvSpPr>
         <p:spPr>
           <a:xfrm>
-            <a:off x="677333" y="2160589"/>
-            <a:ext cx="9815965" cy="3880773"/>
+            <a:off x="677333" y="1487837"/>
+            <a:ext cx="11072707" cy="4553525"/>
           </a:xfrm>
         </p:spPr>
         <p:txBody>
@@ -10033,70 +9836,138 @@
           </a:bodyPr>
           <a:lstStyle/>
           <a:p>
+            <a:r>
+              <a:rPr lang="en-US" sz="3600" dirty="0"/>
+              <a:t>Be careful with names - don't clobber work</a:t>
+            </a:r>
+          </a:p>
+          <a:p>
             <a:pPr marL="0" indent="0">
               <a:buNone/>
             </a:pPr>
             <a:r>
-              <a:rPr lang="en-US" sz="3600" dirty="0"/>
-              <a:t>Create your own two examples (in my_work/)</a:t>
-            </a:r>
-          </a:p>
-          <a:p>
-            <a:pPr lvl="1"/>
-            <a:r>
-              <a:rPr lang="en-US" sz="3400" dirty="0"/>
-              <a:t>1. Write example: create_file.py</a:t>
-            </a:r>
-          </a:p>
-          <a:p>
-            <a:pPr lvl="2"/>
-            <a:r>
-              <a:rPr lang="en-US" sz="3400" b="1" dirty="0">
+              <a:rPr lang="en-US" sz="3200" b="1" dirty="0">
+                <a:solidFill>
+                  <a:srgbClr val="0070C0"/>
+                </a:solidFill>
                 <a:latin typeface="Courier New" panose="02070309020205020404" pitchFamily="49" charset="0"/>
                 <a:cs typeface="Courier New" panose="02070309020205020404" pitchFamily="49" charset="0"/>
               </a:rPr>
-              <a:t>Write program and run</a:t>
-            </a:r>
-          </a:p>
-          <a:p>
-            <a:pPr lvl="1"/>
-            <a:r>
-              <a:rPr lang="en-US" sz="3400" dirty="0"/>
-              <a:t>2. Read example: read_file.py</a:t>
-            </a:r>
-          </a:p>
-          <a:p>
-            <a:pPr lvl="2"/>
-            <a:r>
-              <a:rPr lang="en-US" sz="3200" dirty="0"/>
-              <a:t>Hint: save create_file.py as read_file.py and change </a:t>
-            </a:r>
-          </a:p>
-          <a:p>
-            <a:pPr lvl="2"/>
-            <a:r>
-              <a:rPr lang="en-US" sz="3200" dirty="0"/>
-              <a:t>open mode: </a:t>
-            </a:r>
-            <a:r>
-              <a:rPr lang="en-US" sz="3200" dirty="0">
-                <a:sym typeface="Wingdings" panose="05000000000000000000" pitchFamily="2" charset="2"/>
+              <a:t>exercises/files/create_file.py</a:t>
+            </a:r>
+          </a:p>
+          <a:p>
+            <a:pPr marL="0" indent="0">
+              <a:buNone/>
+            </a:pPr>
+            <a:endParaRPr lang="en-US" sz="3200" b="1" dirty="0">
+              <a:solidFill>
+                <a:srgbClr val="0070C0"/>
+              </a:solidFill>
+              <a:latin typeface="Courier New" panose="02070309020205020404" pitchFamily="49" charset="0"/>
+              <a:cs typeface="Courier New" panose="02070309020205020404" pitchFamily="49" charset="0"/>
+            </a:endParaRPr>
+          </a:p>
+          <a:p>
+            <a:pPr marL="0" indent="0">
+              <a:buNone/>
+            </a:pPr>
+            <a:r>
+              <a:rPr lang="en-US" sz="3600" dirty="0">
+                <a:latin typeface="Courier New" panose="02070309020205020404" pitchFamily="49" charset="0"/>
+                <a:cs typeface="Courier New" panose="02070309020205020404" pitchFamily="49" charset="0"/>
               </a:rPr>
-              <a:t></a:t>
-            </a:r>
-            <a:r>
-              <a:rPr lang="en-US" sz="3200" dirty="0"/>
-              <a:t>"r",  foutp</a:t>
-            </a:r>
-            <a:r>
-              <a:rPr lang="en-US" sz="3200" dirty="0">
-                <a:sym typeface="Wingdings" panose="05000000000000000000" pitchFamily="2" charset="2"/>
+              <a:t>with open(</a:t>
+            </a:r>
+            <a:r>
+              <a:rPr lang="en-US" sz="3600" dirty="0">
+                <a:solidFill>
+                  <a:schemeClr val="accent2"/>
+                </a:solidFill>
+                <a:latin typeface="Courier New" panose="02070309020205020404" pitchFamily="49" charset="0"/>
+                <a:cs typeface="Courier New" panose="02070309020205020404" pitchFamily="49" charset="0"/>
               </a:rPr>
-              <a:t></a:t>
-            </a:r>
-            <a:r>
-              <a:rPr lang="en-US" sz="3200" dirty="0"/>
-              <a:t>finp, </a:t>
+              <a:t>"new_data.txt", "w"</a:t>
+            </a:r>
+            <a:r>
+              <a:rPr lang="en-US" sz="3600" dirty="0">
+                <a:latin typeface="Courier New" panose="02070309020205020404" pitchFamily="49" charset="0"/>
+                <a:cs typeface="Courier New" panose="02070309020205020404" pitchFamily="49" charset="0"/>
+              </a:rPr>
+              <a:t>) as fout:</a:t>
+            </a:r>
+          </a:p>
+          <a:p>
+            <a:pPr marL="0" indent="0">
+              <a:buNone/>
+            </a:pPr>
+            <a:r>
+              <a:rPr lang="en-US" sz="3600" dirty="0">
+                <a:latin typeface="Courier New" panose="02070309020205020404" pitchFamily="49" charset="0"/>
+                <a:cs typeface="Courier New" panose="02070309020205020404" pitchFamily="49" charset="0"/>
+              </a:rPr>
+              <a:t>    for n in range(1,5+1):</a:t>
+            </a:r>
+          </a:p>
+          <a:p>
+            <a:pPr marL="1714500" lvl="4" indent="0">
+              <a:buNone/>
+            </a:pPr>
+            <a:r>
+              <a:rPr lang="en-US" sz="3600" dirty="0">
+                <a:latin typeface="Courier New" panose="02070309020205020404" pitchFamily="49" charset="0"/>
+                <a:cs typeface="Courier New" panose="02070309020205020404" pitchFamily="49" charset="0"/>
+              </a:rPr>
+              <a:t>print(f</a:t>
+            </a:r>
+            <a:r>
+              <a:rPr lang="en-US" sz="3600" dirty="0">
+                <a:solidFill>
+                  <a:schemeClr val="accent2"/>
+                </a:solidFill>
+                <a:latin typeface="Courier New" panose="02070309020205020404" pitchFamily="49" charset="0"/>
+                <a:cs typeface="Courier New" panose="02070309020205020404" pitchFamily="49" charset="0"/>
+              </a:rPr>
+              <a:t>"line {n}")         </a:t>
+            </a:r>
+            <a:r>
+              <a:rPr lang="en-US" sz="3600" dirty="0">
+                <a:latin typeface="Courier New" panose="02070309020205020404" pitchFamily="49" charset="0"/>
+                <a:cs typeface="Courier New" panose="02070309020205020404" pitchFamily="49" charset="0"/>
+              </a:rPr>
+              <a:t>					   print(f</a:t>
+            </a:r>
+            <a:r>
+              <a:rPr lang="en-US" sz="3600" dirty="0">
+                <a:solidFill>
+                  <a:schemeClr val="accent2"/>
+                </a:solidFill>
+                <a:latin typeface="Courier New" panose="02070309020205020404" pitchFamily="49" charset="0"/>
+                <a:cs typeface="Courier New" panose="02070309020205020404" pitchFamily="49" charset="0"/>
+              </a:rPr>
+              <a:t>"line {n}"</a:t>
+            </a:r>
+            <a:r>
+              <a:rPr lang="en-US" sz="3600" dirty="0">
+                <a:solidFill>
+                  <a:schemeClr val="tx1"/>
+                </a:solidFill>
+                <a:latin typeface="Courier New" panose="02070309020205020404" pitchFamily="49" charset="0"/>
+                <a:cs typeface="Courier New" panose="02070309020205020404" pitchFamily="49" charset="0"/>
+              </a:rPr>
+              <a:t>,</a:t>
+            </a:r>
+          </a:p>
+          <a:p>
+            <a:pPr marL="2171700" lvl="5" indent="0">
+              <a:buNone/>
+            </a:pPr>
+            <a:r>
+              <a:rPr lang="en-US" sz="3600" dirty="0">
+                <a:latin typeface="Courier New" panose="02070309020205020404" pitchFamily="49" charset="0"/>
+                <a:cs typeface="Courier New" panose="02070309020205020404" pitchFamily="49" charset="0"/>
+              </a:rPr>
+              <a:t>						file=fout)</a:t>
             </a:r>
           </a:p>
         </p:txBody>
@@ -10173,7 +10044,7 @@
                 <a:tabLst/>
                 <a:defRPr/>
               </a:pPr>
-              <a:t>2/28/2022</a:t>
+              <a:t>10/17/2022</a:t>
             </a:fld>
             <a:endParaRPr kumimoji="0" lang="en-US" sz="900" b="0" i="0" u="none" strike="noStrike" kern="1200" cap="none" spc="0" normalizeH="0" baseline="0" noProof="0" dirty="0">
               <a:ln>
@@ -10346,7 +10217,7 @@
     </p:spTree>
     <p:extLst>
       <p:ext uri="{BB962C8B-B14F-4D97-AF65-F5344CB8AC3E}">
-        <p14:creationId xmlns:p14="http://schemas.microsoft.com/office/powerpoint/2010/main" val="3504030455"/>
+        <p14:creationId xmlns:p14="http://schemas.microsoft.com/office/powerpoint/2010/main" val="3557904411"/>
       </p:ext>
     </p:extLst>
   </p:cSld>
@@ -10359,6 +10230,19 @@
 <file path=ppt/slides/slide6.xml><?xml version="1.0" encoding="utf-8"?>
 <p:sld xmlns:a="http://schemas.openxmlformats.org/drawingml/2006/main" xmlns:r="http://schemas.openxmlformats.org/officeDocument/2006/relationships" xmlns:p="http://schemas.openxmlformats.org/presentationml/2006/main">
   <p:cSld>
+    <p:bg>
+      <p:bgPr>
+        <a:pattFill prst="smConfetti">
+          <a:fgClr>
+            <a:schemeClr val="accent1"/>
+          </a:fgClr>
+          <a:bgClr>
+            <a:schemeClr val="bg1"/>
+          </a:bgClr>
+        </a:pattFill>
+        <a:effectLst/>
+      </p:bgPr>
+    </p:bg>
     <p:spTree>
       <p:nvGrpSpPr>
         <p:cNvPr id="1" name=""/>
@@ -10378,7 +10262,7 @@
           <p:cNvPr id="2" name="Title 1">
             <a:extLst>
               <a:ext uri="{FF2B5EF4-FFF2-40B4-BE49-F238E27FC236}">
-                <a16:creationId xmlns:a16="http://schemas.microsoft.com/office/drawing/2014/main" id="{F11EDE2B-78FC-402B-905B-CCC5BF0FE3A4}"/>
+                <a16:creationId xmlns:a16="http://schemas.microsoft.com/office/drawing/2014/main" id="{00C99C45-A655-40FD-BF53-F03EF1F5E416}"/>
               </a:ext>
             </a:extLst>
           </p:cNvPr>
@@ -10396,14 +10280,7 @@
           <a:p>
             <a:r>
               <a:rPr lang="en-US" dirty="0"/>
-              <a:t>Review File Search</a:t>
-            </a:r>
-            <a:br>
-              <a:rPr lang="en-US" dirty="0"/>
-            </a:br>
-            <a:r>
-              <a:rPr lang="en-US" dirty="0"/>
-              <a:t>- with graphical display</a:t>
+              <a:t>Files – continued – Exercises</a:t>
             </a:r>
           </a:p>
         </p:txBody>
@@ -10413,7 +10290,7 @@
           <p:cNvPr id="3" name="Content Placeholder 2">
             <a:extLst>
               <a:ext uri="{FF2B5EF4-FFF2-40B4-BE49-F238E27FC236}">
-                <a16:creationId xmlns:a16="http://schemas.microsoft.com/office/drawing/2014/main" id="{763F0260-BC2C-4CCB-9358-A15130A1A363}"/>
+                <a16:creationId xmlns:a16="http://schemas.microsoft.com/office/drawing/2014/main" id="{AAE989A4-422F-4666-8E03-249076443C19}"/>
               </a:ext>
             </a:extLst>
           </p:cNvPr>
@@ -10424,43 +10301,82 @@
             <p:ph idx="1"/>
           </p:nvPr>
         </p:nvSpPr>
-        <p:spPr/>
-        <p:txBody>
-          <a:bodyPr/>
-          <a:lstStyle/>
-          <a:p>
-            <a:r>
-              <a:rPr lang="en-US" sz="2800" dirty="0"/>
-              <a:t>p</a:t>
-            </a:r>
-            <a:r>
-              <a:rPr lang="en-US" sz="2800"/>
-              <a:t>resentation</a:t>
-            </a:r>
-            <a:r>
-              <a:rPr lang="en-US" sz="2800" dirty="0"/>
-              <a:t>/Class_6_Files…/</a:t>
+        <p:spPr>
+          <a:xfrm>
+            <a:off x="677333" y="2160589"/>
+            <a:ext cx="9815965" cy="3880773"/>
+          </a:xfrm>
+        </p:spPr>
+        <p:txBody>
+          <a:bodyPr>
+            <a:normAutofit fontScale="92500" lnSpcReduction="10000"/>
+          </a:bodyPr>
+          <a:lstStyle/>
+          <a:p>
+            <a:pPr marL="0" indent="0">
+              <a:buNone/>
+            </a:pPr>
+            <a:r>
+              <a:rPr lang="en-US" sz="3600" dirty="0"/>
+              <a:t>Create your own two examples (in my_work/)</a:t>
             </a:r>
           </a:p>
           <a:p>
             <a:pPr lvl="1"/>
             <a:r>
-              <a:rPr lang="en-US" sz="2600" dirty="0"/>
-              <a:t>file_search_graphical.py - top level search</a:t>
+              <a:rPr lang="en-US" sz="3400" dirty="0"/>
+              <a:t>1. Write example: create_file.py</a:t>
+            </a:r>
+          </a:p>
+          <a:p>
+            <a:pPr lvl="2"/>
+            <a:r>
+              <a:rPr lang="en-US" sz="3400" b="1" dirty="0">
+                <a:latin typeface="Courier New" panose="02070309020205020404" pitchFamily="49" charset="0"/>
+                <a:cs typeface="Courier New" panose="02070309020205020404" pitchFamily="49" charset="0"/>
+              </a:rPr>
+              <a:t>Write program and run</a:t>
             </a:r>
           </a:p>
           <a:p>
             <a:pPr lvl="1"/>
             <a:r>
-              <a:rPr lang="en-US" sz="2600" dirty="0"/>
-              <a:t>graphical_text.py   - object for graphics</a:t>
-            </a:r>
-          </a:p>
-          <a:p>
-            <a:pPr lvl="1"/>
-            <a:r>
-              <a:rPr lang="en-US" sz="2600" dirty="0"/>
-              <a:t>file_search_graphical_non_obj.py - old style</a:t>
+              <a:rPr lang="en-US" sz="3400" dirty="0"/>
+              <a:t>2. Read example: read_file.py</a:t>
+            </a:r>
+          </a:p>
+          <a:p>
+            <a:pPr lvl="2"/>
+            <a:r>
+              <a:rPr lang="en-US" sz="3200" dirty="0"/>
+              <a:t>Hint: save create_file.py as read_file.py and change </a:t>
+            </a:r>
+          </a:p>
+          <a:p>
+            <a:pPr lvl="2"/>
+            <a:r>
+              <a:rPr lang="en-US" sz="3200" dirty="0"/>
+              <a:t>open mode: </a:t>
+            </a:r>
+            <a:r>
+              <a:rPr lang="en-US" sz="3200" dirty="0">
+                <a:sym typeface="Wingdings" panose="05000000000000000000" pitchFamily="2" charset="2"/>
+              </a:rPr>
+              <a:t></a:t>
+            </a:r>
+            <a:r>
+              <a:rPr lang="en-US" sz="3200" dirty="0"/>
+              <a:t>"r",  foutp</a:t>
+            </a:r>
+            <a:r>
+              <a:rPr lang="en-US" sz="3200" dirty="0">
+                <a:sym typeface="Wingdings" panose="05000000000000000000" pitchFamily="2" charset="2"/>
+              </a:rPr>
+              <a:t></a:t>
+            </a:r>
+            <a:r>
+              <a:rPr lang="en-US" sz="3200" dirty="0"/>
+              <a:t>finp, </a:t>
             </a:r>
           </a:p>
         </p:txBody>
@@ -10470,7 +10386,7 @@
           <p:cNvPr id="4" name="Date Placeholder 3">
             <a:extLst>
               <a:ext uri="{FF2B5EF4-FFF2-40B4-BE49-F238E27FC236}">
-                <a16:creationId xmlns:a16="http://schemas.microsoft.com/office/drawing/2014/main" id="{8F022F1F-9D8A-41D0-B6BC-D5CD1E37851C}"/>
+                <a16:creationId xmlns:a16="http://schemas.microsoft.com/office/drawing/2014/main" id="{D4B58B9C-2101-47C6-B21D-A9C4C0222113}"/>
               </a:ext>
             </a:extLst>
           </p:cNvPr>
@@ -10486,11 +10402,75 @@
           <a:bodyPr/>
           <a:lstStyle/>
           <a:p>
+            <a:pPr marL="0" marR="0" lvl="0" indent="0" algn="r" defTabSz="457200" rtl="0" eaLnBrk="1" fontAlgn="auto" latinLnBrk="0" hangingPunct="1">
+              <a:lnSpc>
+                <a:spcPct val="100000"/>
+              </a:lnSpc>
+              <a:spcBef>
+                <a:spcPts val="0"/>
+              </a:spcBef>
+              <a:spcAft>
+                <a:spcPts val="0"/>
+              </a:spcAft>
+              <a:buClrTx/>
+              <a:buSzTx/>
+              <a:buFontTx/>
+              <a:buNone/>
+              <a:tabLst/>
+              <a:defRPr/>
+            </a:pPr>
             <a:fld id="{A7119916-CD40-456D-ABE3-55F8822671F7}" type="datetime1">
-              <a:rPr lang="en-US" smtClean="0"/>
-              <a:t>2/28/2022</a:t>
+              <a:rPr kumimoji="0" lang="en-US" sz="900" b="0" i="0" u="none" strike="noStrike" kern="1200" cap="none" spc="0" normalizeH="0" baseline="0" noProof="0" smtClean="0">
+                <a:ln>
+                  <a:noFill/>
+                </a:ln>
+                <a:solidFill>
+                  <a:prstClr val="black">
+                    <a:tint val="75000"/>
+                  </a:prstClr>
+                </a:solidFill>
+                <a:effectLst/>
+                <a:uLnTx/>
+                <a:uFillTx/>
+                <a:latin typeface="Trebuchet MS" panose="020B0603020202020204"/>
+                <a:ea typeface="+mn-ea"/>
+                <a:cs typeface="+mn-cs"/>
+              </a:rPr>
+              <a:pPr marL="0" marR="0" lvl="0" indent="0" algn="r" defTabSz="457200" rtl="0" eaLnBrk="1" fontAlgn="auto" latinLnBrk="0" hangingPunct="1">
+                <a:lnSpc>
+                  <a:spcPct val="100000"/>
+                </a:lnSpc>
+                <a:spcBef>
+                  <a:spcPts val="0"/>
+                </a:spcBef>
+                <a:spcAft>
+                  <a:spcPts val="0"/>
+                </a:spcAft>
+                <a:buClrTx/>
+                <a:buSzTx/>
+                <a:buFontTx/>
+                <a:buNone/>
+                <a:tabLst/>
+                <a:defRPr/>
+              </a:pPr>
+              <a:t>10/17/2022</a:t>
             </a:fld>
-            <a:endParaRPr lang="en-US" dirty="0"/>
+            <a:endParaRPr kumimoji="0" lang="en-US" sz="900" b="0" i="0" u="none" strike="noStrike" kern="1200" cap="none" spc="0" normalizeH="0" baseline="0" noProof="0" dirty="0">
+              <a:ln>
+                <a:noFill/>
+              </a:ln>
+              <a:solidFill>
+                <a:prstClr val="black">
+                  <a:tint val="75000"/>
+                </a:prstClr>
+              </a:solidFill>
+              <a:effectLst/>
+              <a:uLnTx/>
+              <a:uFillTx/>
+              <a:latin typeface="Trebuchet MS" panose="020B0603020202020204"/>
+              <a:ea typeface="+mn-ea"/>
+              <a:cs typeface="+mn-cs"/>
+            </a:endParaRPr>
           </a:p>
         </p:txBody>
       </p:sp>
@@ -10499,7 +10479,7 @@
           <p:cNvPr id="5" name="Footer Placeholder 4">
             <a:extLst>
               <a:ext uri="{FF2B5EF4-FFF2-40B4-BE49-F238E27FC236}">
-                <a16:creationId xmlns:a16="http://schemas.microsoft.com/office/drawing/2014/main" id="{ADC71C0D-DC6D-48F2-8285-8EF644D5731E}"/>
+                <a16:creationId xmlns:a16="http://schemas.microsoft.com/office/drawing/2014/main" id="{EB3CE92E-DA4C-49CE-8437-22304F783D2B}"/>
               </a:ext>
             </a:extLst>
           </p:cNvPr>
@@ -10515,11 +10495,42 @@
           <a:bodyPr/>
           <a:lstStyle/>
           <a:p>
-            <a:r>
-              <a:rPr lang="en-US"/>
+            <a:pPr marL="0" marR="0" lvl="0" indent="0" algn="l" defTabSz="457200" rtl="0" eaLnBrk="1" fontAlgn="auto" latinLnBrk="0" hangingPunct="1">
+              <a:lnSpc>
+                <a:spcPct val="100000"/>
+              </a:lnSpc>
+              <a:spcBef>
+                <a:spcPts val="0"/>
+              </a:spcBef>
+              <a:spcAft>
+                <a:spcPts val="0"/>
+              </a:spcAft>
+              <a:buClrTx/>
+              <a:buSzTx/>
+              <a:buFontTx/>
+              <a:buNone/>
+              <a:tabLst/>
+              <a:defRPr/>
+            </a:pPr>
+            <a:r>
+              <a:rPr kumimoji="0" lang="en-US" sz="900" b="0" i="0" u="none" strike="noStrike" kern="1200" cap="none" spc="0" normalizeH="0" baseline="0" noProof="0" dirty="0">
+                <a:ln>
+                  <a:noFill/>
+                </a:ln>
+                <a:solidFill>
+                  <a:prstClr val="black">
+                    <a:tint val="75000"/>
+                  </a:prstClr>
+                </a:solidFill>
+                <a:effectLst/>
+                <a:uLnTx/>
+                <a:uFillTx/>
+                <a:latin typeface="Trebuchet MS" panose="020B0603020202020204"/>
+                <a:ea typeface="+mn-ea"/>
+                <a:cs typeface="+mn-cs"/>
+              </a:rPr>
               <a:t>raysmith@alum.mit.edu</a:t>
             </a:r>
-            <a:endParaRPr lang="en-US" dirty="0"/>
           </a:p>
         </p:txBody>
       </p:sp>
@@ -10528,7 +10539,7 @@
           <p:cNvPr id="6" name="Slide Number Placeholder 5">
             <a:extLst>
               <a:ext uri="{FF2B5EF4-FFF2-40B4-BE49-F238E27FC236}">
-                <a16:creationId xmlns:a16="http://schemas.microsoft.com/office/drawing/2014/main" id="{57E7AEAD-B4FF-4FA4-81F8-7FD86F00EE1D}"/>
+                <a16:creationId xmlns:a16="http://schemas.microsoft.com/office/drawing/2014/main" id="{B555E688-FCD7-4E06-BD33-DA64AB1C3FA4}"/>
               </a:ext>
             </a:extLst>
           </p:cNvPr>
@@ -10544,18 +10555,78 @@
           <a:bodyPr/>
           <a:lstStyle/>
           <a:p>
+            <a:pPr marL="0" marR="0" lvl="0" indent="0" algn="r" defTabSz="457200" rtl="0" eaLnBrk="1" fontAlgn="auto" latinLnBrk="0" hangingPunct="1">
+              <a:lnSpc>
+                <a:spcPct val="100000"/>
+              </a:lnSpc>
+              <a:spcBef>
+                <a:spcPts val="0"/>
+              </a:spcBef>
+              <a:spcAft>
+                <a:spcPts val="0"/>
+              </a:spcAft>
+              <a:buClrTx/>
+              <a:buSzTx/>
+              <a:buFontTx/>
+              <a:buNone/>
+              <a:tabLst/>
+              <a:defRPr/>
+            </a:pPr>
             <a:fld id="{6D22F896-40B5-4ADD-8801-0D06FADFA095}" type="slidenum">
-              <a:rPr lang="en-US" smtClean="0"/>
+              <a:rPr kumimoji="0" lang="en-US" sz="900" b="0" i="0" u="none" strike="noStrike" kern="1200" cap="none" spc="0" normalizeH="0" baseline="0" noProof="0" smtClean="0">
+                <a:ln>
+                  <a:noFill/>
+                </a:ln>
+                <a:solidFill>
+                  <a:srgbClr val="90C226"/>
+                </a:solidFill>
+                <a:effectLst/>
+                <a:uLnTx/>
+                <a:uFillTx/>
+                <a:latin typeface="Trebuchet MS" panose="020B0603020202020204"/>
+                <a:ea typeface="+mn-ea"/>
+                <a:cs typeface="+mn-cs"/>
+              </a:rPr>
+              <a:pPr marL="0" marR="0" lvl="0" indent="0" algn="r" defTabSz="457200" rtl="0" eaLnBrk="1" fontAlgn="auto" latinLnBrk="0" hangingPunct="1">
+                <a:lnSpc>
+                  <a:spcPct val="100000"/>
+                </a:lnSpc>
+                <a:spcBef>
+                  <a:spcPts val="0"/>
+                </a:spcBef>
+                <a:spcAft>
+                  <a:spcPts val="0"/>
+                </a:spcAft>
+                <a:buClrTx/>
+                <a:buSzTx/>
+                <a:buFontTx/>
+                <a:buNone/>
+                <a:tabLst/>
+                <a:defRPr/>
+              </a:pPr>
               <a:t>6</a:t>
             </a:fld>
-            <a:endParaRPr lang="en-US" dirty="0"/>
+            <a:endParaRPr kumimoji="0" lang="en-US" sz="900" b="0" i="0" u="none" strike="noStrike" kern="1200" cap="none" spc="0" normalizeH="0" baseline="0" noProof="0" dirty="0">
+              <a:ln>
+                <a:noFill/>
+              </a:ln>
+              <a:solidFill>
+                <a:srgbClr val="90C226"/>
+              </a:solidFill>
+              <a:effectLst/>
+              <a:uLnTx/>
+              <a:uFillTx/>
+              <a:latin typeface="Trebuchet MS" panose="020B0603020202020204"/>
+              <a:ea typeface="+mn-ea"/>
+              <a:cs typeface="+mn-cs"/>
+            </a:endParaRPr>
           </a:p>
         </p:txBody>
       </p:sp>
     </p:spTree>
     <p:extLst>
       <p:ext uri="{BB962C8B-B14F-4D97-AF65-F5344CB8AC3E}">
-        <p14:creationId xmlns:p14="http://schemas.microsoft.com/office/powerpoint/2010/main" val="3517138257"/>
+        <p14:creationId xmlns:p14="http://schemas.microsoft.com/office/powerpoint/2010/main" val="3504030455"/>
       </p:ext>
     </p:extLst>
   </p:cSld>
@@ -10587,6 +10658,281 @@
           <p:cNvPr id="2" name="Title 1">
             <a:extLst>
               <a:ext uri="{FF2B5EF4-FFF2-40B4-BE49-F238E27FC236}">
+                <a16:creationId xmlns:a16="http://schemas.microsoft.com/office/drawing/2014/main" id="{F11EDE2B-78FC-402B-905B-CCC5BF0FE3A4}"/>
+              </a:ext>
+            </a:extLst>
+          </p:cNvPr>
+          <p:cNvSpPr>
+            <a:spLocks noGrp="1"/>
+          </p:cNvSpPr>
+          <p:nvPr>
+            <p:ph type="title"/>
+          </p:nvPr>
+        </p:nvSpPr>
+        <p:spPr>
+          <a:xfrm>
+            <a:off x="677334" y="609600"/>
+            <a:ext cx="8596668" cy="815340"/>
+          </a:xfrm>
+        </p:spPr>
+        <p:txBody>
+          <a:bodyPr/>
+          <a:lstStyle/>
+          <a:p>
+            <a:r>
+              <a:rPr lang="en-US" dirty="0"/>
+              <a:t>File Search – Notebook example</a:t>
+            </a:r>
+          </a:p>
+        </p:txBody>
+      </p:sp>
+      <p:sp>
+        <p:nvSpPr>
+          <p:cNvPr id="3" name="Content Placeholder 2">
+            <a:extLst>
+              <a:ext uri="{FF2B5EF4-FFF2-40B4-BE49-F238E27FC236}">
+                <a16:creationId xmlns:a16="http://schemas.microsoft.com/office/drawing/2014/main" id="{763F0260-BC2C-4CCB-9358-A15130A1A363}"/>
+              </a:ext>
+            </a:extLst>
+          </p:cNvPr>
+          <p:cNvSpPr>
+            <a:spLocks noGrp="1"/>
+          </p:cNvSpPr>
+          <p:nvPr>
+            <p:ph idx="1"/>
+          </p:nvPr>
+        </p:nvSpPr>
+        <p:spPr>
+          <a:xfrm>
+            <a:off x="677334" y="1424941"/>
+            <a:ext cx="8923866" cy="4616422"/>
+          </a:xfrm>
+        </p:spPr>
+        <p:txBody>
+          <a:bodyPr>
+            <a:noAutofit/>
+          </a:bodyPr>
+          <a:lstStyle/>
+          <a:p>
+            <a:r>
+              <a:rPr lang="en-US" sz="3200" dirty="0"/>
+              <a:t>exercises/files/notes/</a:t>
+            </a:r>
+          </a:p>
+          <a:p>
+            <a:pPr lvl="1"/>
+            <a:r>
+              <a:rPr lang="en-US" sz="3200" dirty="0"/>
+              <a:t>notes.py </a:t>
+            </a:r>
+            <a:r>
+              <a:rPr lang="en-US" sz="3200" dirty="0">
+                <a:solidFill>
+                  <a:srgbClr val="00B0F0"/>
+                </a:solidFill>
+              </a:rPr>
+              <a:t>– just the outline/plan</a:t>
+            </a:r>
+          </a:p>
+          <a:p>
+            <a:pPr lvl="1"/>
+            <a:r>
+              <a:rPr lang="en-US" sz="3200" dirty="0"/>
+              <a:t>notes_1.py </a:t>
+            </a:r>
+            <a:r>
+              <a:rPr lang="en-US" sz="3200" dirty="0">
+                <a:solidFill>
+                  <a:srgbClr val="00B0F0"/>
+                </a:solidFill>
+              </a:rPr>
+              <a:t>– just print file lines</a:t>
+            </a:r>
+          </a:p>
+          <a:p>
+            <a:pPr lvl="1"/>
+            <a:r>
+              <a:rPr lang="en-US" sz="3200" dirty="0"/>
+              <a:t>notes_2.py </a:t>
+            </a:r>
+            <a:r>
+              <a:rPr lang="en-US" sz="3200" dirty="0">
+                <a:solidFill>
+                  <a:srgbClr val="00B0F0"/>
+                </a:solidFill>
+              </a:rPr>
+              <a:t>– print lines containing pattern</a:t>
+            </a:r>
+          </a:p>
+          <a:p>
+            <a:pPr lvl="1"/>
+            <a:r>
+              <a:rPr lang="en-US" sz="3200" dirty="0"/>
+              <a:t>notes_2b.py </a:t>
+            </a:r>
+            <a:r>
+              <a:rPr lang="en-US" sz="3200" dirty="0">
+                <a:solidFill>
+                  <a:srgbClr val="00B0F0"/>
+                </a:solidFill>
+              </a:rPr>
+              <a:t>– ignore case (Jim, </a:t>
+            </a:r>
+            <a:r>
+              <a:rPr lang="en-US" sz="3200" dirty="0" err="1">
+                <a:solidFill>
+                  <a:srgbClr val="00B0F0"/>
+                </a:solidFill>
+              </a:rPr>
+              <a:t>jim</a:t>
+            </a:r>
+            <a:r>
+              <a:rPr lang="en-US" sz="3200" dirty="0">
+                <a:solidFill>
+                  <a:srgbClr val="00B0F0"/>
+                </a:solidFill>
+              </a:rPr>
+              <a:t>, JIM all match)</a:t>
+            </a:r>
+          </a:p>
+          <a:p>
+            <a:pPr lvl="1"/>
+            <a:r>
+              <a:rPr lang="en-US" sz="3200" dirty="0"/>
+              <a:t>notes_3, 4,… </a:t>
+            </a:r>
+            <a:r>
+              <a:rPr lang="en-US" sz="3200" dirty="0">
+                <a:solidFill>
+                  <a:srgbClr val="00B0F0"/>
+                </a:solidFill>
+              </a:rPr>
+              <a:t>- more extensions</a:t>
+            </a:r>
+          </a:p>
+        </p:txBody>
+      </p:sp>
+      <p:sp>
+        <p:nvSpPr>
+          <p:cNvPr id="4" name="Date Placeholder 3">
+            <a:extLst>
+              <a:ext uri="{FF2B5EF4-FFF2-40B4-BE49-F238E27FC236}">
+                <a16:creationId xmlns:a16="http://schemas.microsoft.com/office/drawing/2014/main" id="{8F022F1F-9D8A-41D0-B6BC-D5CD1E37851C}"/>
+              </a:ext>
+            </a:extLst>
+          </p:cNvPr>
+          <p:cNvSpPr>
+            <a:spLocks noGrp="1"/>
+          </p:cNvSpPr>
+          <p:nvPr>
+            <p:ph type="dt" sz="half" idx="10"/>
+          </p:nvPr>
+        </p:nvSpPr>
+        <p:spPr/>
+        <p:txBody>
+          <a:bodyPr/>
+          <a:lstStyle/>
+          <a:p>
+            <a:fld id="{A7119916-CD40-456D-ABE3-55F8822671F7}" type="datetime1">
+              <a:rPr lang="en-US" smtClean="0"/>
+              <a:t>10/17/2022</a:t>
+            </a:fld>
+            <a:endParaRPr lang="en-US" dirty="0"/>
+          </a:p>
+        </p:txBody>
+      </p:sp>
+      <p:sp>
+        <p:nvSpPr>
+          <p:cNvPr id="5" name="Footer Placeholder 4">
+            <a:extLst>
+              <a:ext uri="{FF2B5EF4-FFF2-40B4-BE49-F238E27FC236}">
+                <a16:creationId xmlns:a16="http://schemas.microsoft.com/office/drawing/2014/main" id="{ADC71C0D-DC6D-48F2-8285-8EF644D5731E}"/>
+              </a:ext>
+            </a:extLst>
+          </p:cNvPr>
+          <p:cNvSpPr>
+            <a:spLocks noGrp="1"/>
+          </p:cNvSpPr>
+          <p:nvPr>
+            <p:ph type="ftr" sz="quarter" idx="11"/>
+          </p:nvPr>
+        </p:nvSpPr>
+        <p:spPr/>
+        <p:txBody>
+          <a:bodyPr/>
+          <a:lstStyle/>
+          <a:p>
+            <a:r>
+              <a:rPr lang="en-US" dirty="0"/>
+              <a:t>raysmith@alum.mit.edu</a:t>
+            </a:r>
+          </a:p>
+        </p:txBody>
+      </p:sp>
+      <p:sp>
+        <p:nvSpPr>
+          <p:cNvPr id="6" name="Slide Number Placeholder 5">
+            <a:extLst>
+              <a:ext uri="{FF2B5EF4-FFF2-40B4-BE49-F238E27FC236}">
+                <a16:creationId xmlns:a16="http://schemas.microsoft.com/office/drawing/2014/main" id="{57E7AEAD-B4FF-4FA4-81F8-7FD86F00EE1D}"/>
+              </a:ext>
+            </a:extLst>
+          </p:cNvPr>
+          <p:cNvSpPr>
+            <a:spLocks noGrp="1"/>
+          </p:cNvSpPr>
+          <p:nvPr>
+            <p:ph type="sldNum" sz="quarter" idx="12"/>
+          </p:nvPr>
+        </p:nvSpPr>
+        <p:spPr/>
+        <p:txBody>
+          <a:bodyPr/>
+          <a:lstStyle/>
+          <a:p>
+            <a:fld id="{6D22F896-40B5-4ADD-8801-0D06FADFA095}" type="slidenum">
+              <a:rPr lang="en-US" smtClean="0"/>
+              <a:t>7</a:t>
+            </a:fld>
+            <a:endParaRPr lang="en-US" dirty="0"/>
+          </a:p>
+        </p:txBody>
+      </p:sp>
+    </p:spTree>
+    <p:extLst>
+      <p:ext uri="{BB962C8B-B14F-4D97-AF65-F5344CB8AC3E}">
+        <p14:creationId xmlns:p14="http://schemas.microsoft.com/office/powerpoint/2010/main" val="3517138257"/>
+      </p:ext>
+    </p:extLst>
+  </p:cSld>
+  <p:clrMapOvr>
+    <a:masterClrMapping/>
+  </p:clrMapOvr>
+</p:sld>
+</file>
+
+<file path=ppt/slides/slide8.xml><?xml version="1.0" encoding="utf-8"?>
+<p:sld xmlns:a="http://schemas.openxmlformats.org/drawingml/2006/main" xmlns:r="http://schemas.openxmlformats.org/officeDocument/2006/relationships" xmlns:p="http://schemas.openxmlformats.org/presentationml/2006/main">
+  <p:cSld>
+    <p:spTree>
+      <p:nvGrpSpPr>
+        <p:cNvPr id="1" name=""/>
+        <p:cNvGrpSpPr/>
+        <p:nvPr/>
+      </p:nvGrpSpPr>
+      <p:grpSpPr>
+        <a:xfrm>
+          <a:off x="0" y="0"/>
+          <a:ext cx="0" cy="0"/>
+          <a:chOff x="0" y="0"/>
+          <a:chExt cx="0" cy="0"/>
+        </a:xfrm>
+      </p:grpSpPr>
+      <p:sp>
+        <p:nvSpPr>
+          <p:cNvPr id="2" name="Title 1">
+            <a:extLst>
+              <a:ext uri="{FF2B5EF4-FFF2-40B4-BE49-F238E27FC236}">
                 <a16:creationId xmlns:a16="http://schemas.microsoft.com/office/drawing/2014/main" id="{F7E90694-AA7F-451B-A875-1D23D1FDBA32}"/>
               </a:ext>
             </a:extLst>
@@ -10640,7 +10986,7 @@
           <a:p>
             <a:fld id="{A7119916-CD40-456D-ABE3-55F8822671F7}" type="datetime1">
               <a:rPr lang="en-US" smtClean="0"/>
-              <a:t>2/28/2022</a:t>
+              <a:t>10/17/2022</a:t>
             </a:fld>
             <a:endParaRPr lang="en-US" dirty="0"/>
           </a:p>
@@ -10697,7 +11043,7 @@
           <a:p>
             <a:fld id="{6D22F896-40B5-4ADD-8801-0D06FADFA095}" type="slidenum">
               <a:rPr lang="en-US" smtClean="0"/>
-              <a:t>7</a:t>
+              <a:t>8</a:t>
             </a:fld>
             <a:endParaRPr lang="en-US" dirty="0"/>
           </a:p>
